--- a/2022/whkyhac2022/pres-whkyhac.pptx
+++ b/2022/whkyhac2022/pres-whkyhac.pptx
@@ -9,17 +9,16 @@
     <p:sldId id="257" r:id="rId3"/>
     <p:sldId id="258" r:id="rId4"/>
     <p:sldId id="259" r:id="rId5"/>
-    <p:sldId id="260" r:id="rId6"/>
-    <p:sldId id="261" r:id="rId7"/>
+    <p:sldId id="261" r:id="rId6"/>
+    <p:sldId id="271" r:id="rId7"/>
     <p:sldId id="262" r:id="rId8"/>
-    <p:sldId id="263" r:id="rId9"/>
-    <p:sldId id="264" r:id="rId10"/>
-    <p:sldId id="265" r:id="rId11"/>
-    <p:sldId id="266" r:id="rId12"/>
-    <p:sldId id="267" r:id="rId13"/>
-    <p:sldId id="268" r:id="rId14"/>
-    <p:sldId id="269" r:id="rId15"/>
-    <p:sldId id="270" r:id="rId16"/>
+    <p:sldId id="264" r:id="rId9"/>
+    <p:sldId id="265" r:id="rId10"/>
+    <p:sldId id="266" r:id="rId11"/>
+    <p:sldId id="267" r:id="rId12"/>
+    <p:sldId id="268" r:id="rId13"/>
+    <p:sldId id="269" r:id="rId14"/>
+    <p:sldId id="270" r:id="rId15"/>
   </p:sldIdLst>
   <p:sldSz cx="12192000" cy="6858000"/>
   <p:notesSz cx="6858000" cy="9144000"/>
@@ -118,6 +117,11 @@
       </a:defRPr>
     </a:lvl9pPr>
   </p:defaultTextStyle>
+  <p:extLst>
+    <p:ext uri="{EFAFB233-063F-42B5-8137-9DF3F51BA10A}">
+      <p15:sldGuideLst xmlns:p15="http://schemas.microsoft.com/office/powerpoint/2012/main"/>
+    </p:ext>
+  </p:extLst>
 </p:presentation>
 </file>
 
@@ -629,7 +633,7 @@
           <a:p>
             <a:fld id="{A6B4AE48-0A7E-3C43-8256-DFDAC9D22CFA}" type="datetimeFigureOut">
               <a:rPr lang="en-GB" smtClean="0"/>
-              <a:t>05/07/2022</a:t>
+              <a:t>06/07/2022</a:t>
             </a:fld>
             <a:endParaRPr lang="en-GB"/>
           </a:p>
@@ -1611,7 +1615,7 @@
           <a:p>
             <a:fld id="{A6B4AE48-0A7E-3C43-8256-DFDAC9D22CFA}" type="datetimeFigureOut">
               <a:rPr lang="en-GB" smtClean="0"/>
-              <a:t>05/07/2022</a:t>
+              <a:t>06/07/2022</a:t>
             </a:fld>
             <a:endParaRPr lang="en-GB"/>
           </a:p>
@@ -2481,7 +2485,7 @@
           <a:p>
             <a:fld id="{A6B4AE48-0A7E-3C43-8256-DFDAC9D22CFA}" type="datetimeFigureOut">
               <a:rPr lang="en-GB" smtClean="0"/>
-              <a:t>05/07/2022</a:t>
+              <a:t>06/07/2022</a:t>
             </a:fld>
             <a:endParaRPr lang="en-GB"/>
           </a:p>
@@ -3502,7 +3506,7 @@
           <a:p>
             <a:fld id="{A6B4AE48-0A7E-3C43-8256-DFDAC9D22CFA}" type="datetimeFigureOut">
               <a:rPr lang="en-GB" smtClean="0"/>
-              <a:t>05/07/2022</a:t>
+              <a:t>06/07/2022</a:t>
             </a:fld>
             <a:endParaRPr lang="en-GB"/>
           </a:p>
@@ -4422,7 +4426,7 @@
           <a:p>
             <a:fld id="{A6B4AE48-0A7E-3C43-8256-DFDAC9D22CFA}" type="datetimeFigureOut">
               <a:rPr lang="en-GB" smtClean="0"/>
-              <a:t>05/07/2022</a:t>
+              <a:t>06/07/2022</a:t>
             </a:fld>
             <a:endParaRPr lang="en-GB"/>
           </a:p>
@@ -5078,7 +5082,7 @@
           <a:p>
             <a:fld id="{A6B4AE48-0A7E-3C43-8256-DFDAC9D22CFA}" type="datetimeFigureOut">
               <a:rPr lang="en-GB" smtClean="0"/>
-              <a:t>05/07/2022</a:t>
+              <a:t>06/07/2022</a:t>
             </a:fld>
             <a:endParaRPr lang="en-GB"/>
           </a:p>
@@ -5935,7 +5939,7 @@
           <a:p>
             <a:fld id="{A6B4AE48-0A7E-3C43-8256-DFDAC9D22CFA}" type="datetimeFigureOut">
               <a:rPr lang="en-GB" smtClean="0"/>
-              <a:t>05/07/2022</a:t>
+              <a:t>06/07/2022</a:t>
             </a:fld>
             <a:endParaRPr lang="en-GB"/>
           </a:p>
@@ -6118,7 +6122,7 @@
           <a:p>
             <a:fld id="{A6B4AE48-0A7E-3C43-8256-DFDAC9D22CFA}" type="datetimeFigureOut">
               <a:rPr lang="en-GB" smtClean="0"/>
-              <a:t>05/07/2022</a:t>
+              <a:t>06/07/2022</a:t>
             </a:fld>
             <a:endParaRPr lang="en-GB"/>
           </a:p>
@@ -6975,7 +6979,7 @@
           <a:p>
             <a:fld id="{A6B4AE48-0A7E-3C43-8256-DFDAC9D22CFA}" type="datetimeFigureOut">
               <a:rPr lang="en-GB" smtClean="0"/>
-              <a:t>05/07/2022</a:t>
+              <a:t>06/07/2022</a:t>
             </a:fld>
             <a:endParaRPr lang="en-GB"/>
           </a:p>
@@ -7194,7 +7198,7 @@
           <a:p>
             <a:fld id="{A6B4AE48-0A7E-3C43-8256-DFDAC9D22CFA}" type="datetimeFigureOut">
               <a:rPr lang="en-GB" smtClean="0"/>
-              <a:t>05/07/2022</a:t>
+              <a:t>06/07/2022</a:t>
             </a:fld>
             <a:endParaRPr lang="en-GB"/>
           </a:p>
@@ -8119,7 +8123,7 @@
           <a:p>
             <a:fld id="{A6B4AE48-0A7E-3C43-8256-DFDAC9D22CFA}" type="datetimeFigureOut">
               <a:rPr lang="en-GB" smtClean="0"/>
-              <a:t>05/07/2022</a:t>
+              <a:t>06/07/2022</a:t>
             </a:fld>
             <a:endParaRPr lang="en-GB"/>
           </a:p>
@@ -8403,7 +8407,7 @@
           <a:p>
             <a:fld id="{A6B4AE48-0A7E-3C43-8256-DFDAC9D22CFA}" type="datetimeFigureOut">
               <a:rPr lang="en-GB" smtClean="0"/>
-              <a:t>05/07/2022</a:t>
+              <a:t>06/07/2022</a:t>
             </a:fld>
             <a:endParaRPr lang="en-GB"/>
           </a:p>
@@ -8793,7 +8797,7 @@
           <a:p>
             <a:fld id="{A6B4AE48-0A7E-3C43-8256-DFDAC9D22CFA}" type="datetimeFigureOut">
               <a:rPr lang="en-GB" smtClean="0"/>
-              <a:t>05/07/2022</a:t>
+              <a:t>06/07/2022</a:t>
             </a:fld>
             <a:endParaRPr lang="en-GB"/>
           </a:p>
@@ -8919,7 +8923,7 @@
           <a:p>
             <a:fld id="{A6B4AE48-0A7E-3C43-8256-DFDAC9D22CFA}" type="datetimeFigureOut">
               <a:rPr lang="en-GB" smtClean="0"/>
-              <a:t>05/07/2022</a:t>
+              <a:t>06/07/2022</a:t>
             </a:fld>
             <a:endParaRPr lang="en-GB"/>
           </a:p>
@@ -9014,7 +9018,7 @@
           <a:p>
             <a:fld id="{A6B4AE48-0A7E-3C43-8256-DFDAC9D22CFA}" type="datetimeFigureOut">
               <a:rPr lang="en-GB" smtClean="0"/>
-              <a:t>05/07/2022</a:t>
+              <a:t>06/07/2022</a:t>
             </a:fld>
             <a:endParaRPr lang="en-GB"/>
           </a:p>
@@ -9985,7 +9989,7 @@
           <a:p>
             <a:fld id="{A6B4AE48-0A7E-3C43-8256-DFDAC9D22CFA}" type="datetimeFigureOut">
               <a:rPr lang="en-GB" smtClean="0"/>
-              <a:t>05/07/2022</a:t>
+              <a:t>06/07/2022</a:t>
             </a:fld>
             <a:endParaRPr lang="en-GB"/>
           </a:p>
@@ -10980,7 +10984,7 @@
           <a:p>
             <a:fld id="{A6B4AE48-0A7E-3C43-8256-DFDAC9D22CFA}" type="datetimeFigureOut">
               <a:rPr lang="en-GB" smtClean="0"/>
-              <a:t>05/07/2022</a:t>
+              <a:t>06/07/2022</a:t>
             </a:fld>
             <a:endParaRPr lang="en-GB"/>
           </a:p>
@@ -11864,7 +11868,7 @@
           <a:p>
             <a:fld id="{A6B4AE48-0A7E-3C43-8256-DFDAC9D22CFA}" type="datetimeFigureOut">
               <a:rPr lang="en-GB" smtClean="0"/>
-              <a:t>05/07/2022</a:t>
+              <a:t>06/07/2022</a:t>
             </a:fld>
             <a:endParaRPr lang="en-GB"/>
           </a:p>
@@ -12519,7 +12523,7 @@
           <p:cNvPr id="2" name="Title 1">
             <a:extLst>
               <a:ext uri="{FF2B5EF4-FFF2-40B4-BE49-F238E27FC236}">
-                <a16:creationId xmlns:a16="http://schemas.microsoft.com/office/drawing/2014/main" id="{D7149846-BE3C-2251-3434-040C151638B6}"/>
+                <a16:creationId xmlns:a16="http://schemas.microsoft.com/office/drawing/2014/main" id="{F0199FC6-3B0E-0D54-34CF-A88291BFB5E5}"/>
               </a:ext>
             </a:extLst>
           </p:cNvPr>
@@ -12537,7 +12541,7 @@
           <a:p>
             <a:r>
               <a:rPr lang="en-GB" dirty="0"/>
-              <a:t>Results NWHL</a:t>
+              <a:t>Evaluation Danger Index </a:t>
             </a:r>
           </a:p>
         </p:txBody>
@@ -12547,7 +12551,7 @@
           <p:cNvPr id="3" name="Content Placeholder 2">
             <a:extLst>
               <a:ext uri="{FF2B5EF4-FFF2-40B4-BE49-F238E27FC236}">
-                <a16:creationId xmlns:a16="http://schemas.microsoft.com/office/drawing/2014/main" id="{A013E51C-3D44-B7A8-B16D-CE63156589EE}"/>
+                <a16:creationId xmlns:a16="http://schemas.microsoft.com/office/drawing/2014/main" id="{FB1C153B-30C5-B4EE-C6E9-B7AD0002AADC}"/>
               </a:ext>
             </a:extLst>
           </p:cNvPr>
@@ -12570,7 +12574,7 @@
     </p:spTree>
     <p:extLst>
       <p:ext uri="{BB962C8B-B14F-4D97-AF65-F5344CB8AC3E}">
-        <p14:creationId xmlns:p14="http://schemas.microsoft.com/office/powerpoint/2010/main" val="2190234350"/>
+        <p14:creationId xmlns:p14="http://schemas.microsoft.com/office/powerpoint/2010/main" val="3744239089"/>
       </p:ext>
     </p:extLst>
   </p:cSld>
@@ -12602,7 +12606,7 @@
           <p:cNvPr id="2" name="Title 1">
             <a:extLst>
               <a:ext uri="{FF2B5EF4-FFF2-40B4-BE49-F238E27FC236}">
-                <a16:creationId xmlns:a16="http://schemas.microsoft.com/office/drawing/2014/main" id="{F0199FC6-3B0E-0D54-34CF-A88291BFB5E5}"/>
+                <a16:creationId xmlns:a16="http://schemas.microsoft.com/office/drawing/2014/main" id="{51312286-7EF2-7F1E-C33B-DF05C65F4239}"/>
               </a:ext>
             </a:extLst>
           </p:cNvPr>
@@ -12620,7 +12624,7 @@
           <a:p>
             <a:r>
               <a:rPr lang="en-GB" dirty="0"/>
-              <a:t>Evaluation Danger Index </a:t>
+              <a:t>Tracking Data: Creating Space</a:t>
             </a:r>
           </a:p>
         </p:txBody>
@@ -12630,7 +12634,7 @@
           <p:cNvPr id="3" name="Content Placeholder 2">
             <a:extLst>
               <a:ext uri="{FF2B5EF4-FFF2-40B4-BE49-F238E27FC236}">
-                <a16:creationId xmlns:a16="http://schemas.microsoft.com/office/drawing/2014/main" id="{FB1C153B-30C5-B4EE-C6E9-B7AD0002AADC}"/>
+                <a16:creationId xmlns:a16="http://schemas.microsoft.com/office/drawing/2014/main" id="{1CAFF31D-6B71-FD28-0759-A3C83E086230}"/>
               </a:ext>
             </a:extLst>
           </p:cNvPr>
@@ -12653,7 +12657,7 @@
     </p:spTree>
     <p:extLst>
       <p:ext uri="{BB962C8B-B14F-4D97-AF65-F5344CB8AC3E}">
-        <p14:creationId xmlns:p14="http://schemas.microsoft.com/office/powerpoint/2010/main" val="3744239089"/>
+        <p14:creationId xmlns:p14="http://schemas.microsoft.com/office/powerpoint/2010/main" val="2319132127"/>
       </p:ext>
     </p:extLst>
   </p:cSld>
@@ -12703,7 +12707,7 @@
           <a:p>
             <a:r>
               <a:rPr lang="en-GB" dirty="0"/>
-              <a:t>Tracking Data: Creating Space</a:t>
+              <a:t>Tracking Data: Keeping Structure</a:t>
             </a:r>
           </a:p>
         </p:txBody>
@@ -12729,14 +12733,14 @@
           <a:bodyPr/>
           <a:lstStyle/>
           <a:p>
-            <a:endParaRPr lang="en-GB"/>
+            <a:endParaRPr lang="en-GB" dirty="0"/>
           </a:p>
         </p:txBody>
       </p:sp>
     </p:spTree>
     <p:extLst>
       <p:ext uri="{BB962C8B-B14F-4D97-AF65-F5344CB8AC3E}">
-        <p14:creationId xmlns:p14="http://schemas.microsoft.com/office/powerpoint/2010/main" val="2319132127"/>
+        <p14:creationId xmlns:p14="http://schemas.microsoft.com/office/powerpoint/2010/main" val="566271480"/>
       </p:ext>
     </p:extLst>
   </p:cSld>
@@ -12768,89 +12772,6 @@
           <p:cNvPr id="2" name="Title 1">
             <a:extLst>
               <a:ext uri="{FF2B5EF4-FFF2-40B4-BE49-F238E27FC236}">
-                <a16:creationId xmlns:a16="http://schemas.microsoft.com/office/drawing/2014/main" id="{51312286-7EF2-7F1E-C33B-DF05C65F4239}"/>
-              </a:ext>
-            </a:extLst>
-          </p:cNvPr>
-          <p:cNvSpPr>
-            <a:spLocks noGrp="1"/>
-          </p:cNvSpPr>
-          <p:nvPr>
-            <p:ph type="title"/>
-          </p:nvPr>
-        </p:nvSpPr>
-        <p:spPr/>
-        <p:txBody>
-          <a:bodyPr/>
-          <a:lstStyle/>
-          <a:p>
-            <a:r>
-              <a:rPr lang="en-GB" dirty="0"/>
-              <a:t>Tracking Data: Keeping Structure</a:t>
-            </a:r>
-          </a:p>
-        </p:txBody>
-      </p:sp>
-      <p:sp>
-        <p:nvSpPr>
-          <p:cNvPr id="3" name="Content Placeholder 2">
-            <a:extLst>
-              <a:ext uri="{FF2B5EF4-FFF2-40B4-BE49-F238E27FC236}">
-                <a16:creationId xmlns:a16="http://schemas.microsoft.com/office/drawing/2014/main" id="{1CAFF31D-6B71-FD28-0759-A3C83E086230}"/>
-              </a:ext>
-            </a:extLst>
-          </p:cNvPr>
-          <p:cNvSpPr>
-            <a:spLocks noGrp="1"/>
-          </p:cNvSpPr>
-          <p:nvPr>
-            <p:ph idx="1"/>
-          </p:nvPr>
-        </p:nvSpPr>
-        <p:spPr/>
-        <p:txBody>
-          <a:bodyPr/>
-          <a:lstStyle/>
-          <a:p>
-            <a:endParaRPr lang="en-GB"/>
-          </a:p>
-        </p:txBody>
-      </p:sp>
-    </p:spTree>
-    <p:extLst>
-      <p:ext uri="{BB962C8B-B14F-4D97-AF65-F5344CB8AC3E}">
-        <p14:creationId xmlns:p14="http://schemas.microsoft.com/office/powerpoint/2010/main" val="566271480"/>
-      </p:ext>
-    </p:extLst>
-  </p:cSld>
-  <p:clrMapOvr>
-    <a:masterClrMapping/>
-  </p:clrMapOvr>
-</p:sld>
-</file>
-
-<file path=ppt/slides/slide14.xml><?xml version="1.0" encoding="utf-8"?>
-<p:sld xmlns:a="http://schemas.openxmlformats.org/drawingml/2006/main" xmlns:r="http://schemas.openxmlformats.org/officeDocument/2006/relationships" xmlns:p="http://schemas.openxmlformats.org/presentationml/2006/main">
-  <p:cSld>
-    <p:spTree>
-      <p:nvGrpSpPr>
-        <p:cNvPr id="1" name=""/>
-        <p:cNvGrpSpPr/>
-        <p:nvPr/>
-      </p:nvGrpSpPr>
-      <p:grpSpPr>
-        <a:xfrm>
-          <a:off x="0" y="0"/>
-          <a:ext cx="0" cy="0"/>
-          <a:chOff x="0" y="0"/>
-          <a:chExt cx="0" cy="0"/>
-        </a:xfrm>
-      </p:grpSpPr>
-      <p:sp>
-        <p:nvSpPr>
-          <p:cNvPr id="2" name="Title 1">
-            <a:extLst>
-              <a:ext uri="{FF2B5EF4-FFF2-40B4-BE49-F238E27FC236}">
                 <a16:creationId xmlns:a16="http://schemas.microsoft.com/office/drawing/2014/main" id="{4A978013-6541-B9A7-C8FC-2FD05829EF6D}"/>
               </a:ext>
             </a:extLst>
@@ -12912,7 +12833,7 @@
 </p:sld>
 </file>
 
-<file path=ppt/slides/slide15.xml><?xml version="1.0" encoding="utf-8"?>
+<file path=ppt/slides/slide14.xml><?xml version="1.0" encoding="utf-8"?>
 <p:sld xmlns:a="http://schemas.openxmlformats.org/drawingml/2006/main" xmlns:r="http://schemas.openxmlformats.org/officeDocument/2006/relationships" xmlns:p="http://schemas.openxmlformats.org/presentationml/2006/main">
   <p:cSld>
     <p:spTree>
@@ -13181,7 +13102,62 @@
           <a:bodyPr/>
           <a:lstStyle/>
           <a:p>
-            <a:endParaRPr lang="en-GB"/>
+            <a:r>
+              <a:rPr lang="en-GB" dirty="0"/>
+              <a:t>Hockey-Graphs article by Matt Cane: </a:t>
+            </a:r>
+          </a:p>
+          <a:p>
+            <a:pPr marL="0" indent="0">
+              <a:buNone/>
+            </a:pPr>
+            <a:r>
+              <a:rPr lang="en-GB" dirty="0"/>
+              <a:t>	“Measuring Measuring the Importance of Structure on the Power Play” 	from February 2017</a:t>
+            </a:r>
+          </a:p>
+          <a:p>
+            <a:r>
+              <a:rPr lang="en-GB" dirty="0"/>
+              <a:t>Measuring distance from Average Shot location by shot </a:t>
+            </a:r>
+          </a:p>
+          <a:p>
+            <a:r>
+              <a:rPr lang="en-GB" i="1" dirty="0"/>
+              <a:t>Player Structure = (</a:t>
+            </a:r>
+            <a:r>
+              <a:rPr lang="el-GR" i="1" dirty="0"/>
+              <a:t>Σ </a:t>
+            </a:r>
+            <a:r>
+              <a:rPr lang="en-GB" i="1" dirty="0"/>
+              <a:t>Distance of Shot To Player’s Average Shot Location) / (# of Shots For Player)</a:t>
+            </a:r>
+          </a:p>
+          <a:p>
+            <a:r>
+              <a:rPr lang="en-GB" i="1" dirty="0"/>
+              <a:t>Team Structure Index = (</a:t>
+            </a:r>
+            <a:r>
+              <a:rPr lang="el-GR" i="1" dirty="0"/>
+              <a:t>Σ # </a:t>
+            </a:r>
+            <a:r>
+              <a:rPr lang="en-GB" i="1" dirty="0"/>
+              <a:t>of Shots for Player * Player Structure ) / (</a:t>
+            </a:r>
+            <a:r>
+              <a:rPr lang="el-GR" i="1" dirty="0"/>
+              <a:t>Σ # </a:t>
+            </a:r>
+            <a:r>
+              <a:rPr lang="en-GB" i="1" dirty="0"/>
+              <a:t>of Shots for Each Player)</a:t>
+            </a:r>
+            <a:endParaRPr lang="en-GB" dirty="0"/>
           </a:p>
         </p:txBody>
       </p:sp>
@@ -13264,7 +13240,59 @@
           <a:bodyPr/>
           <a:lstStyle/>
           <a:p>
-            <a:endParaRPr lang="en-GB"/>
+            <a:r>
+              <a:rPr lang="en-GB" dirty="0"/>
+              <a:t>Shots taken from dangerous spots?</a:t>
+            </a:r>
+          </a:p>
+          <a:p>
+            <a:pPr marL="0" indent="0">
+              <a:buNone/>
+            </a:pPr>
+            <a:r>
+              <a:rPr lang="en-GB" dirty="0"/>
+              <a:t>	</a:t>
+            </a:r>
+            <a:r>
+              <a:rPr lang="en-GB" dirty="0">
+                <a:sym typeface="Wingdings" pitchFamily="2" charset="2"/>
+              </a:rPr>
+              <a:t> Expected Goals (</a:t>
+            </a:r>
+            <a:r>
+              <a:rPr lang="en-GB" dirty="0" err="1">
+                <a:sym typeface="Wingdings" pitchFamily="2" charset="2"/>
+              </a:rPr>
+              <a:t>xG</a:t>
+            </a:r>
+            <a:r>
+              <a:rPr lang="en-GB" dirty="0">
+                <a:sym typeface="Wingdings" pitchFamily="2" charset="2"/>
+              </a:rPr>
+              <a:t>)</a:t>
+            </a:r>
+            <a:endParaRPr lang="en-GB" dirty="0"/>
+          </a:p>
+          <a:p>
+            <a:r>
+              <a:rPr lang="en-GB" dirty="0"/>
+              <a:t>How much space when taking the shot?</a:t>
+            </a:r>
+          </a:p>
+          <a:p>
+            <a:pPr marL="457200" lvl="1" indent="0">
+              <a:buNone/>
+            </a:pPr>
+            <a:r>
+              <a:rPr lang="en-GB" sz="1800" dirty="0">
+                <a:sym typeface="Wingdings" pitchFamily="2" charset="2"/>
+              </a:rPr>
+              <a:t> Tracking Data</a:t>
+            </a:r>
+            <a:endParaRPr lang="en-GB" sz="1800" dirty="0"/>
+          </a:p>
+          <a:p>
+            <a:endParaRPr lang="en-GB" dirty="0"/>
           </a:p>
         </p:txBody>
       </p:sp>
@@ -13303,7 +13331,7 @@
           <p:cNvPr id="2" name="Title 1">
             <a:extLst>
               <a:ext uri="{FF2B5EF4-FFF2-40B4-BE49-F238E27FC236}">
-                <a16:creationId xmlns:a16="http://schemas.microsoft.com/office/drawing/2014/main" id="{18059263-9C5E-5F4E-6947-E64CB6967656}"/>
+                <a16:creationId xmlns:a16="http://schemas.microsoft.com/office/drawing/2014/main" id="{17F8ADC1-1F31-A882-E762-753CB15FA630}"/>
               </a:ext>
             </a:extLst>
           </p:cNvPr>
@@ -13321,7 +13349,7 @@
           <a:p>
             <a:r>
               <a:rPr lang="en-GB" dirty="0"/>
-              <a:t>Recreate Structure Index</a:t>
+              <a:t>Expected Goals Model</a:t>
             </a:r>
           </a:p>
         </p:txBody>
@@ -13331,7 +13359,7 @@
           <p:cNvPr id="3" name="Content Placeholder 2">
             <a:extLst>
               <a:ext uri="{FF2B5EF4-FFF2-40B4-BE49-F238E27FC236}">
-                <a16:creationId xmlns:a16="http://schemas.microsoft.com/office/drawing/2014/main" id="{0281093C-3899-0025-D6F1-BB52957914B3}"/>
+                <a16:creationId xmlns:a16="http://schemas.microsoft.com/office/drawing/2014/main" id="{B596AFFC-1716-768D-A555-FE56E0082269}"/>
               </a:ext>
             </a:extLst>
           </p:cNvPr>
@@ -13347,14 +13375,75 @@
           <a:bodyPr/>
           <a:lstStyle/>
           <a:p>
-            <a:endParaRPr lang="en-GB"/>
+            <a:r>
+              <a:rPr lang="en-GB" dirty="0"/>
+              <a:t>Feature set: </a:t>
+            </a:r>
+          </a:p>
+          <a:p>
+            <a:pPr lvl="1"/>
+            <a:r>
+              <a:rPr lang="en-GB" dirty="0"/>
+              <a:t>Shot type </a:t>
+            </a:r>
+          </a:p>
+          <a:p>
+            <a:pPr lvl="1"/>
+            <a:r>
+              <a:rPr lang="en-GB" dirty="0"/>
+              <a:t>Coordinates x and y, distance to goal</a:t>
+            </a:r>
+          </a:p>
+          <a:p>
+            <a:pPr lvl="1"/>
+            <a:r>
+              <a:rPr lang="en-GB" dirty="0"/>
+              <a:t>Angle to the goal </a:t>
+            </a:r>
+          </a:p>
+          <a:p>
+            <a:pPr lvl="1"/>
+            <a:r>
+              <a:rPr lang="en-GB" dirty="0"/>
+              <a:t>Shot type, x and y previous two events </a:t>
+            </a:r>
+          </a:p>
+          <a:p>
+            <a:pPr lvl="1"/>
+            <a:r>
+              <a:rPr lang="en-GB" dirty="0"/>
+              <a:t>Time, angle and distance to goal differences between last two events</a:t>
+            </a:r>
+          </a:p>
+          <a:p>
+            <a:pPr lvl="1"/>
+            <a:r>
+              <a:rPr lang="en-GB" dirty="0"/>
+              <a:t>Strength state</a:t>
+            </a:r>
+          </a:p>
+          <a:p>
+            <a:r>
+              <a:rPr lang="en-GB" dirty="0"/>
+              <a:t>XG Boost classifier with grid search</a:t>
+            </a:r>
+          </a:p>
+          <a:p>
+            <a:r>
+              <a:rPr lang="en-GB" dirty="0" err="1"/>
+              <a:t>KFold</a:t>
+            </a:r>
+            <a:r>
+              <a:rPr lang="en-GB" dirty="0"/>
+              <a:t> split training</a:t>
+            </a:r>
           </a:p>
         </p:txBody>
       </p:sp>
     </p:spTree>
     <p:extLst>
       <p:ext uri="{BB962C8B-B14F-4D97-AF65-F5344CB8AC3E}">
-        <p14:creationId xmlns:p14="http://schemas.microsoft.com/office/powerpoint/2010/main" val="1303117498"/>
+        <p14:creationId xmlns:p14="http://schemas.microsoft.com/office/powerpoint/2010/main" val="657673248"/>
       </p:ext>
     </p:extLst>
   </p:cSld>
@@ -13386,7 +13475,7 @@
           <p:cNvPr id="2" name="Title 1">
             <a:extLst>
               <a:ext uri="{FF2B5EF4-FFF2-40B4-BE49-F238E27FC236}">
-                <a16:creationId xmlns:a16="http://schemas.microsoft.com/office/drawing/2014/main" id="{17F8ADC1-1F31-A882-E762-753CB15FA630}"/>
+                <a16:creationId xmlns:a16="http://schemas.microsoft.com/office/drawing/2014/main" id="{C3B156FA-126E-55FF-AB6E-D38713DCFF37}"/>
               </a:ext>
             </a:extLst>
           </p:cNvPr>
@@ -13403,8 +13492,8 @@
           <a:lstStyle/>
           <a:p>
             <a:r>
-              <a:rPr lang="en-GB" dirty="0"/>
-              <a:t>Expected Goals Model</a:t>
+              <a:rPr lang="en-CH" dirty="0"/>
+              <a:t>xG Index</a:t>
             </a:r>
           </a:p>
         </p:txBody>
@@ -13414,7 +13503,7 @@
           <p:cNvPr id="3" name="Content Placeholder 2">
             <a:extLst>
               <a:ext uri="{FF2B5EF4-FFF2-40B4-BE49-F238E27FC236}">
-                <a16:creationId xmlns:a16="http://schemas.microsoft.com/office/drawing/2014/main" id="{B596AFFC-1716-768D-A555-FE56E0082269}"/>
+                <a16:creationId xmlns:a16="http://schemas.microsoft.com/office/drawing/2014/main" id="{6171A989-BAF1-8EA8-24F1-5C6834A5A154}"/>
               </a:ext>
             </a:extLst>
           </p:cNvPr>
@@ -13430,14 +13519,118 @@
           <a:bodyPr/>
           <a:lstStyle/>
           <a:p>
-            <a:endParaRPr lang="en-GB"/>
+            <a:r>
+              <a:rPr lang="en-GB" dirty="0"/>
+              <a:t>I</a:t>
+            </a:r>
+            <a:r>
+              <a:rPr lang="en-CH" dirty="0"/>
+              <a:t>ntermediate step to Danger Index </a:t>
+            </a:r>
+          </a:p>
+          <a:p>
+            <a:endParaRPr lang="en-CH" dirty="0"/>
+          </a:p>
+          <a:p>
+            <a:r>
+              <a:rPr lang="en-GB" i="1" dirty="0"/>
+              <a:t>Player </a:t>
+            </a:r>
+            <a:r>
+              <a:rPr lang="en-GB" i="1" dirty="0" err="1"/>
+              <a:t>xG</a:t>
+            </a:r>
+            <a:r>
+              <a:rPr lang="en-GB" i="1" dirty="0"/>
+              <a:t> Index = </a:t>
+            </a:r>
+            <a:r>
+              <a:rPr lang="el-GR" i="1" dirty="0"/>
+              <a:t>Σ</a:t>
+            </a:r>
+            <a:r>
+              <a:rPr lang="de-CH" i="1" dirty="0"/>
+              <a:t>(</a:t>
+            </a:r>
+            <a:r>
+              <a:rPr lang="de-CH" i="1" dirty="0" err="1"/>
+              <a:t>xG</a:t>
+            </a:r>
+            <a:r>
+              <a:rPr lang="de-CH" i="1" dirty="0"/>
+              <a:t> – Average </a:t>
+            </a:r>
+            <a:r>
+              <a:rPr lang="de-CH" i="1" dirty="0" err="1"/>
+              <a:t>xG</a:t>
+            </a:r>
+            <a:r>
+              <a:rPr lang="en-GB" i="1" dirty="0"/>
+              <a:t>) / (# of Shots For Player)</a:t>
+            </a:r>
+          </a:p>
+          <a:p>
+            <a:endParaRPr lang="en-GB" i="1" dirty="0"/>
+          </a:p>
+          <a:p>
+            <a:r>
+              <a:rPr lang="en-GB" i="1" dirty="0"/>
+              <a:t>Team </a:t>
+            </a:r>
+            <a:r>
+              <a:rPr lang="en-GB" i="1" dirty="0" err="1"/>
+              <a:t>xG</a:t>
+            </a:r>
+            <a:r>
+              <a:rPr lang="en-GB" i="1" dirty="0"/>
+              <a:t> Index = </a:t>
+            </a:r>
+            <a:r>
+              <a:rPr lang="el-GR" i="1" dirty="0"/>
+              <a:t>Σ</a:t>
+            </a:r>
+            <a:r>
+              <a:rPr lang="en-GB" i="1" dirty="0"/>
+              <a:t>(</a:t>
+            </a:r>
+            <a:r>
+              <a:rPr lang="el-GR" i="1" dirty="0"/>
+              <a:t>Σ # </a:t>
+            </a:r>
+            <a:r>
+              <a:rPr lang="en-GB" i="1" dirty="0"/>
+              <a:t>of Shots for Player * Player </a:t>
+            </a:r>
+            <a:r>
+              <a:rPr lang="en-GB" i="1" dirty="0" err="1"/>
+              <a:t>xG</a:t>
+            </a:r>
+            <a:r>
+              <a:rPr lang="en-GB" i="1" dirty="0"/>
+              <a:t> Index ) / (</a:t>
+            </a:r>
+            <a:r>
+              <a:rPr lang="el-GR" i="1" dirty="0"/>
+              <a:t>Σ # </a:t>
+            </a:r>
+            <a:r>
+              <a:rPr lang="en-GB" i="1" dirty="0"/>
+              <a:t>of Shots for Each Player)</a:t>
+            </a:r>
+            <a:endParaRPr lang="en-GB" dirty="0"/>
+          </a:p>
+          <a:p>
+            <a:endParaRPr lang="en-GB" i="1" dirty="0"/>
+          </a:p>
+          <a:p>
+            <a:endParaRPr lang="en-CH" dirty="0"/>
           </a:p>
         </p:txBody>
       </p:sp>
     </p:spTree>
     <p:extLst>
       <p:ext uri="{BB962C8B-B14F-4D97-AF65-F5344CB8AC3E}">
-        <p14:creationId xmlns:p14="http://schemas.microsoft.com/office/powerpoint/2010/main" val="657673248"/>
+        <p14:creationId xmlns:p14="http://schemas.microsoft.com/office/powerpoint/2010/main" val="4137554405"/>
       </p:ext>
     </p:extLst>
   </p:cSld>
@@ -13487,7 +13680,7 @@
           <a:p>
             <a:r>
               <a:rPr lang="en-GB" dirty="0"/>
-              <a:t>Power Play Player Danger Index</a:t>
+              <a:t>Power Play Danger Index</a:t>
             </a:r>
           </a:p>
         </p:txBody>
@@ -13513,7 +13706,7 @@
           <a:bodyPr/>
           <a:lstStyle/>
           <a:p>
-            <a:endParaRPr lang="en-GB"/>
+            <a:endParaRPr lang="en-GB" dirty="0"/>
           </a:p>
         </p:txBody>
       </p:sp>
@@ -13552,7 +13745,7 @@
           <p:cNvPr id="2" name="Title 1">
             <a:extLst>
               <a:ext uri="{FF2B5EF4-FFF2-40B4-BE49-F238E27FC236}">
-                <a16:creationId xmlns:a16="http://schemas.microsoft.com/office/drawing/2014/main" id="{559911AC-C7F3-93D6-B878-E912FC52C09F}"/>
+                <a16:creationId xmlns:a16="http://schemas.microsoft.com/office/drawing/2014/main" id="{DCD01A4B-19B9-150A-5C86-60E27127E57D}"/>
               </a:ext>
             </a:extLst>
           </p:cNvPr>
@@ -13570,7 +13763,7 @@
           <a:p>
             <a:r>
               <a:rPr lang="en-GB" dirty="0"/>
-              <a:t>Power Play Team Danger Index</a:t>
+              <a:t>Results Olympics</a:t>
             </a:r>
           </a:p>
         </p:txBody>
@@ -13580,7 +13773,7 @@
           <p:cNvPr id="3" name="Content Placeholder 2">
             <a:extLst>
               <a:ext uri="{FF2B5EF4-FFF2-40B4-BE49-F238E27FC236}">
-                <a16:creationId xmlns:a16="http://schemas.microsoft.com/office/drawing/2014/main" id="{24AC881F-6A3C-D658-E5A4-1B038F971999}"/>
+                <a16:creationId xmlns:a16="http://schemas.microsoft.com/office/drawing/2014/main" id="{335E7FF4-A946-BE48-A574-9B2906E50946}"/>
               </a:ext>
             </a:extLst>
           </p:cNvPr>
@@ -13603,7 +13796,7 @@
     </p:spTree>
     <p:extLst>
       <p:ext uri="{BB962C8B-B14F-4D97-AF65-F5344CB8AC3E}">
-        <p14:creationId xmlns:p14="http://schemas.microsoft.com/office/powerpoint/2010/main" val="3269265068"/>
+        <p14:creationId xmlns:p14="http://schemas.microsoft.com/office/powerpoint/2010/main" val="3580316750"/>
       </p:ext>
     </p:extLst>
   </p:cSld>
@@ -13635,7 +13828,7 @@
           <p:cNvPr id="2" name="Title 1">
             <a:extLst>
               <a:ext uri="{FF2B5EF4-FFF2-40B4-BE49-F238E27FC236}">
-                <a16:creationId xmlns:a16="http://schemas.microsoft.com/office/drawing/2014/main" id="{DCD01A4B-19B9-150A-5C86-60E27127E57D}"/>
+                <a16:creationId xmlns:a16="http://schemas.microsoft.com/office/drawing/2014/main" id="{D7149846-BE3C-2251-3434-040C151638B6}"/>
               </a:ext>
             </a:extLst>
           </p:cNvPr>
@@ -13653,7 +13846,7 @@
           <a:p>
             <a:r>
               <a:rPr lang="en-GB" dirty="0"/>
-              <a:t>Results Olympics</a:t>
+              <a:t>Results NWHL</a:t>
             </a:r>
           </a:p>
         </p:txBody>
@@ -13663,7 +13856,7 @@
           <p:cNvPr id="3" name="Content Placeholder 2">
             <a:extLst>
               <a:ext uri="{FF2B5EF4-FFF2-40B4-BE49-F238E27FC236}">
-                <a16:creationId xmlns:a16="http://schemas.microsoft.com/office/drawing/2014/main" id="{335E7FF4-A946-BE48-A574-9B2906E50946}"/>
+                <a16:creationId xmlns:a16="http://schemas.microsoft.com/office/drawing/2014/main" id="{A013E51C-3D44-B7A8-B16D-CE63156589EE}"/>
               </a:ext>
             </a:extLst>
           </p:cNvPr>
@@ -13686,7 +13879,7 @@
     </p:spTree>
     <p:extLst>
       <p:ext uri="{BB962C8B-B14F-4D97-AF65-F5344CB8AC3E}">
-        <p14:creationId xmlns:p14="http://schemas.microsoft.com/office/powerpoint/2010/main" val="3580316750"/>
+        <p14:creationId xmlns:p14="http://schemas.microsoft.com/office/powerpoint/2010/main" val="2190234350"/>
       </p:ext>
     </p:extLst>
   </p:cSld>

--- a/2022/whkyhac2022/pres-whkyhac.pptx
+++ b/2022/whkyhac2022/pres-whkyhac.pptx
@@ -13,12 +13,15 @@
     <p:sldId id="271" r:id="rId7"/>
     <p:sldId id="262" r:id="rId8"/>
     <p:sldId id="264" r:id="rId9"/>
-    <p:sldId id="265" r:id="rId10"/>
-    <p:sldId id="266" r:id="rId11"/>
-    <p:sldId id="267" r:id="rId12"/>
-    <p:sldId id="268" r:id="rId13"/>
-    <p:sldId id="269" r:id="rId14"/>
-    <p:sldId id="270" r:id="rId15"/>
+    <p:sldId id="275" r:id="rId10"/>
+    <p:sldId id="265" r:id="rId11"/>
+    <p:sldId id="277" r:id="rId12"/>
+    <p:sldId id="266" r:id="rId13"/>
+    <p:sldId id="267" r:id="rId14"/>
+    <p:sldId id="268" r:id="rId15"/>
+    <p:sldId id="269" r:id="rId16"/>
+    <p:sldId id="274" r:id="rId17"/>
+    <p:sldId id="270" r:id="rId18"/>
   </p:sldIdLst>
   <p:sldSz cx="12192000" cy="6858000"/>
   <p:notesSz cx="6858000" cy="9144000"/>
@@ -12504,6 +12507,1960 @@
 <file path=ppt/slides/slide10.xml><?xml version="1.0" encoding="utf-8"?>
 <p:sld xmlns:a="http://schemas.openxmlformats.org/drawingml/2006/main" xmlns:r="http://schemas.openxmlformats.org/officeDocument/2006/relationships" xmlns:p="http://schemas.openxmlformats.org/presentationml/2006/main">
   <p:cSld>
+    <p:bg>
+      <p:bgPr>
+        <a:solidFill>
+          <a:schemeClr val="bg1"/>
+        </a:solidFill>
+        <a:effectLst/>
+      </p:bgPr>
+    </p:bg>
+    <p:spTree>
+      <p:nvGrpSpPr>
+        <p:cNvPr id="1" name=""/>
+        <p:cNvGrpSpPr/>
+        <p:nvPr/>
+      </p:nvGrpSpPr>
+      <p:grpSpPr>
+        <a:xfrm>
+          <a:off x="0" y="0"/>
+          <a:ext cx="0" cy="0"/>
+          <a:chOff x="0" y="0"/>
+          <a:chExt cx="0" cy="0"/>
+        </a:xfrm>
+      </p:grpSpPr>
+      <p:sp useBgFill="1">
+        <p:nvSpPr>
+          <p:cNvPr id="8" name="Rectangle 7">
+            <a:extLst>
+              <a:ext uri="{FF2B5EF4-FFF2-40B4-BE49-F238E27FC236}">
+                <a16:creationId xmlns:a16="http://schemas.microsoft.com/office/drawing/2014/main" id="{324E43EB-867C-4B35-9A5C-E435157C7297}"/>
+              </a:ext>
+              <a:ext uri="{C183D7F6-B498-43B3-948B-1728B52AA6E4}">
+                <adec:decorative xmlns:adec="http://schemas.microsoft.com/office/drawing/2017/decorative" val="1"/>
+              </a:ext>
+            </a:extLst>
+          </p:cNvPr>
+          <p:cNvSpPr>
+            <a:spLocks noGrp="1" noRot="1" noChangeAspect="1" noMove="1" noResize="1" noEditPoints="1" noAdjustHandles="1" noChangeArrowheads="1" noChangeShapeType="1" noTextEdit="1"/>
+          </p:cNvSpPr>
+          <p:nvPr>
+            <p:extLst>
+              <p:ext uri="{386F3935-93C4-4BCD-93E2-E3B085C9AB24}">
+                <p16:designElem xmlns:p16="http://schemas.microsoft.com/office/powerpoint/2015/main" val="1"/>
+              </p:ext>
+            </p:extLst>
+          </p:nvPr>
+        </p:nvSpPr>
+        <p:spPr>
+          <a:xfrm>
+            <a:off x="0" y="0"/>
+            <a:ext cx="12192000" cy="6858000"/>
+          </a:xfrm>
+          <a:prstGeom prst="rect">
+            <a:avLst/>
+          </a:prstGeom>
+          <a:ln>
+            <a:noFill/>
+          </a:ln>
+        </p:spPr>
+        <p:style>
+          <a:lnRef idx="2">
+            <a:schemeClr val="accent1">
+              <a:shade val="50000"/>
+            </a:schemeClr>
+          </a:lnRef>
+          <a:fillRef idx="1">
+            <a:schemeClr val="accent1"/>
+          </a:fillRef>
+          <a:effectRef idx="0">
+            <a:schemeClr val="accent1"/>
+          </a:effectRef>
+          <a:fontRef idx="minor">
+            <a:schemeClr val="lt1"/>
+          </a:fontRef>
+        </p:style>
+        <p:txBody>
+          <a:bodyPr rtlCol="0" anchor="ctr"/>
+          <a:lstStyle/>
+          <a:p>
+            <a:pPr algn="ctr"/>
+            <a:endParaRPr lang="en-US"/>
+          </a:p>
+        </p:txBody>
+      </p:sp>
+      <p:grpSp>
+        <p:nvGrpSpPr>
+          <p:cNvPr id="10" name="Group 9">
+            <a:extLst>
+              <a:ext uri="{FF2B5EF4-FFF2-40B4-BE49-F238E27FC236}">
+                <a16:creationId xmlns:a16="http://schemas.microsoft.com/office/drawing/2014/main" id="{E9E30886-05F9-4600-87C6-A496E2500DDC}"/>
+              </a:ext>
+              <a:ext uri="{C183D7F6-B498-43B3-948B-1728B52AA6E4}">
+                <adec:decorative xmlns:adec="http://schemas.microsoft.com/office/drawing/2017/decorative" val="1"/>
+              </a:ext>
+            </a:extLst>
+          </p:cNvPr>
+          <p:cNvGrpSpPr>
+            <a:grpSpLocks noGrp="1" noUngrp="1" noRot="1" noChangeAspect="1" noMove="1" noResize="1"/>
+          </p:cNvGrpSpPr>
+          <p:nvPr>
+            <p:extLst>
+              <p:ext uri="{386F3935-93C4-4BCD-93E2-E3B085C9AB24}">
+                <p16:designElem xmlns:p16="http://schemas.microsoft.com/office/powerpoint/2015/main" val="1"/>
+              </p:ext>
+            </p:extLst>
+          </p:nvPr>
+        </p:nvGrpSpPr>
+        <p:grpSpPr>
+          <a:xfrm>
+            <a:off x="-1588" y="0"/>
+            <a:ext cx="12193588" cy="6861555"/>
+            <a:chOff x="-1588" y="0"/>
+            <a:chExt cx="12193588" cy="6861555"/>
+          </a:xfrm>
+        </p:grpSpPr>
+        <p:sp>
+          <p:nvSpPr>
+            <p:cNvPr id="11" name="Rectangle 10">
+              <a:extLst>
+                <a:ext uri="{FF2B5EF4-FFF2-40B4-BE49-F238E27FC236}">
+                  <a16:creationId xmlns:a16="http://schemas.microsoft.com/office/drawing/2014/main" id="{76E3D100-B353-443A-A394-8F226FEE7D35}"/>
+                </a:ext>
+                <a:ext uri="{C183D7F6-B498-43B3-948B-1728B52AA6E4}">
+                  <adec:decorative xmlns:adec="http://schemas.microsoft.com/office/drawing/2017/decorative" val="1"/>
+                </a:ext>
+              </a:extLst>
+            </p:cNvPr>
+            <p:cNvSpPr/>
+            <p:nvPr>
+              <p:extLst>
+                <p:ext uri="{386F3935-93C4-4BCD-93E2-E3B085C9AB24}">
+                  <p16:designElem xmlns:p16="http://schemas.microsoft.com/office/powerpoint/2015/main" val="1"/>
+                </p:ext>
+              </p:extLst>
+            </p:nvPr>
+          </p:nvSpPr>
+          <p:spPr>
+            <a:xfrm>
+              <a:off x="0" y="0"/>
+              <a:ext cx="12192000" cy="6858000"/>
+            </a:xfrm>
+            <a:prstGeom prst="rect">
+              <a:avLst/>
+            </a:prstGeom>
+            <a:blipFill>
+              <a:blip r:embed="rId2">
+                <a:duotone>
+                  <a:schemeClr val="dk2">
+                    <a:shade val="69000"/>
+                    <a:hueMod val="108000"/>
+                    <a:satMod val="164000"/>
+                    <a:lumMod val="74000"/>
+                  </a:schemeClr>
+                  <a:schemeClr val="dk2">
+                    <a:tint val="96000"/>
+                    <a:hueMod val="88000"/>
+                    <a:satMod val="140000"/>
+                    <a:lumMod val="132000"/>
+                  </a:schemeClr>
+                </a:duotone>
+              </a:blip>
+              <a:stretch>
+                <a:fillRect/>
+              </a:stretch>
+            </a:blipFill>
+            <a:ln>
+              <a:noFill/>
+            </a:ln>
+          </p:spPr>
+          <p:style>
+            <a:lnRef idx="2">
+              <a:schemeClr val="accent1">
+                <a:shade val="50000"/>
+              </a:schemeClr>
+            </a:lnRef>
+            <a:fillRef idx="1">
+              <a:schemeClr val="accent1"/>
+            </a:fillRef>
+            <a:effectRef idx="0">
+              <a:schemeClr val="accent1"/>
+            </a:effectRef>
+            <a:fontRef idx="minor">
+              <a:schemeClr val="lt1"/>
+            </a:fontRef>
+          </p:style>
+        </p:sp>
+        <p:sp>
+          <p:nvSpPr>
+            <p:cNvPr id="12" name="Oval 11">
+              <a:extLst>
+                <a:ext uri="{FF2B5EF4-FFF2-40B4-BE49-F238E27FC236}">
+                  <a16:creationId xmlns:a16="http://schemas.microsoft.com/office/drawing/2014/main" id="{BD04B277-A9C3-4AA1-A0A0-C6D9B50C8E03}"/>
+                </a:ext>
+                <a:ext uri="{C183D7F6-B498-43B3-948B-1728B52AA6E4}">
+                  <adec:decorative xmlns:adec="http://schemas.microsoft.com/office/drawing/2017/decorative" val="1"/>
+                </a:ext>
+              </a:extLst>
+            </p:cNvPr>
+            <p:cNvSpPr/>
+            <p:nvPr>
+              <p:extLst>
+                <p:ext uri="{386F3935-93C4-4BCD-93E2-E3B085C9AB24}">
+                  <p16:designElem xmlns:p16="http://schemas.microsoft.com/office/powerpoint/2015/main" val="1"/>
+                </p:ext>
+              </p:extLst>
+            </p:nvPr>
+          </p:nvSpPr>
+          <p:spPr>
+            <a:xfrm>
+              <a:off x="8761412" y="1828800"/>
+              <a:ext cx="2819400" cy="2819400"/>
+            </a:xfrm>
+            <a:prstGeom prst="ellipse">
+              <a:avLst/>
+            </a:prstGeom>
+            <a:gradFill flip="none" rotWithShape="1">
+              <a:gsLst>
+                <a:gs pos="0">
+                  <a:schemeClr val="accent5">
+                    <a:alpha val="7000"/>
+                  </a:schemeClr>
+                </a:gs>
+                <a:gs pos="69000">
+                  <a:schemeClr val="accent5">
+                    <a:alpha val="0"/>
+                  </a:schemeClr>
+                </a:gs>
+                <a:gs pos="36000">
+                  <a:schemeClr val="accent5">
+                    <a:alpha val="6000"/>
+                  </a:schemeClr>
+                </a:gs>
+              </a:gsLst>
+              <a:path path="circle">
+                <a:fillToRect l="50000" t="50000" r="50000" b="50000"/>
+              </a:path>
+              <a:tileRect/>
+            </a:gradFill>
+            <a:ln>
+              <a:noFill/>
+            </a:ln>
+            <a:effectLst/>
+          </p:spPr>
+          <p:style>
+            <a:lnRef idx="1">
+              <a:schemeClr val="accent1"/>
+            </a:lnRef>
+            <a:fillRef idx="3">
+              <a:schemeClr val="accent1"/>
+            </a:fillRef>
+            <a:effectRef idx="2">
+              <a:schemeClr val="accent1"/>
+            </a:effectRef>
+            <a:fontRef idx="minor">
+              <a:schemeClr val="lt1"/>
+            </a:fontRef>
+          </p:style>
+        </p:sp>
+        <p:sp>
+          <p:nvSpPr>
+            <p:cNvPr id="13" name="Oval 12">
+              <a:extLst>
+                <a:ext uri="{FF2B5EF4-FFF2-40B4-BE49-F238E27FC236}">
+                  <a16:creationId xmlns:a16="http://schemas.microsoft.com/office/drawing/2014/main" id="{60911518-8CE1-4410-806E-3CD2DE1C557B}"/>
+                </a:ext>
+                <a:ext uri="{C183D7F6-B498-43B3-948B-1728B52AA6E4}">
+                  <adec:decorative xmlns:adec="http://schemas.microsoft.com/office/drawing/2017/decorative" val="1"/>
+                </a:ext>
+              </a:extLst>
+            </p:cNvPr>
+            <p:cNvSpPr/>
+            <p:nvPr>
+              <p:extLst>
+                <p:ext uri="{386F3935-93C4-4BCD-93E2-E3B085C9AB24}">
+                  <p16:designElem xmlns:p16="http://schemas.microsoft.com/office/powerpoint/2015/main" val="1"/>
+                </p:ext>
+              </p:extLst>
+            </p:nvPr>
+          </p:nvSpPr>
+          <p:spPr>
+            <a:xfrm>
+              <a:off x="8761412" y="5870955"/>
+              <a:ext cx="990600" cy="990600"/>
+            </a:xfrm>
+            <a:prstGeom prst="ellipse">
+              <a:avLst/>
+            </a:prstGeom>
+            <a:gradFill flip="none" rotWithShape="1">
+              <a:gsLst>
+                <a:gs pos="0">
+                  <a:schemeClr val="accent5">
+                    <a:alpha val="14000"/>
+                  </a:schemeClr>
+                </a:gs>
+                <a:gs pos="66000">
+                  <a:schemeClr val="accent5">
+                    <a:alpha val="0"/>
+                  </a:schemeClr>
+                </a:gs>
+                <a:gs pos="36000">
+                  <a:schemeClr val="accent5">
+                    <a:alpha val="7000"/>
+                  </a:schemeClr>
+                </a:gs>
+              </a:gsLst>
+              <a:path path="circle">
+                <a:fillToRect l="50000" t="50000" r="50000" b="50000"/>
+              </a:path>
+              <a:tileRect/>
+            </a:gradFill>
+            <a:ln>
+              <a:noFill/>
+            </a:ln>
+            <a:effectLst/>
+          </p:spPr>
+          <p:style>
+            <a:lnRef idx="1">
+              <a:schemeClr val="accent1"/>
+            </a:lnRef>
+            <a:fillRef idx="3">
+              <a:schemeClr val="accent1"/>
+            </a:fillRef>
+            <a:effectRef idx="2">
+              <a:schemeClr val="accent1"/>
+            </a:effectRef>
+            <a:fontRef idx="minor">
+              <a:schemeClr val="lt1"/>
+            </a:fontRef>
+          </p:style>
+        </p:sp>
+        <p:sp>
+          <p:nvSpPr>
+            <p:cNvPr id="14" name="Oval 13">
+              <a:extLst>
+                <a:ext uri="{FF2B5EF4-FFF2-40B4-BE49-F238E27FC236}">
+                  <a16:creationId xmlns:a16="http://schemas.microsoft.com/office/drawing/2014/main" id="{D9A3DC92-72B1-41C6-A069-B27430DA3728}"/>
+                </a:ext>
+                <a:ext uri="{C183D7F6-B498-43B3-948B-1728B52AA6E4}">
+                  <adec:decorative xmlns:adec="http://schemas.microsoft.com/office/drawing/2017/decorative" val="1"/>
+                </a:ext>
+              </a:extLst>
+            </p:cNvPr>
+            <p:cNvSpPr/>
+            <p:nvPr>
+              <p:extLst>
+                <p:ext uri="{386F3935-93C4-4BCD-93E2-E3B085C9AB24}">
+                  <p16:designElem xmlns:p16="http://schemas.microsoft.com/office/powerpoint/2015/main" val="1"/>
+                </p:ext>
+              </p:extLst>
+            </p:nvPr>
+          </p:nvSpPr>
+          <p:spPr>
+            <a:xfrm>
+              <a:off x="-1588" y="2667000"/>
+              <a:ext cx="4191000" cy="4191000"/>
+            </a:xfrm>
+            <a:prstGeom prst="ellipse">
+              <a:avLst/>
+            </a:prstGeom>
+            <a:gradFill flip="none" rotWithShape="1">
+              <a:gsLst>
+                <a:gs pos="0">
+                  <a:schemeClr val="accent5">
+                    <a:alpha val="11000"/>
+                  </a:schemeClr>
+                </a:gs>
+                <a:gs pos="75000">
+                  <a:schemeClr val="accent5">
+                    <a:alpha val="0"/>
+                  </a:schemeClr>
+                </a:gs>
+                <a:gs pos="36000">
+                  <a:schemeClr val="accent5">
+                    <a:alpha val="10000"/>
+                  </a:schemeClr>
+                </a:gs>
+              </a:gsLst>
+              <a:path path="circle">
+                <a:fillToRect l="50000" t="50000" r="50000" b="50000"/>
+              </a:path>
+              <a:tileRect/>
+            </a:gradFill>
+            <a:ln>
+              <a:noFill/>
+            </a:ln>
+            <a:effectLst/>
+          </p:spPr>
+          <p:style>
+            <a:lnRef idx="1">
+              <a:schemeClr val="accent1"/>
+            </a:lnRef>
+            <a:fillRef idx="3">
+              <a:schemeClr val="accent1"/>
+            </a:fillRef>
+            <a:effectRef idx="2">
+              <a:schemeClr val="accent1"/>
+            </a:effectRef>
+            <a:fontRef idx="minor">
+              <a:schemeClr val="lt1"/>
+            </a:fontRef>
+          </p:style>
+        </p:sp>
+        <p:sp>
+          <p:nvSpPr>
+            <p:cNvPr id="15" name="Rectangle 14">
+              <a:extLst>
+                <a:ext uri="{FF2B5EF4-FFF2-40B4-BE49-F238E27FC236}">
+                  <a16:creationId xmlns:a16="http://schemas.microsoft.com/office/drawing/2014/main" id="{6248621D-BAC3-4AD3-8A23-B6328BDDAA19}"/>
+                </a:ext>
+                <a:ext uri="{C183D7F6-B498-43B3-948B-1728B52AA6E4}">
+                  <adec:decorative xmlns:adec="http://schemas.microsoft.com/office/drawing/2017/decorative" val="1"/>
+                </a:ext>
+              </a:extLst>
+            </p:cNvPr>
+            <p:cNvSpPr/>
+            <p:nvPr>
+              <p:extLst>
+                <p:ext uri="{386F3935-93C4-4BCD-93E2-E3B085C9AB24}">
+                  <p16:designElem xmlns:p16="http://schemas.microsoft.com/office/powerpoint/2015/main" val="1"/>
+                </p:ext>
+              </p:extLst>
+            </p:nvPr>
+          </p:nvSpPr>
+          <p:spPr>
+            <a:xfrm>
+              <a:off x="5713412" y="402165"/>
+              <a:ext cx="6055253" cy="6053670"/>
+            </a:xfrm>
+            <a:prstGeom prst="rect">
+              <a:avLst/>
+            </a:prstGeom>
+            <a:solidFill>
+              <a:schemeClr val="bg1"/>
+            </a:solidFill>
+            <a:ln>
+              <a:noFill/>
+            </a:ln>
+            <a:effectLst/>
+          </p:spPr>
+          <p:style>
+            <a:lnRef idx="1">
+              <a:schemeClr val="accent1"/>
+            </a:lnRef>
+            <a:fillRef idx="3">
+              <a:schemeClr val="accent1"/>
+            </a:fillRef>
+            <a:effectRef idx="2">
+              <a:schemeClr val="accent1"/>
+            </a:effectRef>
+            <a:fontRef idx="minor">
+              <a:schemeClr val="lt1"/>
+            </a:fontRef>
+          </p:style>
+        </p:sp>
+        <p:sp>
+          <p:nvSpPr>
+            <p:cNvPr id="16" name="Freeform 5">
+              <a:extLst>
+                <a:ext uri="{FF2B5EF4-FFF2-40B4-BE49-F238E27FC236}">
+                  <a16:creationId xmlns:a16="http://schemas.microsoft.com/office/drawing/2014/main" id="{5E8E1843-4729-4C56-A855-B13ECCBDEAB8}"/>
+                </a:ext>
+                <a:ext uri="{C183D7F6-B498-43B3-948B-1728B52AA6E4}">
+                  <adec:decorative xmlns:adec="http://schemas.microsoft.com/office/drawing/2017/decorative" val="1"/>
+                </a:ext>
+              </a:extLst>
+            </p:cNvPr>
+            <p:cNvSpPr/>
+            <p:nvPr>
+              <p:extLst>
+                <p:ext uri="{386F3935-93C4-4BCD-93E2-E3B085C9AB24}">
+                  <p16:designElem xmlns:p16="http://schemas.microsoft.com/office/powerpoint/2015/main" val="1"/>
+                </p:ext>
+              </p:extLst>
+            </p:nvPr>
+          </p:nvSpPr>
+          <p:spPr bwMode="gray">
+            <a:xfrm rot="16200000">
+              <a:off x="2229377" y="2801721"/>
+              <a:ext cx="6053670" cy="1254558"/>
+            </a:xfrm>
+            <a:custGeom>
+              <a:avLst/>
+              <a:gdLst/>
+              <a:ahLst/>
+              <a:cxnLst/>
+              <a:rect l="l" t="t" r="r" b="b"/>
+              <a:pathLst>
+                <a:path w="10000" h="8000">
+                  <a:moveTo>
+                    <a:pt x="0" y="0"/>
+                  </a:moveTo>
+                  <a:lnTo>
+                    <a:pt x="0" y="7970"/>
+                  </a:lnTo>
+                  <a:lnTo>
+                    <a:pt x="10000" y="8000"/>
+                  </a:lnTo>
+                  <a:lnTo>
+                    <a:pt x="10000" y="7"/>
+                  </a:lnTo>
+                  <a:lnTo>
+                    <a:pt x="10000" y="7"/>
+                  </a:lnTo>
+                  <a:lnTo>
+                    <a:pt x="9773" y="156"/>
+                  </a:lnTo>
+                  <a:lnTo>
+                    <a:pt x="9547" y="298"/>
+                  </a:lnTo>
+                  <a:lnTo>
+                    <a:pt x="9320" y="437"/>
+                  </a:lnTo>
+                  <a:lnTo>
+                    <a:pt x="9092" y="556"/>
+                  </a:lnTo>
+                  <a:lnTo>
+                    <a:pt x="8865" y="676"/>
+                  </a:lnTo>
+                  <a:lnTo>
+                    <a:pt x="8637" y="788"/>
+                  </a:lnTo>
+                  <a:lnTo>
+                    <a:pt x="8412" y="884"/>
+                  </a:lnTo>
+                  <a:lnTo>
+                    <a:pt x="8184" y="975"/>
+                  </a:lnTo>
+                  <a:lnTo>
+                    <a:pt x="7957" y="1058"/>
+                  </a:lnTo>
+                  <a:lnTo>
+                    <a:pt x="7734" y="1130"/>
+                  </a:lnTo>
+                  <a:lnTo>
+                    <a:pt x="7508" y="1202"/>
+                  </a:lnTo>
+                  <a:lnTo>
+                    <a:pt x="7285" y="1262"/>
+                  </a:lnTo>
+                  <a:lnTo>
+                    <a:pt x="7062" y="1309"/>
+                  </a:lnTo>
+                  <a:lnTo>
+                    <a:pt x="6840" y="1358"/>
+                  </a:lnTo>
+                  <a:lnTo>
+                    <a:pt x="6620" y="1399"/>
+                  </a:lnTo>
+                  <a:lnTo>
+                    <a:pt x="6402" y="1428"/>
+                  </a:lnTo>
+                  <a:lnTo>
+                    <a:pt x="6184" y="1453"/>
+                  </a:lnTo>
+                  <a:lnTo>
+                    <a:pt x="5968" y="1477"/>
+                  </a:lnTo>
+                  <a:lnTo>
+                    <a:pt x="5755" y="1488"/>
+                  </a:lnTo>
+                  <a:lnTo>
+                    <a:pt x="5542" y="1500"/>
+                  </a:lnTo>
+                  <a:lnTo>
+                    <a:pt x="5332" y="1506"/>
+                  </a:lnTo>
+                  <a:lnTo>
+                    <a:pt x="5124" y="1500"/>
+                  </a:lnTo>
+                  <a:lnTo>
+                    <a:pt x="4918" y="1500"/>
+                  </a:lnTo>
+                  <a:lnTo>
+                    <a:pt x="4714" y="1488"/>
+                  </a:lnTo>
+                  <a:lnTo>
+                    <a:pt x="4514" y="1470"/>
+                  </a:lnTo>
+                  <a:lnTo>
+                    <a:pt x="4316" y="1453"/>
+                  </a:lnTo>
+                  <a:lnTo>
+                    <a:pt x="4122" y="1434"/>
+                  </a:lnTo>
+                  <a:lnTo>
+                    <a:pt x="3929" y="1405"/>
+                  </a:lnTo>
+                  <a:lnTo>
+                    <a:pt x="3739" y="1374"/>
+                  </a:lnTo>
+                  <a:lnTo>
+                    <a:pt x="3553" y="1346"/>
+                  </a:lnTo>
+                  <a:lnTo>
+                    <a:pt x="3190" y="1267"/>
+                  </a:lnTo>
+                  <a:lnTo>
+                    <a:pt x="2842" y="1183"/>
+                  </a:lnTo>
+                  <a:lnTo>
+                    <a:pt x="2508" y="1095"/>
+                  </a:lnTo>
+                  <a:lnTo>
+                    <a:pt x="2192" y="998"/>
+                  </a:lnTo>
+                  <a:lnTo>
+                    <a:pt x="1890" y="897"/>
+                  </a:lnTo>
+                  <a:lnTo>
+                    <a:pt x="1610" y="788"/>
+                  </a:lnTo>
+                  <a:lnTo>
+                    <a:pt x="1347" y="681"/>
+                  </a:lnTo>
+                  <a:lnTo>
+                    <a:pt x="1105" y="574"/>
+                  </a:lnTo>
+                  <a:lnTo>
+                    <a:pt x="883" y="473"/>
+                  </a:lnTo>
+                  <a:lnTo>
+                    <a:pt x="686" y="377"/>
+                  </a:lnTo>
+                  <a:lnTo>
+                    <a:pt x="508" y="286"/>
+                  </a:lnTo>
+                  <a:lnTo>
+                    <a:pt x="358" y="210"/>
+                  </a:lnTo>
+                  <a:lnTo>
+                    <a:pt x="232" y="138"/>
+                  </a:lnTo>
+                  <a:lnTo>
+                    <a:pt x="59" y="35"/>
+                  </a:lnTo>
+                  <a:lnTo>
+                    <a:pt x="0" y="0"/>
+                  </a:lnTo>
+                  <a:lnTo>
+                    <a:pt x="0" y="0"/>
+                  </a:lnTo>
+                  <a:close/>
+                </a:path>
+              </a:pathLst>
+            </a:custGeom>
+            <a:solidFill>
+              <a:schemeClr val="bg1"/>
+            </a:solidFill>
+            <a:ln>
+              <a:noFill/>
+            </a:ln>
+          </p:spPr>
+        </p:sp>
+        <p:sp>
+          <p:nvSpPr>
+            <p:cNvPr id="17" name="Freeform 5">
+              <a:extLst>
+                <a:ext uri="{FF2B5EF4-FFF2-40B4-BE49-F238E27FC236}">
+                  <a16:creationId xmlns:a16="http://schemas.microsoft.com/office/drawing/2014/main" id="{C877DF2C-ED50-4DF6-9732-7A6201BC1249}"/>
+                </a:ext>
+                <a:ext uri="{C183D7F6-B498-43B3-948B-1728B52AA6E4}">
+                  <adec:decorative xmlns:adec="http://schemas.microsoft.com/office/drawing/2017/decorative" val="1"/>
+                </a:ext>
+              </a:extLst>
+            </p:cNvPr>
+            <p:cNvSpPr/>
+            <p:nvPr>
+              <p:extLst>
+                <p:ext uri="{386F3935-93C4-4BCD-93E2-E3B085C9AB24}">
+                  <p16:designElem xmlns:p16="http://schemas.microsoft.com/office/powerpoint/2015/main" val="1"/>
+                </p:ext>
+              </p:extLst>
+            </p:nvPr>
+          </p:nvSpPr>
+          <p:spPr bwMode="gray">
+            <a:xfrm rot="15922489">
+              <a:off x="3140485" y="1826078"/>
+              <a:ext cx="3299407" cy="440924"/>
+            </a:xfrm>
+            <a:custGeom>
+              <a:avLst/>
+              <a:gdLst/>
+              <a:ahLst/>
+              <a:cxnLst/>
+              <a:rect l="l" t="t" r="r" b="b"/>
+              <a:pathLst>
+                <a:path w="10000" h="5291">
+                  <a:moveTo>
+                    <a:pt x="85" y="2532"/>
+                  </a:moveTo>
+                  <a:cubicBezTo>
+                    <a:pt x="1736" y="3911"/>
+                    <a:pt x="7524" y="5298"/>
+                    <a:pt x="9958" y="5291"/>
+                  </a:cubicBezTo>
+                  <a:cubicBezTo>
+                    <a:pt x="9989" y="1958"/>
+                    <a:pt x="9969" y="3333"/>
+                    <a:pt x="10000" y="0"/>
+                  </a:cubicBezTo>
+                  <a:lnTo>
+                    <a:pt x="10000" y="0"/>
+                  </a:lnTo>
+                  <a:lnTo>
+                    <a:pt x="9667" y="204"/>
+                  </a:lnTo>
+                  <a:lnTo>
+                    <a:pt x="9334" y="400"/>
+                  </a:lnTo>
+                  <a:lnTo>
+                    <a:pt x="9001" y="590"/>
+                  </a:lnTo>
+                  <a:lnTo>
+                    <a:pt x="8667" y="753"/>
+                  </a:lnTo>
+                  <a:lnTo>
+                    <a:pt x="8333" y="917"/>
+                  </a:lnTo>
+                  <a:lnTo>
+                    <a:pt x="7999" y="1071"/>
+                  </a:lnTo>
+                  <a:lnTo>
+                    <a:pt x="7669" y="1202"/>
+                  </a:lnTo>
+                  <a:lnTo>
+                    <a:pt x="7333" y="1325"/>
+                  </a:lnTo>
+                  <a:lnTo>
+                    <a:pt x="7000" y="1440"/>
+                  </a:lnTo>
+                  <a:lnTo>
+                    <a:pt x="6673" y="1538"/>
+                  </a:lnTo>
+                  <a:lnTo>
+                    <a:pt x="6340" y="1636"/>
+                  </a:lnTo>
+                  <a:lnTo>
+                    <a:pt x="6013" y="1719"/>
+                  </a:lnTo>
+                  <a:lnTo>
+                    <a:pt x="5686" y="1784"/>
+                  </a:lnTo>
+                  <a:lnTo>
+                    <a:pt x="5359" y="1850"/>
+                  </a:lnTo>
+                  <a:lnTo>
+                    <a:pt x="5036" y="1906"/>
+                  </a:lnTo>
+                  <a:lnTo>
+                    <a:pt x="4717" y="1948"/>
+                  </a:lnTo>
+                  <a:lnTo>
+                    <a:pt x="4396" y="1980"/>
+                  </a:lnTo>
+                  <a:lnTo>
+                    <a:pt x="4079" y="2013"/>
+                  </a:lnTo>
+                  <a:lnTo>
+                    <a:pt x="3766" y="2029"/>
+                  </a:lnTo>
+                  <a:lnTo>
+                    <a:pt x="3454" y="2046"/>
+                  </a:lnTo>
+                  <a:lnTo>
+                    <a:pt x="3145" y="2053"/>
+                  </a:lnTo>
+                  <a:lnTo>
+                    <a:pt x="2839" y="2046"/>
+                  </a:lnTo>
+                  <a:lnTo>
+                    <a:pt x="2537" y="2046"/>
+                  </a:lnTo>
+                  <a:lnTo>
+                    <a:pt x="2238" y="2029"/>
+                  </a:lnTo>
+                  <a:lnTo>
+                    <a:pt x="1943" y="2004"/>
+                  </a:lnTo>
+                  <a:lnTo>
+                    <a:pt x="1653" y="1980"/>
+                  </a:lnTo>
+                  <a:lnTo>
+                    <a:pt x="1368" y="1955"/>
+                  </a:lnTo>
+                  <a:lnTo>
+                    <a:pt x="1085" y="1915"/>
+                  </a:lnTo>
+                  <a:lnTo>
+                    <a:pt x="806" y="1873"/>
+                  </a:lnTo>
+                  <a:lnTo>
+                    <a:pt x="533" y="1833"/>
+                  </a:lnTo>
+                  <a:lnTo>
+                    <a:pt x="0" y="1726"/>
+                  </a:lnTo>
+                  <a:cubicBezTo>
+                    <a:pt x="28" y="1995"/>
+                    <a:pt x="57" y="2263"/>
+                    <a:pt x="85" y="2532"/>
+                  </a:cubicBezTo>
+                  <a:close/>
+                </a:path>
+              </a:pathLst>
+            </a:custGeom>
+            <a:solidFill>
+              <a:schemeClr val="bg1">
+                <a:alpha val="20000"/>
+              </a:schemeClr>
+            </a:solidFill>
+            <a:ln>
+              <a:noFill/>
+            </a:ln>
+          </p:spPr>
+        </p:sp>
+        <p:sp>
+          <p:nvSpPr>
+            <p:cNvPr id="18" name="Freeform 5">
+              <a:extLst>
+                <a:ext uri="{FF2B5EF4-FFF2-40B4-BE49-F238E27FC236}">
+                  <a16:creationId xmlns:a16="http://schemas.microsoft.com/office/drawing/2014/main" id="{0BE473F5-80D8-4045-AED0-28266B6C8C5F}"/>
+                </a:ext>
+                <a:ext uri="{C183D7F6-B498-43B3-948B-1728B52AA6E4}">
+                  <adec:decorative xmlns:adec="http://schemas.microsoft.com/office/drawing/2017/decorative" val="1"/>
+                </a:ext>
+              </a:extLst>
+            </p:cNvPr>
+            <p:cNvSpPr>
+              <a:spLocks noEditPoints="1"/>
+            </p:cNvSpPr>
+            <p:nvPr>
+              <p:extLst>
+                <p:ext uri="{386F3935-93C4-4BCD-93E2-E3B085C9AB24}">
+                  <p16:designElem xmlns:p16="http://schemas.microsoft.com/office/powerpoint/2015/main" val="1"/>
+                </p:ext>
+              </p:extLst>
+            </p:nvPr>
+          </p:nvSpPr>
+          <p:spPr bwMode="gray">
+            <a:xfrm>
+              <a:off x="0" y="1587"/>
+              <a:ext cx="12192000" cy="6856413"/>
+            </a:xfrm>
+            <a:custGeom>
+              <a:avLst/>
+              <a:gdLst/>
+              <a:ahLst/>
+              <a:cxnLst/>
+              <a:rect l="0" t="0" r="r" b="b"/>
+              <a:pathLst>
+                <a:path w="15356" h="8638">
+                  <a:moveTo>
+                    <a:pt x="0" y="0"/>
+                  </a:moveTo>
+                  <a:lnTo>
+                    <a:pt x="0" y="8638"/>
+                  </a:lnTo>
+                  <a:lnTo>
+                    <a:pt x="15356" y="8638"/>
+                  </a:lnTo>
+                  <a:lnTo>
+                    <a:pt x="15356" y="0"/>
+                  </a:lnTo>
+                  <a:lnTo>
+                    <a:pt x="0" y="0"/>
+                  </a:lnTo>
+                  <a:close/>
+                  <a:moveTo>
+                    <a:pt x="14748" y="8038"/>
+                  </a:moveTo>
+                  <a:lnTo>
+                    <a:pt x="600" y="8038"/>
+                  </a:lnTo>
+                  <a:lnTo>
+                    <a:pt x="600" y="592"/>
+                  </a:lnTo>
+                  <a:lnTo>
+                    <a:pt x="14748" y="592"/>
+                  </a:lnTo>
+                  <a:lnTo>
+                    <a:pt x="14748" y="8038"/>
+                  </a:lnTo>
+                  <a:close/>
+                </a:path>
+              </a:pathLst>
+            </a:custGeom>
+            <a:solidFill>
+              <a:schemeClr val="bg1"/>
+            </a:solidFill>
+            <a:ln>
+              <a:noFill/>
+            </a:ln>
+          </p:spPr>
+        </p:sp>
+      </p:grpSp>
+      <p:sp>
+        <p:nvSpPr>
+          <p:cNvPr id="2" name="Title 1">
+            <a:extLst>
+              <a:ext uri="{FF2B5EF4-FFF2-40B4-BE49-F238E27FC236}">
+                <a16:creationId xmlns:a16="http://schemas.microsoft.com/office/drawing/2014/main" id="{D7149846-BE3C-2251-3434-040C151638B6}"/>
+              </a:ext>
+            </a:extLst>
+          </p:cNvPr>
+          <p:cNvSpPr>
+            <a:spLocks noGrp="1"/>
+          </p:cNvSpPr>
+          <p:nvPr>
+            <p:ph type="title"/>
+          </p:nvPr>
+        </p:nvSpPr>
+        <p:spPr>
+          <a:xfrm>
+            <a:off x="994087" y="1130603"/>
+            <a:ext cx="3342442" cy="4596794"/>
+          </a:xfrm>
+        </p:spPr>
+        <p:txBody>
+          <a:bodyPr anchor="ctr">
+            <a:normAutofit/>
+          </a:bodyPr>
+          <a:lstStyle/>
+          <a:p>
+            <a:r>
+              <a:rPr lang="en-GB" sz="3200">
+                <a:solidFill>
+                  <a:srgbClr val="EBEBEB"/>
+                </a:solidFill>
+              </a:rPr>
+              <a:t>Results NWHL</a:t>
+            </a:r>
+          </a:p>
+        </p:txBody>
+      </p:sp>
+      <p:pic>
+        <p:nvPicPr>
+          <p:cNvPr id="5" name="Content Placeholder 4" descr="Table, calendar&#10;&#10;Description automatically generated">
+            <a:extLst>
+              <a:ext uri="{FF2B5EF4-FFF2-40B4-BE49-F238E27FC236}">
+                <a16:creationId xmlns:a16="http://schemas.microsoft.com/office/drawing/2014/main" id="{CA116CDF-AEA0-E9CC-159F-408A1C6A9CAD}"/>
+              </a:ext>
+            </a:extLst>
+          </p:cNvPr>
+          <p:cNvPicPr>
+            <a:picLocks noGrp="1" noChangeAspect="1"/>
+          </p:cNvPicPr>
+          <p:nvPr>
+            <p:ph idx="1"/>
+          </p:nvPr>
+        </p:nvPicPr>
+        <p:blipFill>
+          <a:blip r:embed="rId3"/>
+          <a:stretch>
+            <a:fillRect/>
+          </a:stretch>
+        </p:blipFill>
+        <p:spPr>
+          <a:xfrm>
+            <a:off x="5435364" y="608174"/>
+            <a:ext cx="5503863" cy="5641650"/>
+          </a:xfrm>
+        </p:spPr>
+      </p:pic>
+    </p:spTree>
+    <p:extLst>
+      <p:ext uri="{BB962C8B-B14F-4D97-AF65-F5344CB8AC3E}">
+        <p14:creationId xmlns:p14="http://schemas.microsoft.com/office/powerpoint/2010/main" val="2190234350"/>
+      </p:ext>
+    </p:extLst>
+  </p:cSld>
+  <p:clrMapOvr>
+    <a:masterClrMapping/>
+  </p:clrMapOvr>
+</p:sld>
+</file>
+
+<file path=ppt/slides/slide11.xml><?xml version="1.0" encoding="utf-8"?>
+<p:sld xmlns:a="http://schemas.openxmlformats.org/drawingml/2006/main" xmlns:r="http://schemas.openxmlformats.org/officeDocument/2006/relationships" xmlns:p="http://schemas.openxmlformats.org/presentationml/2006/main">
+  <p:cSld>
+    <p:bg>
+      <p:bgPr>
+        <a:solidFill>
+          <a:schemeClr val="bg1"/>
+        </a:solidFill>
+        <a:effectLst/>
+      </p:bgPr>
+    </p:bg>
+    <p:spTree>
+      <p:nvGrpSpPr>
+        <p:cNvPr id="1" name=""/>
+        <p:cNvGrpSpPr/>
+        <p:nvPr/>
+      </p:nvGrpSpPr>
+      <p:grpSpPr>
+        <a:xfrm>
+          <a:off x="0" y="0"/>
+          <a:ext cx="0" cy="0"/>
+          <a:chOff x="0" y="0"/>
+          <a:chExt cx="0" cy="0"/>
+        </a:xfrm>
+      </p:grpSpPr>
+      <p:sp useBgFill="1">
+        <p:nvSpPr>
+          <p:cNvPr id="8" name="Rectangle 7">
+            <a:extLst>
+              <a:ext uri="{FF2B5EF4-FFF2-40B4-BE49-F238E27FC236}">
+                <a16:creationId xmlns:a16="http://schemas.microsoft.com/office/drawing/2014/main" id="{324E43EB-867C-4B35-9A5C-E435157C7297}"/>
+              </a:ext>
+              <a:ext uri="{C183D7F6-B498-43B3-948B-1728B52AA6E4}">
+                <adec:decorative xmlns:adec="http://schemas.microsoft.com/office/drawing/2017/decorative" val="1"/>
+              </a:ext>
+            </a:extLst>
+          </p:cNvPr>
+          <p:cNvSpPr>
+            <a:spLocks noGrp="1" noRot="1" noChangeAspect="1" noMove="1" noResize="1" noEditPoints="1" noAdjustHandles="1" noChangeArrowheads="1" noChangeShapeType="1" noTextEdit="1"/>
+          </p:cNvSpPr>
+          <p:nvPr>
+            <p:extLst>
+              <p:ext uri="{386F3935-93C4-4BCD-93E2-E3B085C9AB24}">
+                <p16:designElem xmlns:p16="http://schemas.microsoft.com/office/powerpoint/2015/main" val="1"/>
+              </p:ext>
+            </p:extLst>
+          </p:nvPr>
+        </p:nvSpPr>
+        <p:spPr>
+          <a:xfrm>
+            <a:off x="0" y="0"/>
+            <a:ext cx="12192000" cy="6858000"/>
+          </a:xfrm>
+          <a:prstGeom prst="rect">
+            <a:avLst/>
+          </a:prstGeom>
+          <a:ln>
+            <a:noFill/>
+          </a:ln>
+        </p:spPr>
+        <p:style>
+          <a:lnRef idx="2">
+            <a:schemeClr val="accent1">
+              <a:shade val="50000"/>
+            </a:schemeClr>
+          </a:lnRef>
+          <a:fillRef idx="1">
+            <a:schemeClr val="accent1"/>
+          </a:fillRef>
+          <a:effectRef idx="0">
+            <a:schemeClr val="accent1"/>
+          </a:effectRef>
+          <a:fontRef idx="minor">
+            <a:schemeClr val="lt1"/>
+          </a:fontRef>
+        </p:style>
+        <p:txBody>
+          <a:bodyPr rtlCol="0" anchor="ctr"/>
+          <a:lstStyle/>
+          <a:p>
+            <a:pPr algn="ctr"/>
+            <a:endParaRPr lang="en-US"/>
+          </a:p>
+        </p:txBody>
+      </p:sp>
+      <p:grpSp>
+        <p:nvGrpSpPr>
+          <p:cNvPr id="10" name="Group 9">
+            <a:extLst>
+              <a:ext uri="{FF2B5EF4-FFF2-40B4-BE49-F238E27FC236}">
+                <a16:creationId xmlns:a16="http://schemas.microsoft.com/office/drawing/2014/main" id="{E9E30886-05F9-4600-87C6-A496E2500DDC}"/>
+              </a:ext>
+              <a:ext uri="{C183D7F6-B498-43B3-948B-1728B52AA6E4}">
+                <adec:decorative xmlns:adec="http://schemas.microsoft.com/office/drawing/2017/decorative" val="1"/>
+              </a:ext>
+            </a:extLst>
+          </p:cNvPr>
+          <p:cNvGrpSpPr>
+            <a:grpSpLocks noGrp="1" noUngrp="1" noRot="1" noChangeAspect="1" noMove="1" noResize="1"/>
+          </p:cNvGrpSpPr>
+          <p:nvPr>
+            <p:extLst>
+              <p:ext uri="{386F3935-93C4-4BCD-93E2-E3B085C9AB24}">
+                <p16:designElem xmlns:p16="http://schemas.microsoft.com/office/powerpoint/2015/main" val="1"/>
+              </p:ext>
+            </p:extLst>
+          </p:nvPr>
+        </p:nvGrpSpPr>
+        <p:grpSpPr>
+          <a:xfrm>
+            <a:off x="-1588" y="0"/>
+            <a:ext cx="12193588" cy="6861555"/>
+            <a:chOff x="-1588" y="0"/>
+            <a:chExt cx="12193588" cy="6861555"/>
+          </a:xfrm>
+        </p:grpSpPr>
+        <p:sp>
+          <p:nvSpPr>
+            <p:cNvPr id="11" name="Rectangle 10">
+              <a:extLst>
+                <a:ext uri="{FF2B5EF4-FFF2-40B4-BE49-F238E27FC236}">
+                  <a16:creationId xmlns:a16="http://schemas.microsoft.com/office/drawing/2014/main" id="{76E3D100-B353-443A-A394-8F226FEE7D35}"/>
+                </a:ext>
+                <a:ext uri="{C183D7F6-B498-43B3-948B-1728B52AA6E4}">
+                  <adec:decorative xmlns:adec="http://schemas.microsoft.com/office/drawing/2017/decorative" val="1"/>
+                </a:ext>
+              </a:extLst>
+            </p:cNvPr>
+            <p:cNvSpPr/>
+            <p:nvPr>
+              <p:extLst>
+                <p:ext uri="{386F3935-93C4-4BCD-93E2-E3B085C9AB24}">
+                  <p16:designElem xmlns:p16="http://schemas.microsoft.com/office/powerpoint/2015/main" val="1"/>
+                </p:ext>
+              </p:extLst>
+            </p:nvPr>
+          </p:nvSpPr>
+          <p:spPr>
+            <a:xfrm>
+              <a:off x="0" y="0"/>
+              <a:ext cx="12192000" cy="6858000"/>
+            </a:xfrm>
+            <a:prstGeom prst="rect">
+              <a:avLst/>
+            </a:prstGeom>
+            <a:blipFill>
+              <a:blip r:embed="rId2">
+                <a:duotone>
+                  <a:schemeClr val="dk2">
+                    <a:shade val="69000"/>
+                    <a:hueMod val="108000"/>
+                    <a:satMod val="164000"/>
+                    <a:lumMod val="74000"/>
+                  </a:schemeClr>
+                  <a:schemeClr val="dk2">
+                    <a:tint val="96000"/>
+                    <a:hueMod val="88000"/>
+                    <a:satMod val="140000"/>
+                    <a:lumMod val="132000"/>
+                  </a:schemeClr>
+                </a:duotone>
+              </a:blip>
+              <a:stretch>
+                <a:fillRect/>
+              </a:stretch>
+            </a:blipFill>
+            <a:ln>
+              <a:noFill/>
+            </a:ln>
+          </p:spPr>
+          <p:style>
+            <a:lnRef idx="2">
+              <a:schemeClr val="accent1">
+                <a:shade val="50000"/>
+              </a:schemeClr>
+            </a:lnRef>
+            <a:fillRef idx="1">
+              <a:schemeClr val="accent1"/>
+            </a:fillRef>
+            <a:effectRef idx="0">
+              <a:schemeClr val="accent1"/>
+            </a:effectRef>
+            <a:fontRef idx="minor">
+              <a:schemeClr val="lt1"/>
+            </a:fontRef>
+          </p:style>
+        </p:sp>
+        <p:sp>
+          <p:nvSpPr>
+            <p:cNvPr id="12" name="Oval 11">
+              <a:extLst>
+                <a:ext uri="{FF2B5EF4-FFF2-40B4-BE49-F238E27FC236}">
+                  <a16:creationId xmlns:a16="http://schemas.microsoft.com/office/drawing/2014/main" id="{BD04B277-A9C3-4AA1-A0A0-C6D9B50C8E03}"/>
+                </a:ext>
+                <a:ext uri="{C183D7F6-B498-43B3-948B-1728B52AA6E4}">
+                  <adec:decorative xmlns:adec="http://schemas.microsoft.com/office/drawing/2017/decorative" val="1"/>
+                </a:ext>
+              </a:extLst>
+            </p:cNvPr>
+            <p:cNvSpPr/>
+            <p:nvPr>
+              <p:extLst>
+                <p:ext uri="{386F3935-93C4-4BCD-93E2-E3B085C9AB24}">
+                  <p16:designElem xmlns:p16="http://schemas.microsoft.com/office/powerpoint/2015/main" val="1"/>
+                </p:ext>
+              </p:extLst>
+            </p:nvPr>
+          </p:nvSpPr>
+          <p:spPr>
+            <a:xfrm>
+              <a:off x="8761412" y="1828800"/>
+              <a:ext cx="2819400" cy="2819400"/>
+            </a:xfrm>
+            <a:prstGeom prst="ellipse">
+              <a:avLst/>
+            </a:prstGeom>
+            <a:gradFill flip="none" rotWithShape="1">
+              <a:gsLst>
+                <a:gs pos="0">
+                  <a:schemeClr val="accent5">
+                    <a:alpha val="7000"/>
+                  </a:schemeClr>
+                </a:gs>
+                <a:gs pos="69000">
+                  <a:schemeClr val="accent5">
+                    <a:alpha val="0"/>
+                  </a:schemeClr>
+                </a:gs>
+                <a:gs pos="36000">
+                  <a:schemeClr val="accent5">
+                    <a:alpha val="6000"/>
+                  </a:schemeClr>
+                </a:gs>
+              </a:gsLst>
+              <a:path path="circle">
+                <a:fillToRect l="50000" t="50000" r="50000" b="50000"/>
+              </a:path>
+              <a:tileRect/>
+            </a:gradFill>
+            <a:ln>
+              <a:noFill/>
+            </a:ln>
+            <a:effectLst/>
+          </p:spPr>
+          <p:style>
+            <a:lnRef idx="1">
+              <a:schemeClr val="accent1"/>
+            </a:lnRef>
+            <a:fillRef idx="3">
+              <a:schemeClr val="accent1"/>
+            </a:fillRef>
+            <a:effectRef idx="2">
+              <a:schemeClr val="accent1"/>
+            </a:effectRef>
+            <a:fontRef idx="minor">
+              <a:schemeClr val="lt1"/>
+            </a:fontRef>
+          </p:style>
+        </p:sp>
+        <p:sp>
+          <p:nvSpPr>
+            <p:cNvPr id="13" name="Oval 12">
+              <a:extLst>
+                <a:ext uri="{FF2B5EF4-FFF2-40B4-BE49-F238E27FC236}">
+                  <a16:creationId xmlns:a16="http://schemas.microsoft.com/office/drawing/2014/main" id="{60911518-8CE1-4410-806E-3CD2DE1C557B}"/>
+                </a:ext>
+                <a:ext uri="{C183D7F6-B498-43B3-948B-1728B52AA6E4}">
+                  <adec:decorative xmlns:adec="http://schemas.microsoft.com/office/drawing/2017/decorative" val="1"/>
+                </a:ext>
+              </a:extLst>
+            </p:cNvPr>
+            <p:cNvSpPr/>
+            <p:nvPr>
+              <p:extLst>
+                <p:ext uri="{386F3935-93C4-4BCD-93E2-E3B085C9AB24}">
+                  <p16:designElem xmlns:p16="http://schemas.microsoft.com/office/powerpoint/2015/main" val="1"/>
+                </p:ext>
+              </p:extLst>
+            </p:nvPr>
+          </p:nvSpPr>
+          <p:spPr>
+            <a:xfrm>
+              <a:off x="8761412" y="5870955"/>
+              <a:ext cx="990600" cy="990600"/>
+            </a:xfrm>
+            <a:prstGeom prst="ellipse">
+              <a:avLst/>
+            </a:prstGeom>
+            <a:gradFill flip="none" rotWithShape="1">
+              <a:gsLst>
+                <a:gs pos="0">
+                  <a:schemeClr val="accent5">
+                    <a:alpha val="14000"/>
+                  </a:schemeClr>
+                </a:gs>
+                <a:gs pos="66000">
+                  <a:schemeClr val="accent5">
+                    <a:alpha val="0"/>
+                  </a:schemeClr>
+                </a:gs>
+                <a:gs pos="36000">
+                  <a:schemeClr val="accent5">
+                    <a:alpha val="7000"/>
+                  </a:schemeClr>
+                </a:gs>
+              </a:gsLst>
+              <a:path path="circle">
+                <a:fillToRect l="50000" t="50000" r="50000" b="50000"/>
+              </a:path>
+              <a:tileRect/>
+            </a:gradFill>
+            <a:ln>
+              <a:noFill/>
+            </a:ln>
+            <a:effectLst/>
+          </p:spPr>
+          <p:style>
+            <a:lnRef idx="1">
+              <a:schemeClr val="accent1"/>
+            </a:lnRef>
+            <a:fillRef idx="3">
+              <a:schemeClr val="accent1"/>
+            </a:fillRef>
+            <a:effectRef idx="2">
+              <a:schemeClr val="accent1"/>
+            </a:effectRef>
+            <a:fontRef idx="minor">
+              <a:schemeClr val="lt1"/>
+            </a:fontRef>
+          </p:style>
+        </p:sp>
+        <p:sp>
+          <p:nvSpPr>
+            <p:cNvPr id="14" name="Oval 13">
+              <a:extLst>
+                <a:ext uri="{FF2B5EF4-FFF2-40B4-BE49-F238E27FC236}">
+                  <a16:creationId xmlns:a16="http://schemas.microsoft.com/office/drawing/2014/main" id="{D9A3DC92-72B1-41C6-A069-B27430DA3728}"/>
+                </a:ext>
+                <a:ext uri="{C183D7F6-B498-43B3-948B-1728B52AA6E4}">
+                  <adec:decorative xmlns:adec="http://schemas.microsoft.com/office/drawing/2017/decorative" val="1"/>
+                </a:ext>
+              </a:extLst>
+            </p:cNvPr>
+            <p:cNvSpPr/>
+            <p:nvPr>
+              <p:extLst>
+                <p:ext uri="{386F3935-93C4-4BCD-93E2-E3B085C9AB24}">
+                  <p16:designElem xmlns:p16="http://schemas.microsoft.com/office/powerpoint/2015/main" val="1"/>
+                </p:ext>
+              </p:extLst>
+            </p:nvPr>
+          </p:nvSpPr>
+          <p:spPr>
+            <a:xfrm>
+              <a:off x="-1588" y="2667000"/>
+              <a:ext cx="4191000" cy="4191000"/>
+            </a:xfrm>
+            <a:prstGeom prst="ellipse">
+              <a:avLst/>
+            </a:prstGeom>
+            <a:gradFill flip="none" rotWithShape="1">
+              <a:gsLst>
+                <a:gs pos="0">
+                  <a:schemeClr val="accent5">
+                    <a:alpha val="11000"/>
+                  </a:schemeClr>
+                </a:gs>
+                <a:gs pos="75000">
+                  <a:schemeClr val="accent5">
+                    <a:alpha val="0"/>
+                  </a:schemeClr>
+                </a:gs>
+                <a:gs pos="36000">
+                  <a:schemeClr val="accent5">
+                    <a:alpha val="10000"/>
+                  </a:schemeClr>
+                </a:gs>
+              </a:gsLst>
+              <a:path path="circle">
+                <a:fillToRect l="50000" t="50000" r="50000" b="50000"/>
+              </a:path>
+              <a:tileRect/>
+            </a:gradFill>
+            <a:ln>
+              <a:noFill/>
+            </a:ln>
+            <a:effectLst/>
+          </p:spPr>
+          <p:style>
+            <a:lnRef idx="1">
+              <a:schemeClr val="accent1"/>
+            </a:lnRef>
+            <a:fillRef idx="3">
+              <a:schemeClr val="accent1"/>
+            </a:fillRef>
+            <a:effectRef idx="2">
+              <a:schemeClr val="accent1"/>
+            </a:effectRef>
+            <a:fontRef idx="minor">
+              <a:schemeClr val="lt1"/>
+            </a:fontRef>
+          </p:style>
+        </p:sp>
+        <p:sp>
+          <p:nvSpPr>
+            <p:cNvPr id="15" name="Rectangle 14">
+              <a:extLst>
+                <a:ext uri="{FF2B5EF4-FFF2-40B4-BE49-F238E27FC236}">
+                  <a16:creationId xmlns:a16="http://schemas.microsoft.com/office/drawing/2014/main" id="{6248621D-BAC3-4AD3-8A23-B6328BDDAA19}"/>
+                </a:ext>
+                <a:ext uri="{C183D7F6-B498-43B3-948B-1728B52AA6E4}">
+                  <adec:decorative xmlns:adec="http://schemas.microsoft.com/office/drawing/2017/decorative" val="1"/>
+                </a:ext>
+              </a:extLst>
+            </p:cNvPr>
+            <p:cNvSpPr/>
+            <p:nvPr>
+              <p:extLst>
+                <p:ext uri="{386F3935-93C4-4BCD-93E2-E3B085C9AB24}">
+                  <p16:designElem xmlns:p16="http://schemas.microsoft.com/office/powerpoint/2015/main" val="1"/>
+                </p:ext>
+              </p:extLst>
+            </p:nvPr>
+          </p:nvSpPr>
+          <p:spPr>
+            <a:xfrm>
+              <a:off x="5713412" y="402165"/>
+              <a:ext cx="6055253" cy="6053670"/>
+            </a:xfrm>
+            <a:prstGeom prst="rect">
+              <a:avLst/>
+            </a:prstGeom>
+            <a:solidFill>
+              <a:schemeClr val="bg1"/>
+            </a:solidFill>
+            <a:ln>
+              <a:noFill/>
+            </a:ln>
+            <a:effectLst/>
+          </p:spPr>
+          <p:style>
+            <a:lnRef idx="1">
+              <a:schemeClr val="accent1"/>
+            </a:lnRef>
+            <a:fillRef idx="3">
+              <a:schemeClr val="accent1"/>
+            </a:fillRef>
+            <a:effectRef idx="2">
+              <a:schemeClr val="accent1"/>
+            </a:effectRef>
+            <a:fontRef idx="minor">
+              <a:schemeClr val="lt1"/>
+            </a:fontRef>
+          </p:style>
+        </p:sp>
+        <p:sp>
+          <p:nvSpPr>
+            <p:cNvPr id="16" name="Freeform 5">
+              <a:extLst>
+                <a:ext uri="{FF2B5EF4-FFF2-40B4-BE49-F238E27FC236}">
+                  <a16:creationId xmlns:a16="http://schemas.microsoft.com/office/drawing/2014/main" id="{5E8E1843-4729-4C56-A855-B13ECCBDEAB8}"/>
+                </a:ext>
+                <a:ext uri="{C183D7F6-B498-43B3-948B-1728B52AA6E4}">
+                  <adec:decorative xmlns:adec="http://schemas.microsoft.com/office/drawing/2017/decorative" val="1"/>
+                </a:ext>
+              </a:extLst>
+            </p:cNvPr>
+            <p:cNvSpPr/>
+            <p:nvPr>
+              <p:extLst>
+                <p:ext uri="{386F3935-93C4-4BCD-93E2-E3B085C9AB24}">
+                  <p16:designElem xmlns:p16="http://schemas.microsoft.com/office/powerpoint/2015/main" val="1"/>
+                </p:ext>
+              </p:extLst>
+            </p:nvPr>
+          </p:nvSpPr>
+          <p:spPr bwMode="gray">
+            <a:xfrm rot="16200000">
+              <a:off x="2229377" y="2801721"/>
+              <a:ext cx="6053670" cy="1254558"/>
+            </a:xfrm>
+            <a:custGeom>
+              <a:avLst/>
+              <a:gdLst/>
+              <a:ahLst/>
+              <a:cxnLst/>
+              <a:rect l="l" t="t" r="r" b="b"/>
+              <a:pathLst>
+                <a:path w="10000" h="8000">
+                  <a:moveTo>
+                    <a:pt x="0" y="0"/>
+                  </a:moveTo>
+                  <a:lnTo>
+                    <a:pt x="0" y="7970"/>
+                  </a:lnTo>
+                  <a:lnTo>
+                    <a:pt x="10000" y="8000"/>
+                  </a:lnTo>
+                  <a:lnTo>
+                    <a:pt x="10000" y="7"/>
+                  </a:lnTo>
+                  <a:lnTo>
+                    <a:pt x="10000" y="7"/>
+                  </a:lnTo>
+                  <a:lnTo>
+                    <a:pt x="9773" y="156"/>
+                  </a:lnTo>
+                  <a:lnTo>
+                    <a:pt x="9547" y="298"/>
+                  </a:lnTo>
+                  <a:lnTo>
+                    <a:pt x="9320" y="437"/>
+                  </a:lnTo>
+                  <a:lnTo>
+                    <a:pt x="9092" y="556"/>
+                  </a:lnTo>
+                  <a:lnTo>
+                    <a:pt x="8865" y="676"/>
+                  </a:lnTo>
+                  <a:lnTo>
+                    <a:pt x="8637" y="788"/>
+                  </a:lnTo>
+                  <a:lnTo>
+                    <a:pt x="8412" y="884"/>
+                  </a:lnTo>
+                  <a:lnTo>
+                    <a:pt x="8184" y="975"/>
+                  </a:lnTo>
+                  <a:lnTo>
+                    <a:pt x="7957" y="1058"/>
+                  </a:lnTo>
+                  <a:lnTo>
+                    <a:pt x="7734" y="1130"/>
+                  </a:lnTo>
+                  <a:lnTo>
+                    <a:pt x="7508" y="1202"/>
+                  </a:lnTo>
+                  <a:lnTo>
+                    <a:pt x="7285" y="1262"/>
+                  </a:lnTo>
+                  <a:lnTo>
+                    <a:pt x="7062" y="1309"/>
+                  </a:lnTo>
+                  <a:lnTo>
+                    <a:pt x="6840" y="1358"/>
+                  </a:lnTo>
+                  <a:lnTo>
+                    <a:pt x="6620" y="1399"/>
+                  </a:lnTo>
+                  <a:lnTo>
+                    <a:pt x="6402" y="1428"/>
+                  </a:lnTo>
+                  <a:lnTo>
+                    <a:pt x="6184" y="1453"/>
+                  </a:lnTo>
+                  <a:lnTo>
+                    <a:pt x="5968" y="1477"/>
+                  </a:lnTo>
+                  <a:lnTo>
+                    <a:pt x="5755" y="1488"/>
+                  </a:lnTo>
+                  <a:lnTo>
+                    <a:pt x="5542" y="1500"/>
+                  </a:lnTo>
+                  <a:lnTo>
+                    <a:pt x="5332" y="1506"/>
+                  </a:lnTo>
+                  <a:lnTo>
+                    <a:pt x="5124" y="1500"/>
+                  </a:lnTo>
+                  <a:lnTo>
+                    <a:pt x="4918" y="1500"/>
+                  </a:lnTo>
+                  <a:lnTo>
+                    <a:pt x="4714" y="1488"/>
+                  </a:lnTo>
+                  <a:lnTo>
+                    <a:pt x="4514" y="1470"/>
+                  </a:lnTo>
+                  <a:lnTo>
+                    <a:pt x="4316" y="1453"/>
+                  </a:lnTo>
+                  <a:lnTo>
+                    <a:pt x="4122" y="1434"/>
+                  </a:lnTo>
+                  <a:lnTo>
+                    <a:pt x="3929" y="1405"/>
+                  </a:lnTo>
+                  <a:lnTo>
+                    <a:pt x="3739" y="1374"/>
+                  </a:lnTo>
+                  <a:lnTo>
+                    <a:pt x="3553" y="1346"/>
+                  </a:lnTo>
+                  <a:lnTo>
+                    <a:pt x="3190" y="1267"/>
+                  </a:lnTo>
+                  <a:lnTo>
+                    <a:pt x="2842" y="1183"/>
+                  </a:lnTo>
+                  <a:lnTo>
+                    <a:pt x="2508" y="1095"/>
+                  </a:lnTo>
+                  <a:lnTo>
+                    <a:pt x="2192" y="998"/>
+                  </a:lnTo>
+                  <a:lnTo>
+                    <a:pt x="1890" y="897"/>
+                  </a:lnTo>
+                  <a:lnTo>
+                    <a:pt x="1610" y="788"/>
+                  </a:lnTo>
+                  <a:lnTo>
+                    <a:pt x="1347" y="681"/>
+                  </a:lnTo>
+                  <a:lnTo>
+                    <a:pt x="1105" y="574"/>
+                  </a:lnTo>
+                  <a:lnTo>
+                    <a:pt x="883" y="473"/>
+                  </a:lnTo>
+                  <a:lnTo>
+                    <a:pt x="686" y="377"/>
+                  </a:lnTo>
+                  <a:lnTo>
+                    <a:pt x="508" y="286"/>
+                  </a:lnTo>
+                  <a:lnTo>
+                    <a:pt x="358" y="210"/>
+                  </a:lnTo>
+                  <a:lnTo>
+                    <a:pt x="232" y="138"/>
+                  </a:lnTo>
+                  <a:lnTo>
+                    <a:pt x="59" y="35"/>
+                  </a:lnTo>
+                  <a:lnTo>
+                    <a:pt x="0" y="0"/>
+                  </a:lnTo>
+                  <a:lnTo>
+                    <a:pt x="0" y="0"/>
+                  </a:lnTo>
+                  <a:close/>
+                </a:path>
+              </a:pathLst>
+            </a:custGeom>
+            <a:solidFill>
+              <a:schemeClr val="bg1"/>
+            </a:solidFill>
+            <a:ln>
+              <a:noFill/>
+            </a:ln>
+          </p:spPr>
+        </p:sp>
+        <p:sp>
+          <p:nvSpPr>
+            <p:cNvPr id="17" name="Freeform 5">
+              <a:extLst>
+                <a:ext uri="{FF2B5EF4-FFF2-40B4-BE49-F238E27FC236}">
+                  <a16:creationId xmlns:a16="http://schemas.microsoft.com/office/drawing/2014/main" id="{C877DF2C-ED50-4DF6-9732-7A6201BC1249}"/>
+                </a:ext>
+                <a:ext uri="{C183D7F6-B498-43B3-948B-1728B52AA6E4}">
+                  <adec:decorative xmlns:adec="http://schemas.microsoft.com/office/drawing/2017/decorative" val="1"/>
+                </a:ext>
+              </a:extLst>
+            </p:cNvPr>
+            <p:cNvSpPr/>
+            <p:nvPr>
+              <p:extLst>
+                <p:ext uri="{386F3935-93C4-4BCD-93E2-E3B085C9AB24}">
+                  <p16:designElem xmlns:p16="http://schemas.microsoft.com/office/powerpoint/2015/main" val="1"/>
+                </p:ext>
+              </p:extLst>
+            </p:nvPr>
+          </p:nvSpPr>
+          <p:spPr bwMode="gray">
+            <a:xfrm rot="15922489">
+              <a:off x="3140485" y="1826078"/>
+              <a:ext cx="3299407" cy="440924"/>
+            </a:xfrm>
+            <a:custGeom>
+              <a:avLst/>
+              <a:gdLst/>
+              <a:ahLst/>
+              <a:cxnLst/>
+              <a:rect l="l" t="t" r="r" b="b"/>
+              <a:pathLst>
+                <a:path w="10000" h="5291">
+                  <a:moveTo>
+                    <a:pt x="85" y="2532"/>
+                  </a:moveTo>
+                  <a:cubicBezTo>
+                    <a:pt x="1736" y="3911"/>
+                    <a:pt x="7524" y="5298"/>
+                    <a:pt x="9958" y="5291"/>
+                  </a:cubicBezTo>
+                  <a:cubicBezTo>
+                    <a:pt x="9989" y="1958"/>
+                    <a:pt x="9969" y="3333"/>
+                    <a:pt x="10000" y="0"/>
+                  </a:cubicBezTo>
+                  <a:lnTo>
+                    <a:pt x="10000" y="0"/>
+                  </a:lnTo>
+                  <a:lnTo>
+                    <a:pt x="9667" y="204"/>
+                  </a:lnTo>
+                  <a:lnTo>
+                    <a:pt x="9334" y="400"/>
+                  </a:lnTo>
+                  <a:lnTo>
+                    <a:pt x="9001" y="590"/>
+                  </a:lnTo>
+                  <a:lnTo>
+                    <a:pt x="8667" y="753"/>
+                  </a:lnTo>
+                  <a:lnTo>
+                    <a:pt x="8333" y="917"/>
+                  </a:lnTo>
+                  <a:lnTo>
+                    <a:pt x="7999" y="1071"/>
+                  </a:lnTo>
+                  <a:lnTo>
+                    <a:pt x="7669" y="1202"/>
+                  </a:lnTo>
+                  <a:lnTo>
+                    <a:pt x="7333" y="1325"/>
+                  </a:lnTo>
+                  <a:lnTo>
+                    <a:pt x="7000" y="1440"/>
+                  </a:lnTo>
+                  <a:lnTo>
+                    <a:pt x="6673" y="1538"/>
+                  </a:lnTo>
+                  <a:lnTo>
+                    <a:pt x="6340" y="1636"/>
+                  </a:lnTo>
+                  <a:lnTo>
+                    <a:pt x="6013" y="1719"/>
+                  </a:lnTo>
+                  <a:lnTo>
+                    <a:pt x="5686" y="1784"/>
+                  </a:lnTo>
+                  <a:lnTo>
+                    <a:pt x="5359" y="1850"/>
+                  </a:lnTo>
+                  <a:lnTo>
+                    <a:pt x="5036" y="1906"/>
+                  </a:lnTo>
+                  <a:lnTo>
+                    <a:pt x="4717" y="1948"/>
+                  </a:lnTo>
+                  <a:lnTo>
+                    <a:pt x="4396" y="1980"/>
+                  </a:lnTo>
+                  <a:lnTo>
+                    <a:pt x="4079" y="2013"/>
+                  </a:lnTo>
+                  <a:lnTo>
+                    <a:pt x="3766" y="2029"/>
+                  </a:lnTo>
+                  <a:lnTo>
+                    <a:pt x="3454" y="2046"/>
+                  </a:lnTo>
+                  <a:lnTo>
+                    <a:pt x="3145" y="2053"/>
+                  </a:lnTo>
+                  <a:lnTo>
+                    <a:pt x="2839" y="2046"/>
+                  </a:lnTo>
+                  <a:lnTo>
+                    <a:pt x="2537" y="2046"/>
+                  </a:lnTo>
+                  <a:lnTo>
+                    <a:pt x="2238" y="2029"/>
+                  </a:lnTo>
+                  <a:lnTo>
+                    <a:pt x="1943" y="2004"/>
+                  </a:lnTo>
+                  <a:lnTo>
+                    <a:pt x="1653" y="1980"/>
+                  </a:lnTo>
+                  <a:lnTo>
+                    <a:pt x="1368" y="1955"/>
+                  </a:lnTo>
+                  <a:lnTo>
+                    <a:pt x="1085" y="1915"/>
+                  </a:lnTo>
+                  <a:lnTo>
+                    <a:pt x="806" y="1873"/>
+                  </a:lnTo>
+                  <a:lnTo>
+                    <a:pt x="533" y="1833"/>
+                  </a:lnTo>
+                  <a:lnTo>
+                    <a:pt x="0" y="1726"/>
+                  </a:lnTo>
+                  <a:cubicBezTo>
+                    <a:pt x="28" y="1995"/>
+                    <a:pt x="57" y="2263"/>
+                    <a:pt x="85" y="2532"/>
+                  </a:cubicBezTo>
+                  <a:close/>
+                </a:path>
+              </a:pathLst>
+            </a:custGeom>
+            <a:solidFill>
+              <a:schemeClr val="bg1">
+                <a:alpha val="20000"/>
+              </a:schemeClr>
+            </a:solidFill>
+            <a:ln>
+              <a:noFill/>
+            </a:ln>
+          </p:spPr>
+        </p:sp>
+        <p:sp>
+          <p:nvSpPr>
+            <p:cNvPr id="18" name="Freeform 5">
+              <a:extLst>
+                <a:ext uri="{FF2B5EF4-FFF2-40B4-BE49-F238E27FC236}">
+                  <a16:creationId xmlns:a16="http://schemas.microsoft.com/office/drawing/2014/main" id="{0BE473F5-80D8-4045-AED0-28266B6C8C5F}"/>
+                </a:ext>
+                <a:ext uri="{C183D7F6-B498-43B3-948B-1728B52AA6E4}">
+                  <adec:decorative xmlns:adec="http://schemas.microsoft.com/office/drawing/2017/decorative" val="1"/>
+                </a:ext>
+              </a:extLst>
+            </p:cNvPr>
+            <p:cNvSpPr>
+              <a:spLocks noEditPoints="1"/>
+            </p:cNvSpPr>
+            <p:nvPr>
+              <p:extLst>
+                <p:ext uri="{386F3935-93C4-4BCD-93E2-E3B085C9AB24}">
+                  <p16:designElem xmlns:p16="http://schemas.microsoft.com/office/powerpoint/2015/main" val="1"/>
+                </p:ext>
+              </p:extLst>
+            </p:nvPr>
+          </p:nvSpPr>
+          <p:spPr bwMode="gray">
+            <a:xfrm>
+              <a:off x="0" y="1587"/>
+              <a:ext cx="12192000" cy="6856413"/>
+            </a:xfrm>
+            <a:custGeom>
+              <a:avLst/>
+              <a:gdLst/>
+              <a:ahLst/>
+              <a:cxnLst/>
+              <a:rect l="0" t="0" r="r" b="b"/>
+              <a:pathLst>
+                <a:path w="15356" h="8638">
+                  <a:moveTo>
+                    <a:pt x="0" y="0"/>
+                  </a:moveTo>
+                  <a:lnTo>
+                    <a:pt x="0" y="8638"/>
+                  </a:lnTo>
+                  <a:lnTo>
+                    <a:pt x="15356" y="8638"/>
+                  </a:lnTo>
+                  <a:lnTo>
+                    <a:pt x="15356" y="0"/>
+                  </a:lnTo>
+                  <a:lnTo>
+                    <a:pt x="0" y="0"/>
+                  </a:lnTo>
+                  <a:close/>
+                  <a:moveTo>
+                    <a:pt x="14748" y="8038"/>
+                  </a:moveTo>
+                  <a:lnTo>
+                    <a:pt x="600" y="8038"/>
+                  </a:lnTo>
+                  <a:lnTo>
+                    <a:pt x="600" y="592"/>
+                  </a:lnTo>
+                  <a:lnTo>
+                    <a:pt x="14748" y="592"/>
+                  </a:lnTo>
+                  <a:lnTo>
+                    <a:pt x="14748" y="8038"/>
+                  </a:lnTo>
+                  <a:close/>
+                </a:path>
+              </a:pathLst>
+            </a:custGeom>
+            <a:solidFill>
+              <a:schemeClr val="bg1"/>
+            </a:solidFill>
+            <a:ln>
+              <a:noFill/>
+            </a:ln>
+          </p:spPr>
+        </p:sp>
+      </p:grpSp>
+      <p:sp>
+        <p:nvSpPr>
+          <p:cNvPr id="2" name="Title 1">
+            <a:extLst>
+              <a:ext uri="{FF2B5EF4-FFF2-40B4-BE49-F238E27FC236}">
+                <a16:creationId xmlns:a16="http://schemas.microsoft.com/office/drawing/2014/main" id="{D7149846-BE3C-2251-3434-040C151638B6}"/>
+              </a:ext>
+            </a:extLst>
+          </p:cNvPr>
+          <p:cNvSpPr>
+            <a:spLocks noGrp="1"/>
+          </p:cNvSpPr>
+          <p:nvPr>
+            <p:ph type="title"/>
+          </p:nvPr>
+        </p:nvSpPr>
+        <p:spPr>
+          <a:xfrm>
+            <a:off x="994087" y="1130603"/>
+            <a:ext cx="3342442" cy="4596794"/>
+          </a:xfrm>
+        </p:spPr>
+        <p:txBody>
+          <a:bodyPr anchor="ctr">
+            <a:normAutofit/>
+          </a:bodyPr>
+          <a:lstStyle/>
+          <a:p>
+            <a:r>
+              <a:rPr lang="en-GB" sz="3200">
+                <a:solidFill>
+                  <a:srgbClr val="EBEBEB"/>
+                </a:solidFill>
+              </a:rPr>
+              <a:t>Results NWHL</a:t>
+            </a:r>
+          </a:p>
+        </p:txBody>
+      </p:sp>
+      <p:pic>
+        <p:nvPicPr>
+          <p:cNvPr id="5" name="Content Placeholder 4" descr="A picture containing text, road, screenshot&#10;&#10;Description automatically generated">
+            <a:extLst>
+              <a:ext uri="{FF2B5EF4-FFF2-40B4-BE49-F238E27FC236}">
+                <a16:creationId xmlns:a16="http://schemas.microsoft.com/office/drawing/2014/main" id="{19ACF80F-80A5-933B-8432-755F43D6241D}"/>
+              </a:ext>
+            </a:extLst>
+          </p:cNvPr>
+          <p:cNvPicPr>
+            <a:picLocks noGrp="1" noChangeAspect="1"/>
+          </p:cNvPicPr>
+          <p:nvPr>
+            <p:ph idx="1"/>
+          </p:nvPr>
+        </p:nvPicPr>
+        <p:blipFill>
+          <a:blip r:embed="rId3"/>
+          <a:stretch>
+            <a:fillRect/>
+          </a:stretch>
+        </p:blipFill>
+        <p:spPr>
+          <a:xfrm>
+            <a:off x="4906980" y="2741282"/>
+            <a:ext cx="6485269" cy="1347462"/>
+          </a:xfrm>
+        </p:spPr>
+      </p:pic>
+    </p:spTree>
+    <p:extLst>
+      <p:ext uri="{BB962C8B-B14F-4D97-AF65-F5344CB8AC3E}">
+        <p14:creationId xmlns:p14="http://schemas.microsoft.com/office/powerpoint/2010/main" val="1944745784"/>
+      </p:ext>
+    </p:extLst>
+  </p:cSld>
+  <p:clrMapOvr>
+    <a:masterClrMapping/>
+  </p:clrMapOvr>
+</p:sld>
+</file>
+
+<file path=ppt/slides/slide12.xml><?xml version="1.0" encoding="utf-8"?>
+<p:sld xmlns:a="http://schemas.openxmlformats.org/drawingml/2006/main" xmlns:r="http://schemas.openxmlformats.org/officeDocument/2006/relationships" xmlns:p="http://schemas.openxmlformats.org/presentationml/2006/main">
+  <p:cSld>
     <p:spTree>
       <p:nvGrpSpPr>
         <p:cNvPr id="1" name=""/>
@@ -12562,12 +14519,51 @@
             <p:ph idx="1"/>
           </p:nvPr>
         </p:nvSpPr>
-        <p:spPr/>
+        <p:spPr>
+          <a:xfrm>
+            <a:off x="1071064" y="2603500"/>
+            <a:ext cx="8825659" cy="3416300"/>
+          </a:xfrm>
+        </p:spPr>
         <p:txBody>
           <a:bodyPr/>
           <a:lstStyle/>
           <a:p>
-            <a:endParaRPr lang="en-GB"/>
+            <a:r>
+              <a:rPr lang="en-GB" dirty="0"/>
+              <a:t>Nothing “beats” </a:t>
+            </a:r>
+            <a:r>
+              <a:rPr lang="en-GB" dirty="0" err="1"/>
+              <a:t>xG</a:t>
+            </a:r>
+            <a:endParaRPr lang="en-GB" dirty="0"/>
+          </a:p>
+          <a:p>
+            <a:r>
+              <a:rPr lang="en-GB" dirty="0"/>
+              <a:t>Puts some context into Cane’s structure index but makes it more complicated </a:t>
+            </a:r>
+          </a:p>
+          <a:p>
+            <a:r>
+              <a:rPr lang="en-GB" dirty="0"/>
+              <a:t>Kept things similar but maybe not optimal</a:t>
+            </a:r>
+          </a:p>
+          <a:p>
+            <a:r>
+              <a:rPr lang="en-GB" dirty="0"/>
+              <a:t>Difficult to draw meaningful conclusions from very limited data (a general </a:t>
+            </a:r>
+            <a:r>
+              <a:rPr lang="en-GB" dirty="0" err="1"/>
+              <a:t>whky</a:t>
+            </a:r>
+            <a:r>
+              <a:rPr lang="en-GB" dirty="0"/>
+              <a:t> problem) </a:t>
+            </a:r>
           </a:p>
         </p:txBody>
       </p:sp>
@@ -12584,7 +14580,7 @@
 </p:sld>
 </file>
 
-<file path=ppt/slides/slide11.xml><?xml version="1.0" encoding="utf-8"?>
+<file path=ppt/slides/slide13.xml><?xml version="1.0" encoding="utf-8"?>
 <p:sld xmlns:a="http://schemas.openxmlformats.org/drawingml/2006/main" xmlns:r="http://schemas.openxmlformats.org/officeDocument/2006/relationships" xmlns:p="http://schemas.openxmlformats.org/presentationml/2006/main">
   <p:cSld>
     <p:spTree>
@@ -12650,7 +14646,38 @@
           <a:bodyPr/>
           <a:lstStyle/>
           <a:p>
-            <a:endParaRPr lang="en-GB"/>
+            <a:r>
+              <a:rPr lang="en-GB" dirty="0"/>
+              <a:t>Started using the BDC tracking data to find out who is good with creating space </a:t>
+            </a:r>
+          </a:p>
+          <a:p>
+            <a:r>
+              <a:rPr lang="en-GB" dirty="0"/>
+              <a:t>Calculated nearest defender for events and the difference between events </a:t>
+            </a:r>
+          </a:p>
+          <a:p>
+            <a:r>
+              <a:rPr lang="en-GB" dirty="0"/>
+              <a:t>Very favourable of backwards passes to the blue line (defeats purpose) </a:t>
+            </a:r>
+          </a:p>
+          <a:p>
+            <a:r>
+              <a:rPr lang="en-GB" dirty="0" err="1"/>
+              <a:t>xG</a:t>
+            </a:r>
+            <a:r>
+              <a:rPr lang="en-GB" dirty="0"/>
+              <a:t> weighting helped a little bit</a:t>
+            </a:r>
+          </a:p>
+          <a:p>
+            <a:r>
+              <a:rPr lang="en-GB" dirty="0"/>
+              <a:t>Still needs refinements </a:t>
+            </a:r>
           </a:p>
         </p:txBody>
       </p:sp>
@@ -12667,7 +14694,7 @@
 </p:sld>
 </file>
 
-<file path=ppt/slides/slide12.xml><?xml version="1.0" encoding="utf-8"?>
+<file path=ppt/slides/slide14.xml><?xml version="1.0" encoding="utf-8"?>
 <p:sld xmlns:a="http://schemas.openxmlformats.org/drawingml/2006/main" xmlns:r="http://schemas.openxmlformats.org/officeDocument/2006/relationships" xmlns:p="http://schemas.openxmlformats.org/presentationml/2006/main">
   <p:cSld>
     <p:spTree>
@@ -12733,7 +14760,37 @@
           <a:bodyPr/>
           <a:lstStyle/>
           <a:p>
+            <a:r>
+              <a:rPr lang="en-GB" dirty="0"/>
+              <a:t>Trying to get back to topic of PP structure</a:t>
+            </a:r>
+          </a:p>
+          <a:p>
             <a:endParaRPr lang="en-GB" dirty="0"/>
+          </a:p>
+          <a:p>
+            <a:r>
+              <a:rPr lang="en-GB" dirty="0"/>
+              <a:t>Calculated differences to AVG position</a:t>
+            </a:r>
+          </a:p>
+          <a:p>
+            <a:endParaRPr lang="en-GB" dirty="0"/>
+          </a:p>
+          <a:p>
+            <a:r>
+              <a:rPr lang="en-GB" dirty="0"/>
+              <a:t>Like difference to AVG shot in Cane’s structure index</a:t>
+            </a:r>
+          </a:p>
+          <a:p>
+            <a:endParaRPr lang="en-GB" dirty="0"/>
+          </a:p>
+          <a:p>
+            <a:r>
+              <a:rPr lang="en-GB" dirty="0"/>
+              <a:t>Extremes caused by small samples for most players  </a:t>
+            </a:r>
           </a:p>
         </p:txBody>
       </p:sp>
@@ -12750,7 +14807,7 @@
 </p:sld>
 </file>
 
-<file path=ppt/slides/slide13.xml><?xml version="1.0" encoding="utf-8"?>
+<file path=ppt/slides/slide15.xml><?xml version="1.0" encoding="utf-8"?>
 <p:sld xmlns:a="http://schemas.openxmlformats.org/drawingml/2006/main" xmlns:r="http://schemas.openxmlformats.org/officeDocument/2006/relationships" xmlns:p="http://schemas.openxmlformats.org/presentationml/2006/main">
   <p:cSld>
     <p:spTree>
@@ -12816,7 +14873,37 @@
           <a:bodyPr/>
           <a:lstStyle/>
           <a:p>
-            <a:endParaRPr lang="en-GB"/>
+            <a:r>
+              <a:rPr lang="en-GB" dirty="0"/>
+              <a:t>Able to add a bit more context to powerplay structure index</a:t>
+            </a:r>
+          </a:p>
+          <a:p>
+            <a:endParaRPr lang="en-GB" dirty="0"/>
+          </a:p>
+          <a:p>
+            <a:r>
+              <a:rPr lang="en-GB" dirty="0"/>
+              <a:t>Able to see who is just structured and who is structured in dangerous positions</a:t>
+            </a:r>
+          </a:p>
+          <a:p>
+            <a:endParaRPr lang="en-GB" dirty="0"/>
+          </a:p>
+          <a:p>
+            <a:r>
+              <a:rPr lang="en-GB" dirty="0"/>
+              <a:t>Should the approach be changed from an index to more of a model?</a:t>
+            </a:r>
+          </a:p>
+          <a:p>
+            <a:endParaRPr lang="en-GB" dirty="0"/>
+          </a:p>
+          <a:p>
+            <a:r>
+              <a:rPr lang="en-GB" dirty="0"/>
+              <a:t>Tracking data helps to add more context but “can’t live on its own” </a:t>
+            </a:r>
           </a:p>
         </p:txBody>
       </p:sp>
@@ -12833,7 +14920,138 @@
 </p:sld>
 </file>
 
-<file path=ppt/slides/slide14.xml><?xml version="1.0" encoding="utf-8"?>
+<file path=ppt/slides/slide16.xml><?xml version="1.0" encoding="utf-8"?>
+<p:sld xmlns:a="http://schemas.openxmlformats.org/drawingml/2006/main" xmlns:r="http://schemas.openxmlformats.org/officeDocument/2006/relationships" xmlns:p="http://schemas.openxmlformats.org/presentationml/2006/main">
+  <p:cSld>
+    <p:spTree>
+      <p:nvGrpSpPr>
+        <p:cNvPr id="1" name=""/>
+        <p:cNvGrpSpPr/>
+        <p:nvPr/>
+      </p:nvGrpSpPr>
+      <p:grpSpPr>
+        <a:xfrm>
+          <a:off x="0" y="0"/>
+          <a:ext cx="0" cy="0"/>
+          <a:chOff x="0" y="0"/>
+          <a:chExt cx="0" cy="0"/>
+        </a:xfrm>
+      </p:grpSpPr>
+      <p:sp>
+        <p:nvSpPr>
+          <p:cNvPr id="2" name="Title 1">
+            <a:extLst>
+              <a:ext uri="{FF2B5EF4-FFF2-40B4-BE49-F238E27FC236}">
+                <a16:creationId xmlns:a16="http://schemas.microsoft.com/office/drawing/2014/main" id="{FC7EDADA-DECB-3E3C-1566-2FDA4521A07B}"/>
+              </a:ext>
+            </a:extLst>
+          </p:cNvPr>
+          <p:cNvSpPr>
+            <a:spLocks noGrp="1"/>
+          </p:cNvSpPr>
+          <p:nvPr>
+            <p:ph type="title"/>
+          </p:nvPr>
+        </p:nvSpPr>
+        <p:spPr/>
+        <p:txBody>
+          <a:bodyPr/>
+          <a:lstStyle/>
+          <a:p>
+            <a:r>
+              <a:rPr lang="en-GB" dirty="0"/>
+              <a:t>Thank You! 	</a:t>
+            </a:r>
+          </a:p>
+        </p:txBody>
+      </p:sp>
+      <p:sp>
+        <p:nvSpPr>
+          <p:cNvPr id="3" name="Content Placeholder 2">
+            <a:extLst>
+              <a:ext uri="{FF2B5EF4-FFF2-40B4-BE49-F238E27FC236}">
+                <a16:creationId xmlns:a16="http://schemas.microsoft.com/office/drawing/2014/main" id="{36B92E9E-7240-3793-5976-EEE466576707}"/>
+              </a:ext>
+            </a:extLst>
+          </p:cNvPr>
+          <p:cNvSpPr>
+            <a:spLocks noGrp="1"/>
+          </p:cNvSpPr>
+          <p:nvPr>
+            <p:ph idx="1"/>
+          </p:nvPr>
+        </p:nvSpPr>
+        <p:spPr/>
+        <p:txBody>
+          <a:bodyPr>
+            <a:normAutofit lnSpcReduction="10000"/>
+          </a:bodyPr>
+          <a:lstStyle/>
+          <a:p>
+            <a:r>
+              <a:rPr lang="en-GB" dirty="0"/>
+              <a:t>To Alyssa, Carlie and Mike for organizing the conference and letting me present</a:t>
+            </a:r>
+          </a:p>
+          <a:p>
+            <a:endParaRPr lang="en-GB" dirty="0"/>
+          </a:p>
+          <a:p>
+            <a:r>
+              <a:rPr lang="en-GB" dirty="0"/>
+              <a:t>To Meghan </a:t>
+            </a:r>
+            <a:r>
+              <a:rPr lang="en-GB" dirty="0" err="1"/>
+              <a:t>Chayka</a:t>
+            </a:r>
+            <a:r>
+              <a:rPr lang="en-GB" dirty="0"/>
+              <a:t>, Shirley Mills, Alison Lukan, Michael </a:t>
+            </a:r>
+            <a:r>
+              <a:rPr lang="en-GB" dirty="0" err="1"/>
+              <a:t>Schuckers</a:t>
+            </a:r>
+            <a:r>
+              <a:rPr lang="en-GB" dirty="0"/>
+              <a:t> and everyone else involved for putting on the Big Data Cup</a:t>
+            </a:r>
+          </a:p>
+          <a:p>
+            <a:endParaRPr lang="en-GB" dirty="0"/>
+          </a:p>
+          <a:p>
+            <a:r>
+              <a:rPr lang="en-GB" dirty="0"/>
+              <a:t>To Mr. Bucket for the Data cleaning for BDC and ultimately this project</a:t>
+            </a:r>
+          </a:p>
+          <a:p>
+            <a:endParaRPr lang="en-GB" dirty="0"/>
+          </a:p>
+          <a:p>
+            <a:r>
+              <a:rPr lang="en-GB" dirty="0"/>
+              <a:t>Everyone in the Net Growth Pod Discord for putting up with my questions and keep the motivation high</a:t>
+            </a:r>
+          </a:p>
+        </p:txBody>
+      </p:sp>
+    </p:spTree>
+    <p:extLst>
+      <p:ext uri="{BB962C8B-B14F-4D97-AF65-F5344CB8AC3E}">
+        <p14:creationId xmlns:p14="http://schemas.microsoft.com/office/powerpoint/2010/main" val="2448286689"/>
+      </p:ext>
+    </p:extLst>
+  </p:cSld>
+  <p:clrMapOvr>
+    <a:masterClrMapping/>
+  </p:clrMapOvr>
+</p:sld>
+</file>
+
+<file path=ppt/slides/slide17.xml><?xml version="1.0" encoding="utf-8"?>
 <p:sld xmlns:a="http://schemas.openxmlformats.org/drawingml/2006/main" xmlns:r="http://schemas.openxmlformats.org/officeDocument/2006/relationships" xmlns:p="http://schemas.openxmlformats.org/presentationml/2006/main">
   <p:cSld>
     <p:spTree>
@@ -12873,7 +15091,7 @@
           <a:p>
             <a:r>
               <a:rPr lang="en-GB" dirty="0"/>
-              <a:t>Me @ JSM2022</a:t>
+              <a:t>JSM2022</a:t>
             </a:r>
           </a:p>
         </p:txBody>
@@ -12899,7 +15117,25 @@
           <a:bodyPr/>
           <a:lstStyle/>
           <a:p>
-            <a:endParaRPr lang="en-GB"/>
+            <a:r>
+              <a:rPr lang="en-GB" dirty="0"/>
+              <a:t>I’m going over the pond to D.C. to attend JSM this summer </a:t>
+            </a:r>
+          </a:p>
+          <a:p>
+            <a:endParaRPr lang="en-GB" dirty="0"/>
+          </a:p>
+          <a:p>
+            <a:r>
+              <a:rPr lang="en-GB" dirty="0"/>
+              <a:t>My main goal is to network with people I only know via the internet so anyone who wants to meetup please DM on Twitter @imkeller_5</a:t>
+            </a:r>
+          </a:p>
+          <a:p>
+            <a:pPr marL="0" indent="0">
+              <a:buNone/>
+            </a:pPr>
+            <a:endParaRPr lang="en-GB" dirty="0"/>
           </a:p>
         </p:txBody>
       </p:sp>
@@ -13119,7 +15355,7 @@
           <a:p>
             <a:r>
               <a:rPr lang="en-GB" dirty="0"/>
-              <a:t>Measuring distance from Average Shot location by shot </a:t>
+              <a:t>Measuring distance from average shot location by shot </a:t>
             </a:r>
           </a:p>
           <a:p>
@@ -13133,7 +15369,7 @@
             </a:r>
             <a:r>
               <a:rPr lang="en-GB" i="1" dirty="0"/>
-              <a:t>Distance of Shot To Player’s Average Shot Location) / (# of Shots For Player)</a:t>
+              <a:t>distance of shot to player’s average shot location) / (# of shots for player)</a:t>
             </a:r>
           </a:p>
           <a:p>
@@ -13147,7 +15383,7 @@
             </a:r>
             <a:r>
               <a:rPr lang="en-GB" i="1" dirty="0"/>
-              <a:t>of Shots for Player * Player Structure ) / (</a:t>
+              <a:t>of shots for player * Player Structure ) / (</a:t>
             </a:r>
             <a:r>
               <a:rPr lang="el-GR" i="1" dirty="0"/>
@@ -13155,7 +15391,7 @@
             </a:r>
             <a:r>
               <a:rPr lang="en-GB" i="1" dirty="0"/>
-              <a:t>of Shots for Each Player)</a:t>
+              <a:t>of shots for each player)</a:t>
             </a:r>
             <a:endParaRPr lang="en-GB" dirty="0"/>
           </a:p>
@@ -13271,6 +15507,11 @@
               </a:rPr>
               <a:t>)</a:t>
             </a:r>
+          </a:p>
+          <a:p>
+            <a:pPr marL="0" indent="0">
+              <a:buNone/>
+            </a:pPr>
             <a:endParaRPr lang="en-GB" dirty="0"/>
           </a:p>
           <a:p>
@@ -13430,12 +15671,8 @@
           </a:p>
           <a:p>
             <a:r>
-              <a:rPr lang="en-GB" dirty="0" err="1"/>
-              <a:t>KFold</a:t>
-            </a:r>
-            <a:r>
               <a:rPr lang="en-GB" dirty="0"/>
-              <a:t> split training</a:t>
+              <a:t>K-fold split training</a:t>
             </a:r>
           </a:p>
         </p:txBody>
@@ -13558,7 +15795,15 @@
             </a:r>
             <a:r>
               <a:rPr lang="de-CH" i="1" dirty="0"/>
-              <a:t> – Average </a:t>
+              <a:t> – </a:t>
+            </a:r>
+            <a:r>
+              <a:rPr lang="de-CH" i="1" dirty="0" err="1"/>
+              <a:t>average</a:t>
+            </a:r>
+            <a:r>
+              <a:rPr lang="de-CH" i="1" dirty="0"/>
+              <a:t> </a:t>
             </a:r>
             <a:r>
               <a:rPr lang="de-CH" i="1" dirty="0" err="1"/>
@@ -13566,7 +15811,7 @@
             </a:r>
             <a:r>
               <a:rPr lang="en-GB" i="1" dirty="0"/>
-              <a:t>) / (# of Shots For Player)</a:t>
+              <a:t>) / (# of shots for player)</a:t>
             </a:r>
           </a:p>
           <a:p>
@@ -13599,7 +15844,7 @@
             </a:r>
             <a:r>
               <a:rPr lang="en-GB" i="1" dirty="0"/>
-              <a:t>of Shots for Player * Player </a:t>
+              <a:t>of shots for player * Player </a:t>
             </a:r>
             <a:r>
               <a:rPr lang="en-GB" i="1" dirty="0" err="1"/>
@@ -13615,7 +15860,7 @@
             </a:r>
             <a:r>
               <a:rPr lang="en-GB" i="1" dirty="0"/>
-              <a:t>of Shots for Each Player)</a:t>
+              <a:t>of shots for each player)</a:t>
             </a:r>
             <a:endParaRPr lang="en-GB" dirty="0"/>
           </a:p>
@@ -13701,10 +15946,121 @@
             <p:ph idx="1"/>
           </p:nvPr>
         </p:nvSpPr>
-        <p:spPr/>
+        <p:spPr>
+          <a:xfrm>
+            <a:off x="1154954" y="2603500"/>
+            <a:ext cx="9180283" cy="3416300"/>
+          </a:xfrm>
+        </p:spPr>
         <p:txBody>
           <a:bodyPr/>
           <a:lstStyle/>
+          <a:p>
+            <a:r>
+              <a:rPr lang="en-GB" dirty="0"/>
+              <a:t>Combination of </a:t>
+            </a:r>
+            <a:r>
+              <a:rPr lang="en-GB" dirty="0" err="1"/>
+              <a:t>xG</a:t>
+            </a:r>
+            <a:r>
+              <a:rPr lang="en-GB" dirty="0"/>
+              <a:t> index and structure index divided through 100</a:t>
+            </a:r>
+          </a:p>
+          <a:p>
+            <a:endParaRPr lang="en-GB" dirty="0"/>
+          </a:p>
+          <a:p>
+            <a:r>
+              <a:rPr lang="en-GB" dirty="0"/>
+              <a:t>Weighting of 100:1 decided through predictability of final value </a:t>
+            </a:r>
+          </a:p>
+          <a:p>
+            <a:endParaRPr lang="en-GB" dirty="0"/>
+          </a:p>
+          <a:p>
+            <a:r>
+              <a:rPr lang="en-GB" dirty="0"/>
+              <a:t>Player Danger Index = Player </a:t>
+            </a:r>
+            <a:r>
+              <a:rPr lang="en-GB" dirty="0" err="1"/>
+              <a:t>xG</a:t>
+            </a:r>
+            <a:r>
+              <a:rPr lang="en-GB" dirty="0"/>
+              <a:t> Index – (Player Structure Index \ 100)</a:t>
+            </a:r>
+          </a:p>
+          <a:p>
+            <a:endParaRPr lang="en-GB" dirty="0"/>
+          </a:p>
+          <a:p>
+            <a:r>
+              <a:rPr lang="en-GB" dirty="0"/>
+              <a:t>Team Danger Index = (</a:t>
+            </a:r>
+            <a:r>
+              <a:rPr lang="el-GR" i="1" dirty="0"/>
+              <a:t>Σ</a:t>
+            </a:r>
+            <a:r>
+              <a:rPr lang="en-US" i="1" dirty="0"/>
+              <a:t> (</a:t>
+            </a:r>
+            <a:r>
+              <a:rPr lang="el-GR" i="1" dirty="0"/>
+              <a:t>Σ</a:t>
+            </a:r>
+            <a:r>
+              <a:rPr lang="en-US" i="1" dirty="0"/>
+              <a:t> shots * Player </a:t>
+            </a:r>
+            <a:r>
+              <a:rPr lang="en-US" i="1" dirty="0" err="1"/>
+              <a:t>xG</a:t>
+            </a:r>
+            <a:r>
+              <a:rPr lang="en-US" i="1" dirty="0"/>
+              <a:t> Index) \ </a:t>
+            </a:r>
+            <a:r>
+              <a:rPr lang="el-GR" i="1" dirty="0"/>
+              <a:t>Σ</a:t>
+            </a:r>
+            <a:r>
+              <a:rPr lang="en-US" i="1" dirty="0"/>
+              <a:t> shots) – (</a:t>
+            </a:r>
+            <a:r>
+              <a:rPr lang="el-GR" i="1" dirty="0"/>
+              <a:t>Σ</a:t>
+            </a:r>
+            <a:r>
+              <a:rPr lang="en-US" i="1" dirty="0"/>
+              <a:t>(</a:t>
+            </a:r>
+            <a:r>
+              <a:rPr lang="el-GR" i="1" dirty="0"/>
+              <a:t>Σ</a:t>
+            </a:r>
+            <a:r>
+              <a:rPr lang="en-US" i="1" dirty="0"/>
+              <a:t> shots * Player Structure Index) \ </a:t>
+            </a:r>
+            <a:r>
+              <a:rPr lang="el-GR" i="1" dirty="0"/>
+              <a:t>Σ</a:t>
+            </a:r>
+            <a:r>
+              <a:rPr lang="en-US" i="1" dirty="0"/>
+              <a:t> shots * 100)</a:t>
+            </a:r>
+            <a:endParaRPr lang="en-GB" dirty="0"/>
+          </a:p>
           <a:p>
             <a:endParaRPr lang="en-GB" dirty="0"/>
           </a:p>
@@ -13726,6 +16082,14 @@
 <file path=ppt/slides/slide8.xml><?xml version="1.0" encoding="utf-8"?>
 <p:sld xmlns:a="http://schemas.openxmlformats.org/drawingml/2006/main" xmlns:r="http://schemas.openxmlformats.org/officeDocument/2006/relationships" xmlns:p="http://schemas.openxmlformats.org/presentationml/2006/main">
   <p:cSld>
+    <p:bg>
+      <p:bgPr>
+        <a:solidFill>
+          <a:schemeClr val="bg1"/>
+        </a:solidFill>
+        <a:effectLst/>
+      </p:bgPr>
+    </p:bg>
     <p:spTree>
       <p:nvGrpSpPr>
         <p:cNvPr id="1" name=""/>
@@ -13742,6 +16106,433 @@
       </p:grpSpPr>
       <p:sp>
         <p:nvSpPr>
+          <p:cNvPr id="10" name="Rectangle 9">
+            <a:extLst>
+              <a:ext uri="{FF2B5EF4-FFF2-40B4-BE49-F238E27FC236}">
+                <a16:creationId xmlns:a16="http://schemas.microsoft.com/office/drawing/2014/main" id="{C43A114B-CAF8-402E-A898-DEE2C2022EBD}"/>
+              </a:ext>
+              <a:ext uri="{C183D7F6-B498-43B3-948B-1728B52AA6E4}">
+                <adec:decorative xmlns:adec="http://schemas.microsoft.com/office/drawing/2017/decorative" val="1"/>
+              </a:ext>
+            </a:extLst>
+          </p:cNvPr>
+          <p:cNvSpPr>
+            <a:spLocks noGrp="1" noRot="1" noChangeAspect="1" noMove="1" noResize="1" noEditPoints="1" noAdjustHandles="1" noChangeArrowheads="1" noChangeShapeType="1" noTextEdit="1"/>
+          </p:cNvSpPr>
+          <p:nvPr>
+            <p:extLst>
+              <p:ext uri="{386F3935-93C4-4BCD-93E2-E3B085C9AB24}">
+                <p16:designElem xmlns:p16="http://schemas.microsoft.com/office/powerpoint/2015/main" val="1"/>
+              </p:ext>
+            </p:extLst>
+          </p:nvPr>
+        </p:nvSpPr>
+        <p:spPr>
+          <a:xfrm>
+            <a:off x="0" y="0"/>
+            <a:ext cx="12192000" cy="6858000"/>
+          </a:xfrm>
+          <a:prstGeom prst="rect">
+            <a:avLst/>
+          </a:prstGeom>
+          <a:blipFill>
+            <a:blip r:embed="rId2">
+              <a:duotone>
+                <a:schemeClr val="dk2">
+                  <a:shade val="69000"/>
+                  <a:hueMod val="108000"/>
+                  <a:satMod val="164000"/>
+                  <a:lumMod val="74000"/>
+                </a:schemeClr>
+                <a:schemeClr val="dk2">
+                  <a:tint val="96000"/>
+                  <a:hueMod val="88000"/>
+                  <a:satMod val="140000"/>
+                  <a:lumMod val="132000"/>
+                </a:schemeClr>
+              </a:duotone>
+            </a:blip>
+            <a:stretch>
+              <a:fillRect/>
+            </a:stretch>
+          </a:blipFill>
+          <a:ln>
+            <a:noFill/>
+          </a:ln>
+        </p:spPr>
+        <p:style>
+          <a:lnRef idx="2">
+            <a:schemeClr val="accent1">
+              <a:shade val="50000"/>
+            </a:schemeClr>
+          </a:lnRef>
+          <a:fillRef idx="1">
+            <a:schemeClr val="accent1"/>
+          </a:fillRef>
+          <a:effectRef idx="0">
+            <a:schemeClr val="accent1"/>
+          </a:effectRef>
+          <a:fontRef idx="minor">
+            <a:schemeClr val="lt1"/>
+          </a:fontRef>
+        </p:style>
+      </p:sp>
+      <p:sp>
+        <p:nvSpPr>
+          <p:cNvPr id="12" name="Oval 11">
+            <a:extLst>
+              <a:ext uri="{FF2B5EF4-FFF2-40B4-BE49-F238E27FC236}">
+                <a16:creationId xmlns:a16="http://schemas.microsoft.com/office/drawing/2014/main" id="{64E68BB1-DCF6-49AB-8FF1-7E68DCBCD111}"/>
+              </a:ext>
+              <a:ext uri="{C183D7F6-B498-43B3-948B-1728B52AA6E4}">
+                <adec:decorative xmlns:adec="http://schemas.microsoft.com/office/drawing/2017/decorative" val="1"/>
+              </a:ext>
+            </a:extLst>
+          </p:cNvPr>
+          <p:cNvSpPr>
+            <a:spLocks noGrp="1" noRot="1" noChangeAspect="1" noMove="1" noResize="1" noEditPoints="1" noAdjustHandles="1" noChangeArrowheads="1" noChangeShapeType="1" noTextEdit="1"/>
+          </p:cNvSpPr>
+          <p:nvPr>
+            <p:extLst>
+              <p:ext uri="{386F3935-93C4-4BCD-93E2-E3B085C9AB24}">
+                <p16:designElem xmlns:p16="http://schemas.microsoft.com/office/powerpoint/2015/main" val="1"/>
+              </p:ext>
+            </p:extLst>
+          </p:nvPr>
+        </p:nvSpPr>
+        <p:spPr>
+          <a:xfrm>
+            <a:off x="8761412" y="1828800"/>
+            <a:ext cx="2819400" cy="2819400"/>
+          </a:xfrm>
+          <a:prstGeom prst="ellipse">
+            <a:avLst/>
+          </a:prstGeom>
+          <a:gradFill flip="none" rotWithShape="1">
+            <a:gsLst>
+              <a:gs pos="0">
+                <a:schemeClr val="accent5">
+                  <a:alpha val="7000"/>
+                </a:schemeClr>
+              </a:gs>
+              <a:gs pos="69000">
+                <a:schemeClr val="accent5">
+                  <a:alpha val="0"/>
+                </a:schemeClr>
+              </a:gs>
+              <a:gs pos="36000">
+                <a:schemeClr val="accent5">
+                  <a:alpha val="6000"/>
+                </a:schemeClr>
+              </a:gs>
+            </a:gsLst>
+            <a:path path="circle">
+              <a:fillToRect l="50000" t="50000" r="50000" b="50000"/>
+            </a:path>
+            <a:tileRect/>
+          </a:gradFill>
+          <a:ln>
+            <a:noFill/>
+          </a:ln>
+          <a:effectLst/>
+        </p:spPr>
+        <p:style>
+          <a:lnRef idx="1">
+            <a:schemeClr val="accent1"/>
+          </a:lnRef>
+          <a:fillRef idx="3">
+            <a:schemeClr val="accent1"/>
+          </a:fillRef>
+          <a:effectRef idx="2">
+            <a:schemeClr val="accent1"/>
+          </a:effectRef>
+          <a:fontRef idx="minor">
+            <a:schemeClr val="lt1"/>
+          </a:fontRef>
+        </p:style>
+      </p:sp>
+      <p:sp>
+        <p:nvSpPr>
+          <p:cNvPr id="14" name="Oval 13">
+            <a:extLst>
+              <a:ext uri="{FF2B5EF4-FFF2-40B4-BE49-F238E27FC236}">
+                <a16:creationId xmlns:a16="http://schemas.microsoft.com/office/drawing/2014/main" id="{DA9B8539-604B-420E-BA1B-0A2E64CD7C72}"/>
+              </a:ext>
+              <a:ext uri="{C183D7F6-B498-43B3-948B-1728B52AA6E4}">
+                <adec:decorative xmlns:adec="http://schemas.microsoft.com/office/drawing/2017/decorative" val="1"/>
+              </a:ext>
+            </a:extLst>
+          </p:cNvPr>
+          <p:cNvSpPr>
+            <a:spLocks noGrp="1" noRot="1" noChangeAspect="1" noMove="1" noResize="1" noEditPoints="1" noAdjustHandles="1" noChangeArrowheads="1" noChangeShapeType="1" noTextEdit="1"/>
+          </p:cNvSpPr>
+          <p:nvPr>
+            <p:extLst>
+              <p:ext uri="{386F3935-93C4-4BCD-93E2-E3B085C9AB24}">
+                <p16:designElem xmlns:p16="http://schemas.microsoft.com/office/powerpoint/2015/main" val="1"/>
+              </p:ext>
+            </p:extLst>
+          </p:nvPr>
+        </p:nvSpPr>
+        <p:spPr>
+          <a:xfrm>
+            <a:off x="8761412" y="5870955"/>
+            <a:ext cx="990600" cy="990600"/>
+          </a:xfrm>
+          <a:prstGeom prst="ellipse">
+            <a:avLst/>
+          </a:prstGeom>
+          <a:gradFill flip="none" rotWithShape="1">
+            <a:gsLst>
+              <a:gs pos="0">
+                <a:schemeClr val="accent5">
+                  <a:alpha val="14000"/>
+                </a:schemeClr>
+              </a:gs>
+              <a:gs pos="66000">
+                <a:schemeClr val="accent5">
+                  <a:alpha val="0"/>
+                </a:schemeClr>
+              </a:gs>
+              <a:gs pos="36000">
+                <a:schemeClr val="accent5">
+                  <a:alpha val="7000"/>
+                </a:schemeClr>
+              </a:gs>
+            </a:gsLst>
+            <a:path path="circle">
+              <a:fillToRect l="50000" t="50000" r="50000" b="50000"/>
+            </a:path>
+            <a:tileRect/>
+          </a:gradFill>
+          <a:ln>
+            <a:noFill/>
+          </a:ln>
+          <a:effectLst/>
+        </p:spPr>
+        <p:style>
+          <a:lnRef idx="1">
+            <a:schemeClr val="accent1"/>
+          </a:lnRef>
+          <a:fillRef idx="3">
+            <a:schemeClr val="accent1"/>
+          </a:fillRef>
+          <a:effectRef idx="2">
+            <a:schemeClr val="accent1"/>
+          </a:effectRef>
+          <a:fontRef idx="minor">
+            <a:schemeClr val="lt1"/>
+          </a:fontRef>
+        </p:style>
+      </p:sp>
+      <p:sp>
+        <p:nvSpPr>
+          <p:cNvPr id="16" name="Oval 15">
+            <a:extLst>
+              <a:ext uri="{FF2B5EF4-FFF2-40B4-BE49-F238E27FC236}">
+                <a16:creationId xmlns:a16="http://schemas.microsoft.com/office/drawing/2014/main" id="{7236CAA2-54C3-4136-B0CC-6837B14D8143}"/>
+              </a:ext>
+              <a:ext uri="{C183D7F6-B498-43B3-948B-1728B52AA6E4}">
+                <adec:decorative xmlns:adec="http://schemas.microsoft.com/office/drawing/2017/decorative" val="1"/>
+              </a:ext>
+            </a:extLst>
+          </p:cNvPr>
+          <p:cNvSpPr>
+            <a:spLocks noGrp="1" noRot="1" noChangeAspect="1" noMove="1" noResize="1" noEditPoints="1" noAdjustHandles="1" noChangeArrowheads="1" noChangeShapeType="1" noTextEdit="1"/>
+          </p:cNvSpPr>
+          <p:nvPr>
+            <p:extLst>
+              <p:ext uri="{386F3935-93C4-4BCD-93E2-E3B085C9AB24}">
+                <p16:designElem xmlns:p16="http://schemas.microsoft.com/office/powerpoint/2015/main" val="1"/>
+              </p:ext>
+            </p:extLst>
+          </p:nvPr>
+        </p:nvSpPr>
+        <p:spPr>
+          <a:xfrm>
+            <a:off x="-1588" y="2667000"/>
+            <a:ext cx="4191000" cy="4191000"/>
+          </a:xfrm>
+          <a:prstGeom prst="ellipse">
+            <a:avLst/>
+          </a:prstGeom>
+          <a:gradFill flip="none" rotWithShape="1">
+            <a:gsLst>
+              <a:gs pos="0">
+                <a:schemeClr val="accent5">
+                  <a:alpha val="11000"/>
+                </a:schemeClr>
+              </a:gs>
+              <a:gs pos="75000">
+                <a:schemeClr val="accent5">
+                  <a:alpha val="0"/>
+                </a:schemeClr>
+              </a:gs>
+              <a:gs pos="36000">
+                <a:schemeClr val="accent5">
+                  <a:alpha val="10000"/>
+                </a:schemeClr>
+              </a:gs>
+            </a:gsLst>
+            <a:path path="circle">
+              <a:fillToRect l="50000" t="50000" r="50000" b="50000"/>
+            </a:path>
+            <a:tileRect/>
+          </a:gradFill>
+          <a:ln>
+            <a:noFill/>
+          </a:ln>
+          <a:effectLst/>
+        </p:spPr>
+        <p:style>
+          <a:lnRef idx="1">
+            <a:schemeClr val="accent1"/>
+          </a:lnRef>
+          <a:fillRef idx="3">
+            <a:schemeClr val="accent1"/>
+          </a:fillRef>
+          <a:effectRef idx="2">
+            <a:schemeClr val="accent1"/>
+          </a:effectRef>
+          <a:fontRef idx="minor">
+            <a:schemeClr val="lt1"/>
+          </a:fontRef>
+        </p:style>
+      </p:sp>
+      <p:sp>
+        <p:nvSpPr>
+          <p:cNvPr id="18" name="Freeform 5">
+            <a:extLst>
+              <a:ext uri="{FF2B5EF4-FFF2-40B4-BE49-F238E27FC236}">
+                <a16:creationId xmlns:a16="http://schemas.microsoft.com/office/drawing/2014/main" id="{40F86E67-9E86-453F-92BC-648189829C2F}"/>
+              </a:ext>
+              <a:ext uri="{C183D7F6-B498-43B3-948B-1728B52AA6E4}">
+                <adec:decorative xmlns:adec="http://schemas.microsoft.com/office/drawing/2017/decorative" val="1"/>
+              </a:ext>
+            </a:extLst>
+          </p:cNvPr>
+          <p:cNvSpPr>
+            <a:spLocks noGrp="1" noRot="1" noChangeAspect="1" noMove="1" noResize="1" noEditPoints="1" noAdjustHandles="1" noChangeArrowheads="1" noChangeShapeType="1" noTextEdit="1"/>
+          </p:cNvSpPr>
+          <p:nvPr>
+            <p:extLst>
+              <p:ext uri="{386F3935-93C4-4BCD-93E2-E3B085C9AB24}">
+                <p16:designElem xmlns:p16="http://schemas.microsoft.com/office/powerpoint/2015/main" val="1"/>
+              </p:ext>
+            </p:extLst>
+          </p:nvPr>
+        </p:nvSpPr>
+        <p:spPr bwMode="gray">
+          <a:xfrm>
+            <a:off x="-1588" y="1587"/>
+            <a:ext cx="12192000" cy="6856413"/>
+          </a:xfrm>
+          <a:custGeom>
+            <a:avLst/>
+            <a:gdLst/>
+            <a:ahLst/>
+            <a:cxnLst/>
+            <a:rect l="0" t="0" r="r" b="b"/>
+            <a:pathLst>
+              <a:path w="15356" h="8638">
+                <a:moveTo>
+                  <a:pt x="0" y="0"/>
+                </a:moveTo>
+                <a:lnTo>
+                  <a:pt x="0" y="8638"/>
+                </a:lnTo>
+                <a:lnTo>
+                  <a:pt x="15356" y="8638"/>
+                </a:lnTo>
+                <a:lnTo>
+                  <a:pt x="15356" y="0"/>
+                </a:lnTo>
+                <a:lnTo>
+                  <a:pt x="0" y="0"/>
+                </a:lnTo>
+                <a:close/>
+                <a:moveTo>
+                  <a:pt x="14748" y="8038"/>
+                </a:moveTo>
+                <a:lnTo>
+                  <a:pt x="600" y="8038"/>
+                </a:lnTo>
+                <a:lnTo>
+                  <a:pt x="600" y="592"/>
+                </a:lnTo>
+                <a:lnTo>
+                  <a:pt x="14748" y="592"/>
+                </a:lnTo>
+                <a:lnTo>
+                  <a:pt x="14748" y="8038"/>
+                </a:lnTo>
+                <a:close/>
+              </a:path>
+            </a:pathLst>
+          </a:custGeom>
+          <a:solidFill>
+            <a:schemeClr val="bg1"/>
+          </a:solidFill>
+          <a:ln>
+            <a:noFill/>
+          </a:ln>
+        </p:spPr>
+      </p:sp>
+      <p:sp>
+        <p:nvSpPr>
+          <p:cNvPr id="20" name="Rectangle 19">
+            <a:extLst>
+              <a:ext uri="{FF2B5EF4-FFF2-40B4-BE49-F238E27FC236}">
+                <a16:creationId xmlns:a16="http://schemas.microsoft.com/office/drawing/2014/main" id="{F73C5439-21D4-46F3-9CF4-FF1CE786FF15}"/>
+              </a:ext>
+              <a:ext uri="{C183D7F6-B498-43B3-948B-1728B52AA6E4}">
+                <adec:decorative xmlns:adec="http://schemas.microsoft.com/office/drawing/2017/decorative" val="1"/>
+              </a:ext>
+            </a:extLst>
+          </p:cNvPr>
+          <p:cNvSpPr>
+            <a:spLocks noGrp="1" noRot="1" noChangeAspect="1" noMove="1" noResize="1" noEditPoints="1" noAdjustHandles="1" noChangeArrowheads="1" noChangeShapeType="1" noTextEdit="1"/>
+          </p:cNvSpPr>
+          <p:nvPr>
+            <p:extLst>
+              <p:ext uri="{386F3935-93C4-4BCD-93E2-E3B085C9AB24}">
+                <p16:designElem xmlns:p16="http://schemas.microsoft.com/office/powerpoint/2015/main" val="1"/>
+              </p:ext>
+            </p:extLst>
+          </p:nvPr>
+        </p:nvSpPr>
+        <p:spPr>
+          <a:xfrm>
+            <a:off x="10437812" y="0"/>
+            <a:ext cx="685800" cy="1143000"/>
+          </a:xfrm>
+          <a:prstGeom prst="rect">
+            <a:avLst/>
+          </a:prstGeom>
+          <a:solidFill>
+            <a:schemeClr val="accent1"/>
+          </a:solidFill>
+          <a:ln>
+            <a:noFill/>
+          </a:ln>
+        </p:spPr>
+        <p:style>
+          <a:lnRef idx="1">
+            <a:schemeClr val="accent1"/>
+          </a:lnRef>
+          <a:fillRef idx="3">
+            <a:schemeClr val="accent1"/>
+          </a:fillRef>
+          <a:effectRef idx="2">
+            <a:schemeClr val="accent1"/>
+          </a:effectRef>
+          <a:fontRef idx="minor">
+            <a:schemeClr val="lt1"/>
+          </a:fontRef>
+        </p:style>
+      </p:sp>
+      <p:sp>
+        <p:nvSpPr>
           <p:cNvPr id="2" name="Title 1">
             <a:extLst>
               <a:ext uri="{FF2B5EF4-FFF2-40B4-BE49-F238E27FC236}">
@@ -13756,43 +16547,500 @@
             <p:ph type="title"/>
           </p:nvPr>
         </p:nvSpPr>
-        <p:spPr/>
+        <p:spPr>
+          <a:xfrm>
+            <a:off x="8382055" y="1241266"/>
+            <a:ext cx="3161016" cy="3153753"/>
+          </a:xfrm>
+        </p:spPr>
         <p:txBody>
-          <a:bodyPr/>
+          <a:bodyPr vert="horz" lIns="91440" tIns="45720" rIns="91440" bIns="45720" rtlCol="0" anchor="b">
+            <a:normAutofit/>
+          </a:bodyPr>
           <a:lstStyle/>
           <a:p>
             <a:r>
-              <a:rPr lang="en-GB" dirty="0"/>
+              <a:rPr lang="en-US" sz="5000"/>
               <a:t>Results Olympics</a:t>
             </a:r>
           </a:p>
         </p:txBody>
       </p:sp>
-      <p:sp>
-        <p:nvSpPr>
-          <p:cNvPr id="3" name="Content Placeholder 2">
+      <p:grpSp>
+        <p:nvGrpSpPr>
+          <p:cNvPr id="22" name="Group 21">
             <a:extLst>
               <a:ext uri="{FF2B5EF4-FFF2-40B4-BE49-F238E27FC236}">
-                <a16:creationId xmlns:a16="http://schemas.microsoft.com/office/drawing/2014/main" id="{335E7FF4-A946-BE48-A574-9B2906E50946}"/>
+                <a16:creationId xmlns:a16="http://schemas.microsoft.com/office/drawing/2014/main" id="{227140B8-92FC-43F0-8CCA-F40052CE502D}"/>
+              </a:ext>
+              <a:ext uri="{C183D7F6-B498-43B3-948B-1728B52AA6E4}">
+                <adec:decorative xmlns:adec="http://schemas.microsoft.com/office/drawing/2017/decorative" val="1"/>
               </a:ext>
             </a:extLst>
           </p:cNvPr>
-          <p:cNvSpPr>
-            <a:spLocks noGrp="1"/>
-          </p:cNvSpPr>
+          <p:cNvGrpSpPr>
+            <a:grpSpLocks noGrp="1" noUngrp="1" noRot="1" noChangeAspect="1" noMove="1" noResize="1"/>
+          </p:cNvGrpSpPr>
           <p:nvPr>
-            <p:ph idx="1"/>
+            <p:extLst>
+              <p:ext uri="{386F3935-93C4-4BCD-93E2-E3B085C9AB24}">
+                <p16:designElem xmlns:p16="http://schemas.microsoft.com/office/powerpoint/2015/main" val="1"/>
+              </p:ext>
+            </p:extLst>
           </p:nvPr>
-        </p:nvSpPr>
-        <p:spPr/>
-        <p:txBody>
-          <a:bodyPr/>
-          <a:lstStyle/>
-          <a:p>
-            <a:endParaRPr lang="en-GB"/>
-          </a:p>
-        </p:txBody>
-      </p:sp>
+        </p:nvGrpSpPr>
+        <p:grpSpPr>
+          <a:xfrm>
+            <a:off x="423332" y="396837"/>
+            <a:ext cx="7906665" cy="6058999"/>
+            <a:chOff x="423332" y="396837"/>
+            <a:chExt cx="7906665" cy="6058999"/>
+          </a:xfrm>
+        </p:grpSpPr>
+        <p:sp>
+          <p:nvSpPr>
+            <p:cNvPr id="23" name="Rectangle 22">
+              <a:extLst>
+                <a:ext uri="{FF2B5EF4-FFF2-40B4-BE49-F238E27FC236}">
+                  <a16:creationId xmlns:a16="http://schemas.microsoft.com/office/drawing/2014/main" id="{E14FEF32-7604-4713-A9F1-9D90A6F78B99}"/>
+                </a:ext>
+                <a:ext uri="{C183D7F6-B498-43B3-948B-1728B52AA6E4}">
+                  <adec:decorative xmlns:adec="http://schemas.microsoft.com/office/drawing/2017/decorative" val="1"/>
+                </a:ext>
+              </a:extLst>
+            </p:cNvPr>
+            <p:cNvSpPr/>
+            <p:nvPr>
+              <p:extLst>
+                <p:ext uri="{386F3935-93C4-4BCD-93E2-E3B085C9AB24}">
+                  <p16:designElem xmlns:p16="http://schemas.microsoft.com/office/powerpoint/2015/main" val="1"/>
+                </p:ext>
+              </p:extLst>
+            </p:nvPr>
+          </p:nvSpPr>
+          <p:spPr bwMode="gray">
+            <a:xfrm flipH="1">
+              <a:off x="423332" y="402165"/>
+              <a:ext cx="6785133" cy="6053670"/>
+            </a:xfrm>
+            <a:prstGeom prst="rect">
+              <a:avLst/>
+            </a:prstGeom>
+            <a:solidFill>
+              <a:schemeClr val="bg1"/>
+            </a:solidFill>
+            <a:ln>
+              <a:noFill/>
+            </a:ln>
+            <a:effectLst/>
+          </p:spPr>
+          <p:style>
+            <a:lnRef idx="1">
+              <a:schemeClr val="accent1"/>
+            </a:lnRef>
+            <a:fillRef idx="3">
+              <a:schemeClr val="accent1"/>
+            </a:fillRef>
+            <a:effectRef idx="2">
+              <a:schemeClr val="accent1"/>
+            </a:effectRef>
+            <a:fontRef idx="minor">
+              <a:schemeClr val="lt1"/>
+            </a:fontRef>
+          </p:style>
+        </p:sp>
+        <p:sp>
+          <p:nvSpPr>
+            <p:cNvPr id="24" name="Freeform 5">
+              <a:extLst>
+                <a:ext uri="{FF2B5EF4-FFF2-40B4-BE49-F238E27FC236}">
+                  <a16:creationId xmlns:a16="http://schemas.microsoft.com/office/drawing/2014/main" id="{95AD3905-A7DD-4026-B7FD-C203CC3052E8}"/>
+                </a:ext>
+                <a:ext uri="{C183D7F6-B498-43B3-948B-1728B52AA6E4}">
+                  <adec:decorative xmlns:adec="http://schemas.microsoft.com/office/drawing/2017/decorative" val="1"/>
+                </a:ext>
+              </a:extLst>
+            </p:cNvPr>
+            <p:cNvSpPr/>
+            <p:nvPr>
+              <p:extLst>
+                <p:ext uri="{386F3935-93C4-4BCD-93E2-E3B085C9AB24}">
+                  <p16:designElem xmlns:p16="http://schemas.microsoft.com/office/powerpoint/2015/main" val="1"/>
+                </p:ext>
+              </p:extLst>
+            </p:nvPr>
+          </p:nvSpPr>
+          <p:spPr bwMode="gray">
+            <a:xfrm rot="5400000" flipH="1">
+              <a:off x="4616676" y="2801722"/>
+              <a:ext cx="6053670" cy="1254558"/>
+            </a:xfrm>
+            <a:custGeom>
+              <a:avLst/>
+              <a:gdLst/>
+              <a:ahLst/>
+              <a:cxnLst/>
+              <a:rect l="l" t="t" r="r" b="b"/>
+              <a:pathLst>
+                <a:path w="10000" h="8000">
+                  <a:moveTo>
+                    <a:pt x="0" y="0"/>
+                  </a:moveTo>
+                  <a:lnTo>
+                    <a:pt x="0" y="7970"/>
+                  </a:lnTo>
+                  <a:lnTo>
+                    <a:pt x="10000" y="8000"/>
+                  </a:lnTo>
+                  <a:lnTo>
+                    <a:pt x="10000" y="7"/>
+                  </a:lnTo>
+                  <a:lnTo>
+                    <a:pt x="10000" y="7"/>
+                  </a:lnTo>
+                  <a:lnTo>
+                    <a:pt x="9773" y="156"/>
+                  </a:lnTo>
+                  <a:lnTo>
+                    <a:pt x="9547" y="298"/>
+                  </a:lnTo>
+                  <a:lnTo>
+                    <a:pt x="9320" y="437"/>
+                  </a:lnTo>
+                  <a:lnTo>
+                    <a:pt x="9092" y="556"/>
+                  </a:lnTo>
+                  <a:lnTo>
+                    <a:pt x="8865" y="676"/>
+                  </a:lnTo>
+                  <a:lnTo>
+                    <a:pt x="8637" y="788"/>
+                  </a:lnTo>
+                  <a:lnTo>
+                    <a:pt x="8412" y="884"/>
+                  </a:lnTo>
+                  <a:lnTo>
+                    <a:pt x="8184" y="975"/>
+                  </a:lnTo>
+                  <a:lnTo>
+                    <a:pt x="7957" y="1058"/>
+                  </a:lnTo>
+                  <a:lnTo>
+                    <a:pt x="7734" y="1130"/>
+                  </a:lnTo>
+                  <a:lnTo>
+                    <a:pt x="7508" y="1202"/>
+                  </a:lnTo>
+                  <a:lnTo>
+                    <a:pt x="7285" y="1262"/>
+                  </a:lnTo>
+                  <a:lnTo>
+                    <a:pt x="7062" y="1309"/>
+                  </a:lnTo>
+                  <a:lnTo>
+                    <a:pt x="6840" y="1358"/>
+                  </a:lnTo>
+                  <a:lnTo>
+                    <a:pt x="6620" y="1399"/>
+                  </a:lnTo>
+                  <a:lnTo>
+                    <a:pt x="6402" y="1428"/>
+                  </a:lnTo>
+                  <a:lnTo>
+                    <a:pt x="6184" y="1453"/>
+                  </a:lnTo>
+                  <a:lnTo>
+                    <a:pt x="5968" y="1477"/>
+                  </a:lnTo>
+                  <a:lnTo>
+                    <a:pt x="5755" y="1488"/>
+                  </a:lnTo>
+                  <a:lnTo>
+                    <a:pt x="5542" y="1500"/>
+                  </a:lnTo>
+                  <a:lnTo>
+                    <a:pt x="5332" y="1506"/>
+                  </a:lnTo>
+                  <a:lnTo>
+                    <a:pt x="5124" y="1500"/>
+                  </a:lnTo>
+                  <a:lnTo>
+                    <a:pt x="4918" y="1500"/>
+                  </a:lnTo>
+                  <a:lnTo>
+                    <a:pt x="4714" y="1488"/>
+                  </a:lnTo>
+                  <a:lnTo>
+                    <a:pt x="4514" y="1470"/>
+                  </a:lnTo>
+                  <a:lnTo>
+                    <a:pt x="4316" y="1453"/>
+                  </a:lnTo>
+                  <a:lnTo>
+                    <a:pt x="4122" y="1434"/>
+                  </a:lnTo>
+                  <a:lnTo>
+                    <a:pt x="3929" y="1405"/>
+                  </a:lnTo>
+                  <a:lnTo>
+                    <a:pt x="3739" y="1374"/>
+                  </a:lnTo>
+                  <a:lnTo>
+                    <a:pt x="3553" y="1346"/>
+                  </a:lnTo>
+                  <a:lnTo>
+                    <a:pt x="3190" y="1267"/>
+                  </a:lnTo>
+                  <a:lnTo>
+                    <a:pt x="2842" y="1183"/>
+                  </a:lnTo>
+                  <a:lnTo>
+                    <a:pt x="2508" y="1095"/>
+                  </a:lnTo>
+                  <a:lnTo>
+                    <a:pt x="2192" y="998"/>
+                  </a:lnTo>
+                  <a:lnTo>
+                    <a:pt x="1890" y="897"/>
+                  </a:lnTo>
+                  <a:lnTo>
+                    <a:pt x="1610" y="788"/>
+                  </a:lnTo>
+                  <a:lnTo>
+                    <a:pt x="1347" y="681"/>
+                  </a:lnTo>
+                  <a:lnTo>
+                    <a:pt x="1105" y="574"/>
+                  </a:lnTo>
+                  <a:lnTo>
+                    <a:pt x="883" y="473"/>
+                  </a:lnTo>
+                  <a:lnTo>
+                    <a:pt x="686" y="377"/>
+                  </a:lnTo>
+                  <a:lnTo>
+                    <a:pt x="508" y="286"/>
+                  </a:lnTo>
+                  <a:lnTo>
+                    <a:pt x="358" y="210"/>
+                  </a:lnTo>
+                  <a:lnTo>
+                    <a:pt x="232" y="138"/>
+                  </a:lnTo>
+                  <a:lnTo>
+                    <a:pt x="59" y="35"/>
+                  </a:lnTo>
+                  <a:lnTo>
+                    <a:pt x="0" y="0"/>
+                  </a:lnTo>
+                  <a:lnTo>
+                    <a:pt x="0" y="0"/>
+                  </a:lnTo>
+                  <a:close/>
+                </a:path>
+              </a:pathLst>
+            </a:custGeom>
+            <a:solidFill>
+              <a:schemeClr val="bg1"/>
+            </a:solidFill>
+            <a:ln>
+              <a:noFill/>
+            </a:ln>
+          </p:spPr>
+        </p:sp>
+        <p:sp>
+          <p:nvSpPr>
+            <p:cNvPr id="25" name="Freeform 5">
+              <a:extLst>
+                <a:ext uri="{FF2B5EF4-FFF2-40B4-BE49-F238E27FC236}">
+                  <a16:creationId xmlns:a16="http://schemas.microsoft.com/office/drawing/2014/main" id="{467A9BDB-6572-473C-B2E5-C1AC2F7163D1}"/>
+                </a:ext>
+                <a:ext uri="{C183D7F6-B498-43B3-948B-1728B52AA6E4}">
+                  <adec:decorative xmlns:adec="http://schemas.microsoft.com/office/drawing/2017/decorative" val="1"/>
+                </a:ext>
+              </a:extLst>
+            </p:cNvPr>
+            <p:cNvSpPr/>
+            <p:nvPr>
+              <p:extLst>
+                <p:ext uri="{386F3935-93C4-4BCD-93E2-E3B085C9AB24}">
+                  <p16:designElem xmlns:p16="http://schemas.microsoft.com/office/powerpoint/2015/main" val="1"/>
+                </p:ext>
+              </p:extLst>
+            </p:nvPr>
+          </p:nvSpPr>
+          <p:spPr bwMode="gray">
+            <a:xfrm rot="5677511" flipH="1">
+              <a:off x="6459831" y="1826079"/>
+              <a:ext cx="3299407" cy="440924"/>
+            </a:xfrm>
+            <a:custGeom>
+              <a:avLst/>
+              <a:gdLst/>
+              <a:ahLst/>
+              <a:cxnLst/>
+              <a:rect l="l" t="t" r="r" b="b"/>
+              <a:pathLst>
+                <a:path w="10000" h="5291">
+                  <a:moveTo>
+                    <a:pt x="85" y="2532"/>
+                  </a:moveTo>
+                  <a:cubicBezTo>
+                    <a:pt x="1736" y="3911"/>
+                    <a:pt x="7524" y="5298"/>
+                    <a:pt x="9958" y="5291"/>
+                  </a:cubicBezTo>
+                  <a:cubicBezTo>
+                    <a:pt x="9989" y="1958"/>
+                    <a:pt x="9969" y="3333"/>
+                    <a:pt x="10000" y="0"/>
+                  </a:cubicBezTo>
+                  <a:lnTo>
+                    <a:pt x="10000" y="0"/>
+                  </a:lnTo>
+                  <a:lnTo>
+                    <a:pt x="9667" y="204"/>
+                  </a:lnTo>
+                  <a:lnTo>
+                    <a:pt x="9334" y="400"/>
+                  </a:lnTo>
+                  <a:lnTo>
+                    <a:pt x="9001" y="590"/>
+                  </a:lnTo>
+                  <a:lnTo>
+                    <a:pt x="8667" y="753"/>
+                  </a:lnTo>
+                  <a:lnTo>
+                    <a:pt x="8333" y="917"/>
+                  </a:lnTo>
+                  <a:lnTo>
+                    <a:pt x="7999" y="1071"/>
+                  </a:lnTo>
+                  <a:lnTo>
+                    <a:pt x="7669" y="1202"/>
+                  </a:lnTo>
+                  <a:lnTo>
+                    <a:pt x="7333" y="1325"/>
+                  </a:lnTo>
+                  <a:lnTo>
+                    <a:pt x="7000" y="1440"/>
+                  </a:lnTo>
+                  <a:lnTo>
+                    <a:pt x="6673" y="1538"/>
+                  </a:lnTo>
+                  <a:lnTo>
+                    <a:pt x="6340" y="1636"/>
+                  </a:lnTo>
+                  <a:lnTo>
+                    <a:pt x="6013" y="1719"/>
+                  </a:lnTo>
+                  <a:lnTo>
+                    <a:pt x="5686" y="1784"/>
+                  </a:lnTo>
+                  <a:lnTo>
+                    <a:pt x="5359" y="1850"/>
+                  </a:lnTo>
+                  <a:lnTo>
+                    <a:pt x="5036" y="1906"/>
+                  </a:lnTo>
+                  <a:lnTo>
+                    <a:pt x="4717" y="1948"/>
+                  </a:lnTo>
+                  <a:lnTo>
+                    <a:pt x="4396" y="1980"/>
+                  </a:lnTo>
+                  <a:lnTo>
+                    <a:pt x="4079" y="2013"/>
+                  </a:lnTo>
+                  <a:lnTo>
+                    <a:pt x="3766" y="2029"/>
+                  </a:lnTo>
+                  <a:lnTo>
+                    <a:pt x="3454" y="2046"/>
+                  </a:lnTo>
+                  <a:lnTo>
+                    <a:pt x="3145" y="2053"/>
+                  </a:lnTo>
+                  <a:lnTo>
+                    <a:pt x="2839" y="2046"/>
+                  </a:lnTo>
+                  <a:lnTo>
+                    <a:pt x="2537" y="2046"/>
+                  </a:lnTo>
+                  <a:lnTo>
+                    <a:pt x="2238" y="2029"/>
+                  </a:lnTo>
+                  <a:lnTo>
+                    <a:pt x="1943" y="2004"/>
+                  </a:lnTo>
+                  <a:lnTo>
+                    <a:pt x="1653" y="1980"/>
+                  </a:lnTo>
+                  <a:lnTo>
+                    <a:pt x="1368" y="1955"/>
+                  </a:lnTo>
+                  <a:lnTo>
+                    <a:pt x="1085" y="1915"/>
+                  </a:lnTo>
+                  <a:lnTo>
+                    <a:pt x="806" y="1873"/>
+                  </a:lnTo>
+                  <a:lnTo>
+                    <a:pt x="533" y="1833"/>
+                  </a:lnTo>
+                  <a:lnTo>
+                    <a:pt x="0" y="1726"/>
+                  </a:lnTo>
+                  <a:cubicBezTo>
+                    <a:pt x="28" y="1995"/>
+                    <a:pt x="57" y="2263"/>
+                    <a:pt x="85" y="2532"/>
+                  </a:cubicBezTo>
+                  <a:close/>
+                </a:path>
+              </a:pathLst>
+            </a:custGeom>
+            <a:solidFill>
+              <a:schemeClr val="bg1">
+                <a:alpha val="20000"/>
+              </a:schemeClr>
+            </a:solidFill>
+            <a:ln>
+              <a:noFill/>
+            </a:ln>
+          </p:spPr>
+        </p:sp>
+      </p:grpSp>
+      <p:pic>
+        <p:nvPicPr>
+          <p:cNvPr id="5" name="Picture 4">
+            <a:extLst>
+              <a:ext uri="{FF2B5EF4-FFF2-40B4-BE49-F238E27FC236}">
+                <a16:creationId xmlns:a16="http://schemas.microsoft.com/office/drawing/2014/main" id="{1D6D11C6-FAE8-3DCF-CD5F-B662445468D2}"/>
+              </a:ext>
+            </a:extLst>
+          </p:cNvPr>
+          <p:cNvPicPr>
+            <a:picLocks noChangeAspect="1"/>
+          </p:cNvPicPr>
+          <p:nvPr/>
+        </p:nvPicPr>
+        <p:blipFill>
+          <a:blip r:embed="rId3"/>
+          <a:stretch>
+            <a:fillRect/>
+          </a:stretch>
+        </p:blipFill>
+        <p:spPr>
+          <a:xfrm>
+            <a:off x="766079" y="1814744"/>
+            <a:ext cx="6443180" cy="3559856"/>
+          </a:xfrm>
+          <a:prstGeom prst="rect">
+            <a:avLst/>
+          </a:prstGeom>
+        </p:spPr>
+      </p:pic>
     </p:spTree>
     <p:extLst>
       <p:ext uri="{BB962C8B-B14F-4D97-AF65-F5344CB8AC3E}">
@@ -13809,6 +17057,14 @@
 <file path=ppt/slides/slide9.xml><?xml version="1.0" encoding="utf-8"?>
 <p:sld xmlns:a="http://schemas.openxmlformats.org/drawingml/2006/main" xmlns:r="http://schemas.openxmlformats.org/officeDocument/2006/relationships" xmlns:p="http://schemas.openxmlformats.org/presentationml/2006/main">
   <p:cSld>
+    <p:bg>
+      <p:bgPr>
+        <a:solidFill>
+          <a:schemeClr val="bg1"/>
+        </a:solidFill>
+        <a:effectLst/>
+      </p:bgPr>
+    </p:bg>
     <p:spTree>
       <p:nvGrpSpPr>
         <p:cNvPr id="1" name=""/>
@@ -13825,10 +17081,437 @@
       </p:grpSpPr>
       <p:sp>
         <p:nvSpPr>
+          <p:cNvPr id="10" name="Rectangle 9">
+            <a:extLst>
+              <a:ext uri="{FF2B5EF4-FFF2-40B4-BE49-F238E27FC236}">
+                <a16:creationId xmlns:a16="http://schemas.microsoft.com/office/drawing/2014/main" id="{C43A114B-CAF8-402E-A898-DEE2C2022EBD}"/>
+              </a:ext>
+              <a:ext uri="{C183D7F6-B498-43B3-948B-1728B52AA6E4}">
+                <adec:decorative xmlns:adec="http://schemas.microsoft.com/office/drawing/2017/decorative" val="1"/>
+              </a:ext>
+            </a:extLst>
+          </p:cNvPr>
+          <p:cNvSpPr>
+            <a:spLocks noGrp="1" noRot="1" noChangeAspect="1" noMove="1" noResize="1" noEditPoints="1" noAdjustHandles="1" noChangeArrowheads="1" noChangeShapeType="1" noTextEdit="1"/>
+          </p:cNvSpPr>
+          <p:nvPr>
+            <p:extLst>
+              <p:ext uri="{386F3935-93C4-4BCD-93E2-E3B085C9AB24}">
+                <p16:designElem xmlns:p16="http://schemas.microsoft.com/office/powerpoint/2015/main" val="1"/>
+              </p:ext>
+            </p:extLst>
+          </p:nvPr>
+        </p:nvSpPr>
+        <p:spPr>
+          <a:xfrm>
+            <a:off x="0" y="0"/>
+            <a:ext cx="12192000" cy="6858000"/>
+          </a:xfrm>
+          <a:prstGeom prst="rect">
+            <a:avLst/>
+          </a:prstGeom>
+          <a:blipFill>
+            <a:blip r:embed="rId2">
+              <a:duotone>
+                <a:schemeClr val="dk2">
+                  <a:shade val="69000"/>
+                  <a:hueMod val="108000"/>
+                  <a:satMod val="164000"/>
+                  <a:lumMod val="74000"/>
+                </a:schemeClr>
+                <a:schemeClr val="dk2">
+                  <a:tint val="96000"/>
+                  <a:hueMod val="88000"/>
+                  <a:satMod val="140000"/>
+                  <a:lumMod val="132000"/>
+                </a:schemeClr>
+              </a:duotone>
+            </a:blip>
+            <a:stretch>
+              <a:fillRect/>
+            </a:stretch>
+          </a:blipFill>
+          <a:ln>
+            <a:noFill/>
+          </a:ln>
+        </p:spPr>
+        <p:style>
+          <a:lnRef idx="2">
+            <a:schemeClr val="accent1">
+              <a:shade val="50000"/>
+            </a:schemeClr>
+          </a:lnRef>
+          <a:fillRef idx="1">
+            <a:schemeClr val="accent1"/>
+          </a:fillRef>
+          <a:effectRef idx="0">
+            <a:schemeClr val="accent1"/>
+          </a:effectRef>
+          <a:fontRef idx="minor">
+            <a:schemeClr val="lt1"/>
+          </a:fontRef>
+        </p:style>
+      </p:sp>
+      <p:sp>
+        <p:nvSpPr>
+          <p:cNvPr id="12" name="Oval 11">
+            <a:extLst>
+              <a:ext uri="{FF2B5EF4-FFF2-40B4-BE49-F238E27FC236}">
+                <a16:creationId xmlns:a16="http://schemas.microsoft.com/office/drawing/2014/main" id="{64E68BB1-DCF6-49AB-8FF1-7E68DCBCD111}"/>
+              </a:ext>
+              <a:ext uri="{C183D7F6-B498-43B3-948B-1728B52AA6E4}">
+                <adec:decorative xmlns:adec="http://schemas.microsoft.com/office/drawing/2017/decorative" val="1"/>
+              </a:ext>
+            </a:extLst>
+          </p:cNvPr>
+          <p:cNvSpPr>
+            <a:spLocks noGrp="1" noRot="1" noChangeAspect="1" noMove="1" noResize="1" noEditPoints="1" noAdjustHandles="1" noChangeArrowheads="1" noChangeShapeType="1" noTextEdit="1"/>
+          </p:cNvSpPr>
+          <p:nvPr>
+            <p:extLst>
+              <p:ext uri="{386F3935-93C4-4BCD-93E2-E3B085C9AB24}">
+                <p16:designElem xmlns:p16="http://schemas.microsoft.com/office/powerpoint/2015/main" val="1"/>
+              </p:ext>
+            </p:extLst>
+          </p:nvPr>
+        </p:nvSpPr>
+        <p:spPr>
+          <a:xfrm>
+            <a:off x="8761412" y="1828800"/>
+            <a:ext cx="2819400" cy="2819400"/>
+          </a:xfrm>
+          <a:prstGeom prst="ellipse">
+            <a:avLst/>
+          </a:prstGeom>
+          <a:gradFill flip="none" rotWithShape="1">
+            <a:gsLst>
+              <a:gs pos="0">
+                <a:schemeClr val="accent5">
+                  <a:alpha val="7000"/>
+                </a:schemeClr>
+              </a:gs>
+              <a:gs pos="69000">
+                <a:schemeClr val="accent5">
+                  <a:alpha val="0"/>
+                </a:schemeClr>
+              </a:gs>
+              <a:gs pos="36000">
+                <a:schemeClr val="accent5">
+                  <a:alpha val="6000"/>
+                </a:schemeClr>
+              </a:gs>
+            </a:gsLst>
+            <a:path path="circle">
+              <a:fillToRect l="50000" t="50000" r="50000" b="50000"/>
+            </a:path>
+            <a:tileRect/>
+          </a:gradFill>
+          <a:ln>
+            <a:noFill/>
+          </a:ln>
+          <a:effectLst/>
+        </p:spPr>
+        <p:style>
+          <a:lnRef idx="1">
+            <a:schemeClr val="accent1"/>
+          </a:lnRef>
+          <a:fillRef idx="3">
+            <a:schemeClr val="accent1"/>
+          </a:fillRef>
+          <a:effectRef idx="2">
+            <a:schemeClr val="accent1"/>
+          </a:effectRef>
+          <a:fontRef idx="minor">
+            <a:schemeClr val="lt1"/>
+          </a:fontRef>
+        </p:style>
+      </p:sp>
+      <p:sp>
+        <p:nvSpPr>
+          <p:cNvPr id="14" name="Oval 13">
+            <a:extLst>
+              <a:ext uri="{FF2B5EF4-FFF2-40B4-BE49-F238E27FC236}">
+                <a16:creationId xmlns:a16="http://schemas.microsoft.com/office/drawing/2014/main" id="{DA9B8539-604B-420E-BA1B-0A2E64CD7C72}"/>
+              </a:ext>
+              <a:ext uri="{C183D7F6-B498-43B3-948B-1728B52AA6E4}">
+                <adec:decorative xmlns:adec="http://schemas.microsoft.com/office/drawing/2017/decorative" val="1"/>
+              </a:ext>
+            </a:extLst>
+          </p:cNvPr>
+          <p:cNvSpPr>
+            <a:spLocks noGrp="1" noRot="1" noChangeAspect="1" noMove="1" noResize="1" noEditPoints="1" noAdjustHandles="1" noChangeArrowheads="1" noChangeShapeType="1" noTextEdit="1"/>
+          </p:cNvSpPr>
+          <p:nvPr>
+            <p:extLst>
+              <p:ext uri="{386F3935-93C4-4BCD-93E2-E3B085C9AB24}">
+                <p16:designElem xmlns:p16="http://schemas.microsoft.com/office/powerpoint/2015/main" val="1"/>
+              </p:ext>
+            </p:extLst>
+          </p:nvPr>
+        </p:nvSpPr>
+        <p:spPr>
+          <a:xfrm>
+            <a:off x="8761412" y="5870955"/>
+            <a:ext cx="990600" cy="990600"/>
+          </a:xfrm>
+          <a:prstGeom prst="ellipse">
+            <a:avLst/>
+          </a:prstGeom>
+          <a:gradFill flip="none" rotWithShape="1">
+            <a:gsLst>
+              <a:gs pos="0">
+                <a:schemeClr val="accent5">
+                  <a:alpha val="14000"/>
+                </a:schemeClr>
+              </a:gs>
+              <a:gs pos="66000">
+                <a:schemeClr val="accent5">
+                  <a:alpha val="0"/>
+                </a:schemeClr>
+              </a:gs>
+              <a:gs pos="36000">
+                <a:schemeClr val="accent5">
+                  <a:alpha val="7000"/>
+                </a:schemeClr>
+              </a:gs>
+            </a:gsLst>
+            <a:path path="circle">
+              <a:fillToRect l="50000" t="50000" r="50000" b="50000"/>
+            </a:path>
+            <a:tileRect/>
+          </a:gradFill>
+          <a:ln>
+            <a:noFill/>
+          </a:ln>
+          <a:effectLst/>
+        </p:spPr>
+        <p:style>
+          <a:lnRef idx="1">
+            <a:schemeClr val="accent1"/>
+          </a:lnRef>
+          <a:fillRef idx="3">
+            <a:schemeClr val="accent1"/>
+          </a:fillRef>
+          <a:effectRef idx="2">
+            <a:schemeClr val="accent1"/>
+          </a:effectRef>
+          <a:fontRef idx="minor">
+            <a:schemeClr val="lt1"/>
+          </a:fontRef>
+        </p:style>
+      </p:sp>
+      <p:sp>
+        <p:nvSpPr>
+          <p:cNvPr id="16" name="Oval 15">
+            <a:extLst>
+              <a:ext uri="{FF2B5EF4-FFF2-40B4-BE49-F238E27FC236}">
+                <a16:creationId xmlns:a16="http://schemas.microsoft.com/office/drawing/2014/main" id="{7236CAA2-54C3-4136-B0CC-6837B14D8143}"/>
+              </a:ext>
+              <a:ext uri="{C183D7F6-B498-43B3-948B-1728B52AA6E4}">
+                <adec:decorative xmlns:adec="http://schemas.microsoft.com/office/drawing/2017/decorative" val="1"/>
+              </a:ext>
+            </a:extLst>
+          </p:cNvPr>
+          <p:cNvSpPr>
+            <a:spLocks noGrp="1" noRot="1" noChangeAspect="1" noMove="1" noResize="1" noEditPoints="1" noAdjustHandles="1" noChangeArrowheads="1" noChangeShapeType="1" noTextEdit="1"/>
+          </p:cNvSpPr>
+          <p:nvPr>
+            <p:extLst>
+              <p:ext uri="{386F3935-93C4-4BCD-93E2-E3B085C9AB24}">
+                <p16:designElem xmlns:p16="http://schemas.microsoft.com/office/powerpoint/2015/main" val="1"/>
+              </p:ext>
+            </p:extLst>
+          </p:nvPr>
+        </p:nvSpPr>
+        <p:spPr>
+          <a:xfrm>
+            <a:off x="-1588" y="2667000"/>
+            <a:ext cx="4191000" cy="4191000"/>
+          </a:xfrm>
+          <a:prstGeom prst="ellipse">
+            <a:avLst/>
+          </a:prstGeom>
+          <a:gradFill flip="none" rotWithShape="1">
+            <a:gsLst>
+              <a:gs pos="0">
+                <a:schemeClr val="accent5">
+                  <a:alpha val="11000"/>
+                </a:schemeClr>
+              </a:gs>
+              <a:gs pos="75000">
+                <a:schemeClr val="accent5">
+                  <a:alpha val="0"/>
+                </a:schemeClr>
+              </a:gs>
+              <a:gs pos="36000">
+                <a:schemeClr val="accent5">
+                  <a:alpha val="10000"/>
+                </a:schemeClr>
+              </a:gs>
+            </a:gsLst>
+            <a:path path="circle">
+              <a:fillToRect l="50000" t="50000" r="50000" b="50000"/>
+            </a:path>
+            <a:tileRect/>
+          </a:gradFill>
+          <a:ln>
+            <a:noFill/>
+          </a:ln>
+          <a:effectLst/>
+        </p:spPr>
+        <p:style>
+          <a:lnRef idx="1">
+            <a:schemeClr val="accent1"/>
+          </a:lnRef>
+          <a:fillRef idx="3">
+            <a:schemeClr val="accent1"/>
+          </a:fillRef>
+          <a:effectRef idx="2">
+            <a:schemeClr val="accent1"/>
+          </a:effectRef>
+          <a:fontRef idx="minor">
+            <a:schemeClr val="lt1"/>
+          </a:fontRef>
+        </p:style>
+      </p:sp>
+      <p:sp>
+        <p:nvSpPr>
+          <p:cNvPr id="18" name="Freeform 5">
+            <a:extLst>
+              <a:ext uri="{FF2B5EF4-FFF2-40B4-BE49-F238E27FC236}">
+                <a16:creationId xmlns:a16="http://schemas.microsoft.com/office/drawing/2014/main" id="{40F86E67-9E86-453F-92BC-648189829C2F}"/>
+              </a:ext>
+              <a:ext uri="{C183D7F6-B498-43B3-948B-1728B52AA6E4}">
+                <adec:decorative xmlns:adec="http://schemas.microsoft.com/office/drawing/2017/decorative" val="1"/>
+              </a:ext>
+            </a:extLst>
+          </p:cNvPr>
+          <p:cNvSpPr>
+            <a:spLocks noGrp="1" noRot="1" noChangeAspect="1" noMove="1" noResize="1" noEditPoints="1" noAdjustHandles="1" noChangeArrowheads="1" noChangeShapeType="1" noTextEdit="1"/>
+          </p:cNvSpPr>
+          <p:nvPr>
+            <p:extLst>
+              <p:ext uri="{386F3935-93C4-4BCD-93E2-E3B085C9AB24}">
+                <p16:designElem xmlns:p16="http://schemas.microsoft.com/office/powerpoint/2015/main" val="1"/>
+              </p:ext>
+            </p:extLst>
+          </p:nvPr>
+        </p:nvSpPr>
+        <p:spPr bwMode="gray">
+          <a:xfrm>
+            <a:off x="-1588" y="1587"/>
+            <a:ext cx="12192000" cy="6856413"/>
+          </a:xfrm>
+          <a:custGeom>
+            <a:avLst/>
+            <a:gdLst/>
+            <a:ahLst/>
+            <a:cxnLst/>
+            <a:rect l="0" t="0" r="r" b="b"/>
+            <a:pathLst>
+              <a:path w="15356" h="8638">
+                <a:moveTo>
+                  <a:pt x="0" y="0"/>
+                </a:moveTo>
+                <a:lnTo>
+                  <a:pt x="0" y="8638"/>
+                </a:lnTo>
+                <a:lnTo>
+                  <a:pt x="15356" y="8638"/>
+                </a:lnTo>
+                <a:lnTo>
+                  <a:pt x="15356" y="0"/>
+                </a:lnTo>
+                <a:lnTo>
+                  <a:pt x="0" y="0"/>
+                </a:lnTo>
+                <a:close/>
+                <a:moveTo>
+                  <a:pt x="14748" y="8038"/>
+                </a:moveTo>
+                <a:lnTo>
+                  <a:pt x="600" y="8038"/>
+                </a:lnTo>
+                <a:lnTo>
+                  <a:pt x="600" y="592"/>
+                </a:lnTo>
+                <a:lnTo>
+                  <a:pt x="14748" y="592"/>
+                </a:lnTo>
+                <a:lnTo>
+                  <a:pt x="14748" y="8038"/>
+                </a:lnTo>
+                <a:close/>
+              </a:path>
+            </a:pathLst>
+          </a:custGeom>
+          <a:solidFill>
+            <a:schemeClr val="bg1"/>
+          </a:solidFill>
+          <a:ln>
+            <a:noFill/>
+          </a:ln>
+        </p:spPr>
+      </p:sp>
+      <p:sp>
+        <p:nvSpPr>
+          <p:cNvPr id="20" name="Rectangle 19">
+            <a:extLst>
+              <a:ext uri="{FF2B5EF4-FFF2-40B4-BE49-F238E27FC236}">
+                <a16:creationId xmlns:a16="http://schemas.microsoft.com/office/drawing/2014/main" id="{F73C5439-21D4-46F3-9CF4-FF1CE786FF15}"/>
+              </a:ext>
+              <a:ext uri="{C183D7F6-B498-43B3-948B-1728B52AA6E4}">
+                <adec:decorative xmlns:adec="http://schemas.microsoft.com/office/drawing/2017/decorative" val="1"/>
+              </a:ext>
+            </a:extLst>
+          </p:cNvPr>
+          <p:cNvSpPr>
+            <a:spLocks noGrp="1" noRot="1" noChangeAspect="1" noMove="1" noResize="1" noEditPoints="1" noAdjustHandles="1" noChangeArrowheads="1" noChangeShapeType="1" noTextEdit="1"/>
+          </p:cNvSpPr>
+          <p:nvPr>
+            <p:extLst>
+              <p:ext uri="{386F3935-93C4-4BCD-93E2-E3B085C9AB24}">
+                <p16:designElem xmlns:p16="http://schemas.microsoft.com/office/powerpoint/2015/main" val="1"/>
+              </p:ext>
+            </p:extLst>
+          </p:nvPr>
+        </p:nvSpPr>
+        <p:spPr>
+          <a:xfrm>
+            <a:off x="10437812" y="0"/>
+            <a:ext cx="685800" cy="1143000"/>
+          </a:xfrm>
+          <a:prstGeom prst="rect">
+            <a:avLst/>
+          </a:prstGeom>
+          <a:solidFill>
+            <a:schemeClr val="accent1"/>
+          </a:solidFill>
+          <a:ln>
+            <a:noFill/>
+          </a:ln>
+        </p:spPr>
+        <p:style>
+          <a:lnRef idx="1">
+            <a:schemeClr val="accent1"/>
+          </a:lnRef>
+          <a:fillRef idx="3">
+            <a:schemeClr val="accent1"/>
+          </a:fillRef>
+          <a:effectRef idx="2">
+            <a:schemeClr val="accent1"/>
+          </a:effectRef>
+          <a:fontRef idx="minor">
+            <a:schemeClr val="lt1"/>
+          </a:fontRef>
+        </p:style>
+      </p:sp>
+      <p:sp>
+        <p:nvSpPr>
           <p:cNvPr id="2" name="Title 1">
             <a:extLst>
               <a:ext uri="{FF2B5EF4-FFF2-40B4-BE49-F238E27FC236}">
-                <a16:creationId xmlns:a16="http://schemas.microsoft.com/office/drawing/2014/main" id="{D7149846-BE3C-2251-3434-040C151638B6}"/>
+                <a16:creationId xmlns:a16="http://schemas.microsoft.com/office/drawing/2014/main" id="{DCD01A4B-19B9-150A-5C86-60E27127E57D}"/>
               </a:ext>
             </a:extLst>
           </p:cNvPr>
@@ -13839,47 +17522,504 @@
             <p:ph type="title"/>
           </p:nvPr>
         </p:nvSpPr>
-        <p:spPr/>
+        <p:spPr>
+          <a:xfrm>
+            <a:off x="8382055" y="1241266"/>
+            <a:ext cx="3161016" cy="3153753"/>
+          </a:xfrm>
+        </p:spPr>
         <p:txBody>
-          <a:bodyPr/>
+          <a:bodyPr vert="horz" lIns="91440" tIns="45720" rIns="91440" bIns="45720" rtlCol="0" anchor="b">
+            <a:normAutofit/>
+          </a:bodyPr>
           <a:lstStyle/>
           <a:p>
             <a:r>
-              <a:rPr lang="en-GB" dirty="0"/>
-              <a:t>Results NWHL</a:t>
+              <a:rPr lang="en-US" sz="5000"/>
+              <a:t>Results Olympics</a:t>
             </a:r>
           </a:p>
         </p:txBody>
       </p:sp>
-      <p:sp>
-        <p:nvSpPr>
-          <p:cNvPr id="3" name="Content Placeholder 2">
+      <p:grpSp>
+        <p:nvGrpSpPr>
+          <p:cNvPr id="22" name="Group 21">
             <a:extLst>
               <a:ext uri="{FF2B5EF4-FFF2-40B4-BE49-F238E27FC236}">
-                <a16:creationId xmlns:a16="http://schemas.microsoft.com/office/drawing/2014/main" id="{A013E51C-3D44-B7A8-B16D-CE63156589EE}"/>
+                <a16:creationId xmlns:a16="http://schemas.microsoft.com/office/drawing/2014/main" id="{227140B8-92FC-43F0-8CCA-F40052CE502D}"/>
+              </a:ext>
+              <a:ext uri="{C183D7F6-B498-43B3-948B-1728B52AA6E4}">
+                <adec:decorative xmlns:adec="http://schemas.microsoft.com/office/drawing/2017/decorative" val="1"/>
               </a:ext>
             </a:extLst>
           </p:cNvPr>
-          <p:cNvSpPr>
-            <a:spLocks noGrp="1"/>
-          </p:cNvSpPr>
+          <p:cNvGrpSpPr>
+            <a:grpSpLocks noGrp="1" noUngrp="1" noRot="1" noChangeAspect="1" noMove="1" noResize="1"/>
+          </p:cNvGrpSpPr>
           <p:nvPr>
-            <p:ph idx="1"/>
+            <p:extLst>
+              <p:ext uri="{386F3935-93C4-4BCD-93E2-E3B085C9AB24}">
+                <p16:designElem xmlns:p16="http://schemas.microsoft.com/office/powerpoint/2015/main" val="1"/>
+              </p:ext>
+            </p:extLst>
           </p:nvPr>
-        </p:nvSpPr>
-        <p:spPr/>
-        <p:txBody>
-          <a:bodyPr/>
-          <a:lstStyle/>
-          <a:p>
-            <a:endParaRPr lang="en-GB"/>
-          </a:p>
-        </p:txBody>
-      </p:sp>
+        </p:nvGrpSpPr>
+        <p:grpSpPr>
+          <a:xfrm>
+            <a:off x="423332" y="396837"/>
+            <a:ext cx="7906665" cy="6058999"/>
+            <a:chOff x="423332" y="396837"/>
+            <a:chExt cx="7906665" cy="6058999"/>
+          </a:xfrm>
+        </p:grpSpPr>
+        <p:sp>
+          <p:nvSpPr>
+            <p:cNvPr id="23" name="Rectangle 22">
+              <a:extLst>
+                <a:ext uri="{FF2B5EF4-FFF2-40B4-BE49-F238E27FC236}">
+                  <a16:creationId xmlns:a16="http://schemas.microsoft.com/office/drawing/2014/main" id="{E14FEF32-7604-4713-A9F1-9D90A6F78B99}"/>
+                </a:ext>
+                <a:ext uri="{C183D7F6-B498-43B3-948B-1728B52AA6E4}">
+                  <adec:decorative xmlns:adec="http://schemas.microsoft.com/office/drawing/2017/decorative" val="1"/>
+                </a:ext>
+              </a:extLst>
+            </p:cNvPr>
+            <p:cNvSpPr/>
+            <p:nvPr>
+              <p:extLst>
+                <p:ext uri="{386F3935-93C4-4BCD-93E2-E3B085C9AB24}">
+                  <p16:designElem xmlns:p16="http://schemas.microsoft.com/office/powerpoint/2015/main" val="1"/>
+                </p:ext>
+              </p:extLst>
+            </p:nvPr>
+          </p:nvSpPr>
+          <p:spPr bwMode="gray">
+            <a:xfrm flipH="1">
+              <a:off x="423332" y="402165"/>
+              <a:ext cx="6785133" cy="6053670"/>
+            </a:xfrm>
+            <a:prstGeom prst="rect">
+              <a:avLst/>
+            </a:prstGeom>
+            <a:solidFill>
+              <a:schemeClr val="bg1"/>
+            </a:solidFill>
+            <a:ln>
+              <a:noFill/>
+            </a:ln>
+            <a:effectLst/>
+          </p:spPr>
+          <p:style>
+            <a:lnRef idx="1">
+              <a:schemeClr val="accent1"/>
+            </a:lnRef>
+            <a:fillRef idx="3">
+              <a:schemeClr val="accent1"/>
+            </a:fillRef>
+            <a:effectRef idx="2">
+              <a:schemeClr val="accent1"/>
+            </a:effectRef>
+            <a:fontRef idx="minor">
+              <a:schemeClr val="lt1"/>
+            </a:fontRef>
+          </p:style>
+        </p:sp>
+        <p:sp>
+          <p:nvSpPr>
+            <p:cNvPr id="24" name="Freeform 5">
+              <a:extLst>
+                <a:ext uri="{FF2B5EF4-FFF2-40B4-BE49-F238E27FC236}">
+                  <a16:creationId xmlns:a16="http://schemas.microsoft.com/office/drawing/2014/main" id="{95AD3905-A7DD-4026-B7FD-C203CC3052E8}"/>
+                </a:ext>
+                <a:ext uri="{C183D7F6-B498-43B3-948B-1728B52AA6E4}">
+                  <adec:decorative xmlns:adec="http://schemas.microsoft.com/office/drawing/2017/decorative" val="1"/>
+                </a:ext>
+              </a:extLst>
+            </p:cNvPr>
+            <p:cNvSpPr/>
+            <p:nvPr>
+              <p:extLst>
+                <p:ext uri="{386F3935-93C4-4BCD-93E2-E3B085C9AB24}">
+                  <p16:designElem xmlns:p16="http://schemas.microsoft.com/office/powerpoint/2015/main" val="1"/>
+                </p:ext>
+              </p:extLst>
+            </p:nvPr>
+          </p:nvSpPr>
+          <p:spPr bwMode="gray">
+            <a:xfrm rot="5400000" flipH="1">
+              <a:off x="4616676" y="2801722"/>
+              <a:ext cx="6053670" cy="1254558"/>
+            </a:xfrm>
+            <a:custGeom>
+              <a:avLst/>
+              <a:gdLst/>
+              <a:ahLst/>
+              <a:cxnLst/>
+              <a:rect l="l" t="t" r="r" b="b"/>
+              <a:pathLst>
+                <a:path w="10000" h="8000">
+                  <a:moveTo>
+                    <a:pt x="0" y="0"/>
+                  </a:moveTo>
+                  <a:lnTo>
+                    <a:pt x="0" y="7970"/>
+                  </a:lnTo>
+                  <a:lnTo>
+                    <a:pt x="10000" y="8000"/>
+                  </a:lnTo>
+                  <a:lnTo>
+                    <a:pt x="10000" y="7"/>
+                  </a:lnTo>
+                  <a:lnTo>
+                    <a:pt x="10000" y="7"/>
+                  </a:lnTo>
+                  <a:lnTo>
+                    <a:pt x="9773" y="156"/>
+                  </a:lnTo>
+                  <a:lnTo>
+                    <a:pt x="9547" y="298"/>
+                  </a:lnTo>
+                  <a:lnTo>
+                    <a:pt x="9320" y="437"/>
+                  </a:lnTo>
+                  <a:lnTo>
+                    <a:pt x="9092" y="556"/>
+                  </a:lnTo>
+                  <a:lnTo>
+                    <a:pt x="8865" y="676"/>
+                  </a:lnTo>
+                  <a:lnTo>
+                    <a:pt x="8637" y="788"/>
+                  </a:lnTo>
+                  <a:lnTo>
+                    <a:pt x="8412" y="884"/>
+                  </a:lnTo>
+                  <a:lnTo>
+                    <a:pt x="8184" y="975"/>
+                  </a:lnTo>
+                  <a:lnTo>
+                    <a:pt x="7957" y="1058"/>
+                  </a:lnTo>
+                  <a:lnTo>
+                    <a:pt x="7734" y="1130"/>
+                  </a:lnTo>
+                  <a:lnTo>
+                    <a:pt x="7508" y="1202"/>
+                  </a:lnTo>
+                  <a:lnTo>
+                    <a:pt x="7285" y="1262"/>
+                  </a:lnTo>
+                  <a:lnTo>
+                    <a:pt x="7062" y="1309"/>
+                  </a:lnTo>
+                  <a:lnTo>
+                    <a:pt x="6840" y="1358"/>
+                  </a:lnTo>
+                  <a:lnTo>
+                    <a:pt x="6620" y="1399"/>
+                  </a:lnTo>
+                  <a:lnTo>
+                    <a:pt x="6402" y="1428"/>
+                  </a:lnTo>
+                  <a:lnTo>
+                    <a:pt x="6184" y="1453"/>
+                  </a:lnTo>
+                  <a:lnTo>
+                    <a:pt x="5968" y="1477"/>
+                  </a:lnTo>
+                  <a:lnTo>
+                    <a:pt x="5755" y="1488"/>
+                  </a:lnTo>
+                  <a:lnTo>
+                    <a:pt x="5542" y="1500"/>
+                  </a:lnTo>
+                  <a:lnTo>
+                    <a:pt x="5332" y="1506"/>
+                  </a:lnTo>
+                  <a:lnTo>
+                    <a:pt x="5124" y="1500"/>
+                  </a:lnTo>
+                  <a:lnTo>
+                    <a:pt x="4918" y="1500"/>
+                  </a:lnTo>
+                  <a:lnTo>
+                    <a:pt x="4714" y="1488"/>
+                  </a:lnTo>
+                  <a:lnTo>
+                    <a:pt x="4514" y="1470"/>
+                  </a:lnTo>
+                  <a:lnTo>
+                    <a:pt x="4316" y="1453"/>
+                  </a:lnTo>
+                  <a:lnTo>
+                    <a:pt x="4122" y="1434"/>
+                  </a:lnTo>
+                  <a:lnTo>
+                    <a:pt x="3929" y="1405"/>
+                  </a:lnTo>
+                  <a:lnTo>
+                    <a:pt x="3739" y="1374"/>
+                  </a:lnTo>
+                  <a:lnTo>
+                    <a:pt x="3553" y="1346"/>
+                  </a:lnTo>
+                  <a:lnTo>
+                    <a:pt x="3190" y="1267"/>
+                  </a:lnTo>
+                  <a:lnTo>
+                    <a:pt x="2842" y="1183"/>
+                  </a:lnTo>
+                  <a:lnTo>
+                    <a:pt x="2508" y="1095"/>
+                  </a:lnTo>
+                  <a:lnTo>
+                    <a:pt x="2192" y="998"/>
+                  </a:lnTo>
+                  <a:lnTo>
+                    <a:pt x="1890" y="897"/>
+                  </a:lnTo>
+                  <a:lnTo>
+                    <a:pt x="1610" y="788"/>
+                  </a:lnTo>
+                  <a:lnTo>
+                    <a:pt x="1347" y="681"/>
+                  </a:lnTo>
+                  <a:lnTo>
+                    <a:pt x="1105" y="574"/>
+                  </a:lnTo>
+                  <a:lnTo>
+                    <a:pt x="883" y="473"/>
+                  </a:lnTo>
+                  <a:lnTo>
+                    <a:pt x="686" y="377"/>
+                  </a:lnTo>
+                  <a:lnTo>
+                    <a:pt x="508" y="286"/>
+                  </a:lnTo>
+                  <a:lnTo>
+                    <a:pt x="358" y="210"/>
+                  </a:lnTo>
+                  <a:lnTo>
+                    <a:pt x="232" y="138"/>
+                  </a:lnTo>
+                  <a:lnTo>
+                    <a:pt x="59" y="35"/>
+                  </a:lnTo>
+                  <a:lnTo>
+                    <a:pt x="0" y="0"/>
+                  </a:lnTo>
+                  <a:lnTo>
+                    <a:pt x="0" y="0"/>
+                  </a:lnTo>
+                  <a:close/>
+                </a:path>
+              </a:pathLst>
+            </a:custGeom>
+            <a:solidFill>
+              <a:schemeClr val="bg1"/>
+            </a:solidFill>
+            <a:ln>
+              <a:noFill/>
+            </a:ln>
+          </p:spPr>
+        </p:sp>
+        <p:sp>
+          <p:nvSpPr>
+            <p:cNvPr id="25" name="Freeform 5">
+              <a:extLst>
+                <a:ext uri="{FF2B5EF4-FFF2-40B4-BE49-F238E27FC236}">
+                  <a16:creationId xmlns:a16="http://schemas.microsoft.com/office/drawing/2014/main" id="{467A9BDB-6572-473C-B2E5-C1AC2F7163D1}"/>
+                </a:ext>
+                <a:ext uri="{C183D7F6-B498-43B3-948B-1728B52AA6E4}">
+                  <adec:decorative xmlns:adec="http://schemas.microsoft.com/office/drawing/2017/decorative" val="1"/>
+                </a:ext>
+              </a:extLst>
+            </p:cNvPr>
+            <p:cNvSpPr/>
+            <p:nvPr>
+              <p:extLst>
+                <p:ext uri="{386F3935-93C4-4BCD-93E2-E3B085C9AB24}">
+                  <p16:designElem xmlns:p16="http://schemas.microsoft.com/office/powerpoint/2015/main" val="1"/>
+                </p:ext>
+              </p:extLst>
+            </p:nvPr>
+          </p:nvSpPr>
+          <p:spPr bwMode="gray">
+            <a:xfrm rot="5677511" flipH="1">
+              <a:off x="6459831" y="1826079"/>
+              <a:ext cx="3299407" cy="440924"/>
+            </a:xfrm>
+            <a:custGeom>
+              <a:avLst/>
+              <a:gdLst/>
+              <a:ahLst/>
+              <a:cxnLst/>
+              <a:rect l="l" t="t" r="r" b="b"/>
+              <a:pathLst>
+                <a:path w="10000" h="5291">
+                  <a:moveTo>
+                    <a:pt x="85" y="2532"/>
+                  </a:moveTo>
+                  <a:cubicBezTo>
+                    <a:pt x="1736" y="3911"/>
+                    <a:pt x="7524" y="5298"/>
+                    <a:pt x="9958" y="5291"/>
+                  </a:cubicBezTo>
+                  <a:cubicBezTo>
+                    <a:pt x="9989" y="1958"/>
+                    <a:pt x="9969" y="3333"/>
+                    <a:pt x="10000" y="0"/>
+                  </a:cubicBezTo>
+                  <a:lnTo>
+                    <a:pt x="10000" y="0"/>
+                  </a:lnTo>
+                  <a:lnTo>
+                    <a:pt x="9667" y="204"/>
+                  </a:lnTo>
+                  <a:lnTo>
+                    <a:pt x="9334" y="400"/>
+                  </a:lnTo>
+                  <a:lnTo>
+                    <a:pt x="9001" y="590"/>
+                  </a:lnTo>
+                  <a:lnTo>
+                    <a:pt x="8667" y="753"/>
+                  </a:lnTo>
+                  <a:lnTo>
+                    <a:pt x="8333" y="917"/>
+                  </a:lnTo>
+                  <a:lnTo>
+                    <a:pt x="7999" y="1071"/>
+                  </a:lnTo>
+                  <a:lnTo>
+                    <a:pt x="7669" y="1202"/>
+                  </a:lnTo>
+                  <a:lnTo>
+                    <a:pt x="7333" y="1325"/>
+                  </a:lnTo>
+                  <a:lnTo>
+                    <a:pt x="7000" y="1440"/>
+                  </a:lnTo>
+                  <a:lnTo>
+                    <a:pt x="6673" y="1538"/>
+                  </a:lnTo>
+                  <a:lnTo>
+                    <a:pt x="6340" y="1636"/>
+                  </a:lnTo>
+                  <a:lnTo>
+                    <a:pt x="6013" y="1719"/>
+                  </a:lnTo>
+                  <a:lnTo>
+                    <a:pt x="5686" y="1784"/>
+                  </a:lnTo>
+                  <a:lnTo>
+                    <a:pt x="5359" y="1850"/>
+                  </a:lnTo>
+                  <a:lnTo>
+                    <a:pt x="5036" y="1906"/>
+                  </a:lnTo>
+                  <a:lnTo>
+                    <a:pt x="4717" y="1948"/>
+                  </a:lnTo>
+                  <a:lnTo>
+                    <a:pt x="4396" y="1980"/>
+                  </a:lnTo>
+                  <a:lnTo>
+                    <a:pt x="4079" y="2013"/>
+                  </a:lnTo>
+                  <a:lnTo>
+                    <a:pt x="3766" y="2029"/>
+                  </a:lnTo>
+                  <a:lnTo>
+                    <a:pt x="3454" y="2046"/>
+                  </a:lnTo>
+                  <a:lnTo>
+                    <a:pt x="3145" y="2053"/>
+                  </a:lnTo>
+                  <a:lnTo>
+                    <a:pt x="2839" y="2046"/>
+                  </a:lnTo>
+                  <a:lnTo>
+                    <a:pt x="2537" y="2046"/>
+                  </a:lnTo>
+                  <a:lnTo>
+                    <a:pt x="2238" y="2029"/>
+                  </a:lnTo>
+                  <a:lnTo>
+                    <a:pt x="1943" y="2004"/>
+                  </a:lnTo>
+                  <a:lnTo>
+                    <a:pt x="1653" y="1980"/>
+                  </a:lnTo>
+                  <a:lnTo>
+                    <a:pt x="1368" y="1955"/>
+                  </a:lnTo>
+                  <a:lnTo>
+                    <a:pt x="1085" y="1915"/>
+                  </a:lnTo>
+                  <a:lnTo>
+                    <a:pt x="806" y="1873"/>
+                  </a:lnTo>
+                  <a:lnTo>
+                    <a:pt x="533" y="1833"/>
+                  </a:lnTo>
+                  <a:lnTo>
+                    <a:pt x="0" y="1726"/>
+                  </a:lnTo>
+                  <a:cubicBezTo>
+                    <a:pt x="28" y="1995"/>
+                    <a:pt x="57" y="2263"/>
+                    <a:pt x="85" y="2532"/>
+                  </a:cubicBezTo>
+                  <a:close/>
+                </a:path>
+              </a:pathLst>
+            </a:custGeom>
+            <a:solidFill>
+              <a:schemeClr val="bg1">
+                <a:alpha val="20000"/>
+              </a:schemeClr>
+            </a:solidFill>
+            <a:ln>
+              <a:noFill/>
+            </a:ln>
+          </p:spPr>
+        </p:sp>
+      </p:grpSp>
+      <p:pic>
+        <p:nvPicPr>
+          <p:cNvPr id="4" name="Picture 3" descr="A black screen with white text&#10;&#10;Description automatically generated with low confidence">
+            <a:extLst>
+              <a:ext uri="{FF2B5EF4-FFF2-40B4-BE49-F238E27FC236}">
+                <a16:creationId xmlns:a16="http://schemas.microsoft.com/office/drawing/2014/main" id="{D641DABE-A29B-CBA2-CA83-2DE64F892B43}"/>
+              </a:ext>
+            </a:extLst>
+          </p:cNvPr>
+          <p:cNvPicPr>
+            <a:picLocks noChangeAspect="1"/>
+          </p:cNvPicPr>
+          <p:nvPr/>
+        </p:nvPicPr>
+        <p:blipFill>
+          <a:blip r:embed="rId3"/>
+          <a:stretch>
+            <a:fillRect/>
+          </a:stretch>
+        </p:blipFill>
+        <p:spPr>
+          <a:xfrm>
+            <a:off x="61517" y="3081542"/>
+            <a:ext cx="7934279" cy="1254216"/>
+          </a:xfrm>
+          <a:prstGeom prst="rect">
+            <a:avLst/>
+          </a:prstGeom>
+        </p:spPr>
+      </p:pic>
     </p:spTree>
     <p:extLst>
       <p:ext uri="{BB962C8B-B14F-4D97-AF65-F5344CB8AC3E}">
-        <p14:creationId xmlns:p14="http://schemas.microsoft.com/office/powerpoint/2010/main" val="2190234350"/>
+        <p14:creationId xmlns:p14="http://schemas.microsoft.com/office/powerpoint/2010/main" val="2989764765"/>
       </p:ext>
     </p:extLst>
   </p:cSld>

--- a/2022/whkyhac2022/pres-whkyhac.pptx
+++ b/2022/whkyhac2022/pres-whkyhac.pptx
@@ -12486,7 +12486,7 @@
           <a:p>
             <a:r>
               <a:rPr lang="en-GB" dirty="0"/>
-              <a:t>Tim Keller – University of Basel, 10.07.2022</a:t>
+              <a:t>Tim Keller – University of Basel, 09.07.2022</a:t>
             </a:r>
           </a:p>
         </p:txBody>
